--- a/SEDSUSA/SEDS USA Organization Chart.pptx
+++ b/SEDSUSA/SEDS USA Organization Chart.pptx
@@ -14479,7 +14479,7 @@
         <p:spPr>
           <a:xfrm>
             <a:off x="7229024" y="259172"/>
-            <a:ext cx="2652231" cy="1569660"/>
+            <a:ext cx="2652231" cy="1384995"/>
           </a:xfrm>
           <a:prstGeom prst="rect">
             <a:avLst/>
@@ -14505,23 +14505,11 @@
               <a:t> </a:t>
             </a:r>
             <a:endParaRPr lang="en-US" sz="1200" dirty="0">
-              <a:latin typeface="Segoe UI" panose="020B0502040204020203" pitchFamily="34" charset="0"/>
+              <a:solidFill>
+                <a:srgbClr val="000000"/>
+              </a:solidFill>
+              <a:latin typeface="Calibri" panose="020F0502020204030204" pitchFamily="34" charset="0"/>
             </a:endParaRPr>
-          </a:p>
-          <a:p>
-            <a:pPr fontAlgn="base">
-              <a:buFont typeface="+mj-lt"/>
-              <a:buAutoNum type="arabicPeriod"/>
-            </a:pPr>
-            <a:r>
-              <a:rPr lang="en-US" sz="1200" dirty="0">
-                <a:solidFill>
-                  <a:srgbClr val="000000"/>
-                </a:solidFill>
-                <a:latin typeface="Calibri" panose="020F0502020204030204" pitchFamily="34" charset="0"/>
-              </a:rPr>
-              <a:t>Justine Walker </a:t>
-            </a:r>
           </a:p>
           <a:p>
             <a:pPr fontAlgn="base">
@@ -22777,6 +22765,15 @@
 </file>
 
 <file path=customXml/item1.xml><?xml version="1.0" encoding="utf-8"?>
+<?mso-contentType ?>
+<FormTemplates xmlns="http://schemas.microsoft.com/sharepoint/v3/contenttype/forms">
+  <Display>DocumentLibraryForm</Display>
+  <Edit>DocumentLibraryForm</Edit>
+  <New>DocumentLibraryForm</New>
+</FormTemplates>
+</file>
+
+<file path=customXml/item2.xml><?xml version="1.0" encoding="utf-8"?>
 <ct:contentTypeSchema xmlns:ct="http://schemas.microsoft.com/office/2006/metadata/contentType" xmlns:ma="http://schemas.microsoft.com/office/2006/metadata/properties/metaAttributes" ct:_="" ma:_="" ma:contentTypeName="Document" ma:contentTypeID="0x01010079F111ED35F8CC479449609E8A0923A6" ma:contentTypeVersion="11" ma:contentTypeDescription="Create a new document." ma:contentTypeScope="" ma:versionID="9677210f24a1be23c92c90fd886aa0aa">
   <xsd:schema xmlns:xsd="http://www.w3.org/2001/XMLSchema" xmlns:xs="http://www.w3.org/2001/XMLSchema" xmlns:p="http://schemas.microsoft.com/office/2006/metadata/properties" xmlns:ns2="71af3243-3dd4-4a8d-8c0d-dd76da1f02a5" xmlns:ns3="16c05727-aa75-4e4a-9b5f-8a80a1165891" targetNamespace="http://schemas.microsoft.com/office/2006/metadata/properties" ma:root="true" ma:fieldsID="60e05723c5c1908df1a1a4ebf11d344e" ns2:_="" ns3:_="">
     <xsd:import namespace="71af3243-3dd4-4a8d-8c0d-dd76da1f02a5"/>
@@ -22987,15 +22984,6 @@
 </ct:contentTypeSchema>
 </file>
 
-<file path=customXml/item2.xml><?xml version="1.0" encoding="utf-8"?>
-<?mso-contentType ?>
-<FormTemplates xmlns="http://schemas.microsoft.com/sharepoint/v3/contenttype/forms">
-  <Display>DocumentLibraryForm</Display>
-  <Edit>DocumentLibraryForm</Edit>
-  <New>DocumentLibraryForm</New>
-</FormTemplates>
-</file>
-
 <file path=customXml/item3.xml><?xml version="1.0" encoding="utf-8"?>
 <p:properties xmlns:p="http://schemas.microsoft.com/office/2006/metadata/properties" xmlns:xsi="http://www.w3.org/2001/XMLSchema-instance" xmlns:pc="http://schemas.microsoft.com/office/infopath/2007/PartnerControls">
   <documentManagement>
@@ -23005,6 +22993,14 @@
 </file>
 
 <file path=customXml/itemProps1.xml><?xml version="1.0" encoding="utf-8"?>
+<ds:datastoreItem xmlns:ds="http://schemas.openxmlformats.org/officeDocument/2006/customXml" ds:itemID="{9082A0F6-5C05-4A60-9DD8-B772877A4F89}">
+  <ds:schemaRefs>
+    <ds:schemaRef ds:uri="http://schemas.microsoft.com/sharepoint/v3/contenttype/forms"/>
+  </ds:schemaRefs>
+</ds:datastoreItem>
+</file>
+
+<file path=customXml/itemProps2.xml><?xml version="1.0" encoding="utf-8"?>
 <ds:datastoreItem xmlns:ds="http://schemas.openxmlformats.org/officeDocument/2006/customXml" ds:itemID="{840DE65C-3715-41A1-996C-103EA7902D46}">
   <ds:schemaRefs>
     <ds:schemaRef ds:uri="http://schemas.microsoft.com/office/2006/metadata/contentType"/>
@@ -23019,14 +23015,6 @@
     <ds:schemaRef ds:uri="http://purl.org/dc/elements/1.1/"/>
     <ds:schemaRef ds:uri="http://purl.org/dc/terms/"/>
     <ds:schemaRef ds:uri="http://schemas.microsoft.com/internal/obd"/>
-  </ds:schemaRefs>
-</ds:datastoreItem>
-</file>
-
-<file path=customXml/itemProps2.xml><?xml version="1.0" encoding="utf-8"?>
-<ds:datastoreItem xmlns:ds="http://schemas.openxmlformats.org/officeDocument/2006/customXml" ds:itemID="{9082A0F6-5C05-4A60-9DD8-B772877A4F89}">
-  <ds:schemaRefs>
-    <ds:schemaRef ds:uri="http://schemas.microsoft.com/sharepoint/v3/contenttype/forms"/>
   </ds:schemaRefs>
 </ds:datastoreItem>
 </file>

--- a/SEDSUSA/SEDS USA Organization Chart.pptx
+++ b/SEDSUSA/SEDS USA Organization Chart.pptx
@@ -223,7 +223,7 @@
           <a:p>
             <a:fld id="{CB7AD89C-BB88-48A3-A1C9-D13CF625B286}" type="datetimeFigureOut">
               <a:rPr lang="en-US" smtClean="0"/>
-              <a:t>11/13/2019</a:t>
+              <a:t>11/14/2019</a:t>
             </a:fld>
             <a:endParaRPr lang="en-US" dirty="0"/>
           </a:p>
@@ -400,7 +400,7 @@
           <a:p>
             <a:fld id="{EFD09F21-8F1F-4129-8AEA-7EF5D9ADF331}" type="datetimeFigureOut">
               <a:rPr lang="en-US" smtClean="0"/>
-              <a:t>11/13/2019</a:t>
+              <a:t>11/14/2019</a:t>
             </a:fld>
             <a:endParaRPr lang="en-US" dirty="0"/>
           </a:p>
@@ -1161,7 +1161,7 @@
           <a:p>
             <a:fld id="{74929172-4BF7-429F-BA25-7E9D1A4215EE}" type="datetimeFigureOut">
               <a:rPr lang="en-US" noProof="0" smtClean="0"/>
-              <a:t>11/13/2019</a:t>
+              <a:t>11/14/2019</a:t>
             </a:fld>
             <a:endParaRPr lang="en-US" noProof="0" dirty="0"/>
           </a:p>
@@ -1499,7 +1499,7 @@
           <a:p>
             <a:fld id="{74929172-4BF7-429F-BA25-7E9D1A4215EE}" type="datetimeFigureOut">
               <a:rPr lang="en-US" noProof="0" smtClean="0"/>
-              <a:t>11/13/2019</a:t>
+              <a:t>11/14/2019</a:t>
             </a:fld>
             <a:endParaRPr lang="en-US" noProof="0" dirty="0"/>
           </a:p>
@@ -1776,7 +1776,7 @@
           <a:p>
             <a:fld id="{74929172-4BF7-429F-BA25-7E9D1A4215EE}" type="datetimeFigureOut">
               <a:rPr lang="en-US" noProof="0" smtClean="0"/>
-              <a:t>11/13/2019</a:t>
+              <a:t>11/14/2019</a:t>
             </a:fld>
             <a:endParaRPr lang="en-US" noProof="0" dirty="0"/>
           </a:p>
@@ -2343,7 +2343,7 @@
           <a:p>
             <a:fld id="{74929172-4BF7-429F-BA25-7E9D1A4215EE}" type="datetimeFigureOut">
               <a:rPr lang="en-US" noProof="0" smtClean="0"/>
-              <a:t>11/13/2019</a:t>
+              <a:t>11/14/2019</a:t>
             </a:fld>
             <a:endParaRPr lang="en-US" noProof="0" dirty="0"/>
           </a:p>
@@ -2620,7 +2620,7 @@
           <a:p>
             <a:fld id="{74929172-4BF7-429F-BA25-7E9D1A4215EE}" type="datetimeFigureOut">
               <a:rPr lang="en-US" noProof="0" smtClean="0"/>
-              <a:t>11/13/2019</a:t>
+              <a:t>11/14/2019</a:t>
             </a:fld>
             <a:endParaRPr lang="en-US" noProof="0" dirty="0"/>
           </a:p>
@@ -3181,7 +3181,7 @@
           <a:p>
             <a:fld id="{74929172-4BF7-429F-BA25-7E9D1A4215EE}" type="datetimeFigureOut">
               <a:rPr lang="en-US" noProof="0" smtClean="0"/>
-              <a:t>11/13/2019</a:t>
+              <a:t>11/14/2019</a:t>
             </a:fld>
             <a:endParaRPr lang="en-US" noProof="0" dirty="0"/>
           </a:p>
@@ -3507,7 +3507,7 @@
           <a:p>
             <a:fld id="{74929172-4BF7-429F-BA25-7E9D1A4215EE}" type="datetimeFigureOut">
               <a:rPr lang="en-US" noProof="0" smtClean="0"/>
-              <a:t>11/13/2019</a:t>
+              <a:t>11/14/2019</a:t>
             </a:fld>
             <a:endParaRPr lang="en-US" noProof="0" dirty="0"/>
           </a:p>
@@ -3683,7 +3683,7 @@
           <a:p>
             <a:fld id="{74929172-4BF7-429F-BA25-7E9D1A4215EE}" type="datetimeFigureOut">
               <a:rPr lang="en-US" noProof="0" smtClean="0"/>
-              <a:t>11/13/2019</a:t>
+              <a:t>11/14/2019</a:t>
             </a:fld>
             <a:endParaRPr lang="en-US" noProof="0" dirty="0"/>
           </a:p>
@@ -3918,7 +3918,7 @@
           <a:p>
             <a:fld id="{74929172-4BF7-429F-BA25-7E9D1A4215EE}" type="datetimeFigureOut">
               <a:rPr lang="en-US" noProof="0" smtClean="0"/>
-              <a:t>11/13/2019</a:t>
+              <a:t>11/14/2019</a:t>
             </a:fld>
             <a:endParaRPr lang="en-US" noProof="0" dirty="0"/>
           </a:p>
@@ -4121,7 +4121,7 @@
           <a:p>
             <a:fld id="{74929172-4BF7-429F-BA25-7E9D1A4215EE}" type="datetimeFigureOut">
               <a:rPr lang="en-US" noProof="0" smtClean="0"/>
-              <a:t>11/13/2019</a:t>
+              <a:t>11/14/2019</a:t>
             </a:fld>
             <a:endParaRPr lang="en-US" noProof="0" dirty="0"/>
           </a:p>
@@ -4396,7 +4396,7 @@
           <a:p>
             <a:fld id="{74929172-4BF7-429F-BA25-7E9D1A4215EE}" type="datetimeFigureOut">
               <a:rPr lang="en-US" noProof="0" smtClean="0"/>
-              <a:t>11/13/2019</a:t>
+              <a:t>11/14/2019</a:t>
             </a:fld>
             <a:endParaRPr lang="en-US" noProof="0" dirty="0"/>
           </a:p>
@@ -4664,7 +4664,7 @@
           <a:p>
             <a:fld id="{74929172-4BF7-429F-BA25-7E9D1A4215EE}" type="datetimeFigureOut">
               <a:rPr lang="en-US" noProof="0" smtClean="0"/>
-              <a:t>11/13/2019</a:t>
+              <a:t>11/14/2019</a:t>
             </a:fld>
             <a:endParaRPr lang="en-US" noProof="0" dirty="0"/>
           </a:p>
@@ -5035,7 +5035,7 @@
           <a:p>
             <a:fld id="{74929172-4BF7-429F-BA25-7E9D1A4215EE}" type="datetimeFigureOut">
               <a:rPr lang="en-US" noProof="0" smtClean="0"/>
-              <a:t>11/13/2019</a:t>
+              <a:t>11/14/2019</a:t>
             </a:fld>
             <a:endParaRPr lang="en-US" noProof="0" dirty="0"/>
           </a:p>
@@ -5182,7 +5182,7 @@
           <a:p>
             <a:fld id="{74929172-4BF7-429F-BA25-7E9D1A4215EE}" type="datetimeFigureOut">
               <a:rPr lang="en-US" noProof="0" smtClean="0"/>
-              <a:t>11/13/2019</a:t>
+              <a:t>11/14/2019</a:t>
             </a:fld>
             <a:endParaRPr lang="en-US" noProof="0" dirty="0"/>
           </a:p>
@@ -5307,7 +5307,7 @@
           <a:p>
             <a:fld id="{74929172-4BF7-429F-BA25-7E9D1A4215EE}" type="datetimeFigureOut">
               <a:rPr lang="en-US" noProof="0" smtClean="0"/>
-              <a:t>11/13/2019</a:t>
+              <a:t>11/14/2019</a:t>
             </a:fld>
             <a:endParaRPr lang="en-US" noProof="0" dirty="0"/>
           </a:p>
@@ -5595,7 +5595,7 @@
           <a:p>
             <a:fld id="{74929172-4BF7-429F-BA25-7E9D1A4215EE}" type="datetimeFigureOut">
               <a:rPr lang="en-US" noProof="0" smtClean="0"/>
-              <a:t>11/13/2019</a:t>
+              <a:t>11/14/2019</a:t>
             </a:fld>
             <a:endParaRPr lang="en-US" noProof="0" dirty="0"/>
           </a:p>
@@ -5923,7 +5923,7 @@
           <a:p>
             <a:fld id="{74929172-4BF7-429F-BA25-7E9D1A4215EE}" type="datetimeFigureOut">
               <a:rPr lang="en-US" noProof="0" smtClean="0"/>
-              <a:t>11/13/2019</a:t>
+              <a:t>11/14/2019</a:t>
             </a:fld>
             <a:endParaRPr lang="en-US" noProof="0" dirty="0"/>
           </a:p>
@@ -6135,7 +6135,7 @@
           <a:p>
             <a:fld id="{74929172-4BF7-429F-BA25-7E9D1A4215EE}" type="datetimeFigureOut">
               <a:rPr lang="en-US" noProof="0" smtClean="0"/>
-              <a:t>11/13/2019</a:t>
+              <a:t>11/14/2019</a:t>
             </a:fld>
             <a:endParaRPr lang="en-US" noProof="0" dirty="0"/>
           </a:p>
@@ -9309,7 +9309,7 @@
         </p:nvGrpSpPr>
         <p:grpSpPr>
           <a:xfrm>
-            <a:off x="323758" y="1900202"/>
+            <a:off x="323758" y="2490752"/>
             <a:ext cx="1600200" cy="609707"/>
             <a:chOff x="1505552" y="2334607"/>
             <a:chExt cx="1143943" cy="609707"/>
@@ -10309,7 +10309,7 @@
         </p:nvGrpSpPr>
         <p:grpSpPr>
           <a:xfrm>
-            <a:off x="345220" y="3961582"/>
+            <a:off x="345220" y="4552132"/>
             <a:ext cx="1600200" cy="609707"/>
             <a:chOff x="1505552" y="2334607"/>
             <a:chExt cx="1143943" cy="609707"/>
@@ -10603,7 +10603,7 @@
         </p:nvGrpSpPr>
         <p:grpSpPr>
           <a:xfrm>
-            <a:off x="323758" y="2594390"/>
+            <a:off x="323758" y="3184940"/>
             <a:ext cx="1600200" cy="609707"/>
             <a:chOff x="1505552" y="2334607"/>
             <a:chExt cx="1143943" cy="609707"/>
@@ -10897,7 +10897,7 @@
         </p:nvGrpSpPr>
         <p:grpSpPr>
           <a:xfrm>
-            <a:off x="345220" y="4664893"/>
+            <a:off x="345220" y="5255443"/>
             <a:ext cx="1600200" cy="609707"/>
             <a:chOff x="1505552" y="2334607"/>
             <a:chExt cx="1143943" cy="609707"/>
@@ -11204,7 +11204,7 @@
         </p:nvGrpSpPr>
         <p:grpSpPr>
           <a:xfrm>
-            <a:off x="323758" y="3277986"/>
+            <a:off x="323758" y="3868536"/>
             <a:ext cx="1600200" cy="609707"/>
             <a:chOff x="1505552" y="2334607"/>
             <a:chExt cx="1143943" cy="609707"/>
@@ -11498,7 +11498,7 @@
         </p:nvGrpSpPr>
         <p:grpSpPr>
           <a:xfrm>
-            <a:off x="345220" y="5339366"/>
+            <a:off x="345220" y="5929916"/>
             <a:ext cx="1600200" cy="609707"/>
             <a:chOff x="1505552" y="2334607"/>
             <a:chExt cx="1143943" cy="609707"/>
@@ -11796,8 +11796,8 @@
         </p:nvCxnSpPr>
         <p:spPr>
           <a:xfrm rot="5400000" flipH="1" flipV="1">
-            <a:off x="853051" y="1639672"/>
-            <a:ext cx="520607" cy="454"/>
+            <a:off x="557776" y="1934947"/>
+            <a:ext cx="1111157" cy="454"/>
           </a:xfrm>
           <a:prstGeom prst="bentConnector3">
             <a:avLst>
@@ -14692,7 +14692,7 @@
         </p:nvSpPr>
         <p:spPr>
           <a:xfrm>
-            <a:off x="71932" y="6421140"/>
+            <a:off x="71932" y="6964065"/>
             <a:ext cx="2347409" cy="630942"/>
           </a:xfrm>
           <a:prstGeom prst="rect">
@@ -14803,6 +14803,220 @@
           </a:p>
         </p:txBody>
       </p:sp>
+      <p:grpSp>
+        <p:nvGrpSpPr>
+          <p:cNvPr id="92" name="Group 91">
+            <a:extLst>
+              <a:ext uri="{FF2B5EF4-FFF2-40B4-BE49-F238E27FC236}">
+                <a16:creationId xmlns:a16="http://schemas.microsoft.com/office/drawing/2014/main" id="{D8B69E36-AD94-4C0E-BAC7-AE044939C5F9}"/>
+              </a:ext>
+              <a:ext uri="{C183D7F6-B498-43B3-948B-1728B52AA6E4}">
+                <adec:decorative xmlns:adec="http://schemas.microsoft.com/office/drawing/2017/decorative" val="1"/>
+              </a:ext>
+            </a:extLst>
+          </p:cNvPr>
+          <p:cNvGrpSpPr/>
+          <p:nvPr/>
+        </p:nvGrpSpPr>
+        <p:grpSpPr>
+          <a:xfrm>
+            <a:off x="322352" y="1834927"/>
+            <a:ext cx="1600200" cy="421931"/>
+            <a:chOff x="5016000" y="1040449"/>
+            <a:chExt cx="2160000" cy="511431"/>
+          </a:xfrm>
+        </p:grpSpPr>
+        <p:sp>
+          <p:nvSpPr>
+            <p:cNvPr id="93" name="Rectangle 92">
+              <a:extLst>
+                <a:ext uri="{FF2B5EF4-FFF2-40B4-BE49-F238E27FC236}">
+                  <a16:creationId xmlns:a16="http://schemas.microsoft.com/office/drawing/2014/main" id="{6E193524-696D-403D-BCE0-0CA2288A04CB}"/>
+                </a:ext>
+              </a:extLst>
+            </p:cNvPr>
+            <p:cNvSpPr/>
+            <p:nvPr/>
+          </p:nvSpPr>
+          <p:spPr>
+            <a:xfrm>
+              <a:off x="5016000" y="1040449"/>
+              <a:ext cx="2160000" cy="509451"/>
+            </a:xfrm>
+            <a:prstGeom prst="rect">
+              <a:avLst/>
+            </a:prstGeom>
+            <a:solidFill>
+              <a:schemeClr val="bg1"/>
+            </a:solidFill>
+            <a:ln w="12700" cap="rnd" cmpd="sng" algn="ctr">
+              <a:solidFill>
+                <a:schemeClr val="bg1">
+                  <a:lumMod val="85000"/>
+                </a:schemeClr>
+              </a:solidFill>
+              <a:prstDash val="solid"/>
+            </a:ln>
+            <a:effectLst/>
+            <a:scene3d>
+              <a:camera prst="obliqueTopLeft"/>
+              <a:lightRig rig="soft" dir="t"/>
+            </a:scene3d>
+            <a:sp3d extrusionH="190500" prstMaterial="matte">
+              <a:contourClr>
+                <a:prstClr val="black">
+                  <a:lumMod val="50000"/>
+                  <a:lumOff val="50000"/>
+                </a:prstClr>
+              </a:contourClr>
+            </a:sp3d>
+          </p:spPr>
+          <p:style>
+            <a:lnRef idx="2">
+              <a:scrgbClr r="0" g="0" b="0"/>
+            </a:lnRef>
+            <a:fillRef idx="1">
+              <a:scrgbClr r="0" g="0" b="0"/>
+            </a:fillRef>
+            <a:effectRef idx="0">
+              <a:scrgbClr r="0" g="0" b="0"/>
+            </a:effectRef>
+            <a:fontRef idx="minor">
+              <a:schemeClr val="lt1"/>
+            </a:fontRef>
+          </p:style>
+          <p:txBody>
+            <a:bodyPr spcFirstLastPara="0" vert="horz" wrap="square" lIns="4715" tIns="4715" rIns="4715" bIns="44559" numCol="1" spcCol="1270" anchor="ctr" anchorCtr="0">
+              <a:noAutofit/>
+              <a:flatTx/>
+            </a:bodyPr>
+            <a:lstStyle/>
+            <a:p>
+              <a:pPr algn="ctr" defTabSz="330044">
+                <a:lnSpc>
+                  <a:spcPct val="90000"/>
+                </a:lnSpc>
+                <a:spcBef>
+                  <a:spcPct val="0"/>
+                </a:spcBef>
+                <a:spcAft>
+                  <a:spcPct val="35000"/>
+                </a:spcAft>
+              </a:pPr>
+              <a:r>
+                <a:rPr lang="en-US" sz="1000" b="1" dirty="0">
+                  <a:solidFill>
+                    <a:schemeClr val="tx1"/>
+                  </a:solidFill>
+                </a:rPr>
+                <a:t>Libby </a:t>
+              </a:r>
+              <a:r>
+                <a:rPr lang="en-US" sz="1000" b="1" dirty="0" err="1">
+                  <a:solidFill>
+                    <a:schemeClr val="tx1"/>
+                  </a:solidFill>
+                </a:rPr>
+                <a:t>Loyd</a:t>
+              </a:r>
+              <a:endParaRPr lang="en-US" sz="1000" b="1" dirty="0">
+                <a:solidFill>
+                  <a:schemeClr val="tx1"/>
+                </a:solidFill>
+              </a:endParaRPr>
+            </a:p>
+          </p:txBody>
+        </p:sp>
+        <p:sp>
+          <p:nvSpPr>
+            <p:cNvPr id="94" name="Rectangle 93">
+              <a:extLst>
+                <a:ext uri="{FF2B5EF4-FFF2-40B4-BE49-F238E27FC236}">
+                  <a16:creationId xmlns:a16="http://schemas.microsoft.com/office/drawing/2014/main" id="{CDC4A145-8D89-49A3-B8F6-AD19B8DD3D55}"/>
+                </a:ext>
+              </a:extLst>
+            </p:cNvPr>
+            <p:cNvSpPr/>
+            <p:nvPr/>
+          </p:nvSpPr>
+          <p:spPr>
+            <a:xfrm>
+              <a:off x="5016000" y="1443880"/>
+              <a:ext cx="2160000" cy="108000"/>
+            </a:xfrm>
+            <a:prstGeom prst="rect">
+              <a:avLst/>
+            </a:prstGeom>
+            <a:solidFill>
+              <a:schemeClr val="accent6"/>
+            </a:solidFill>
+            <a:ln w="19050" cap="rnd" cmpd="sng" algn="ctr">
+              <a:noFill/>
+              <a:prstDash val="solid"/>
+            </a:ln>
+            <a:effectLst>
+              <a:glow rad="254000">
+                <a:schemeClr val="accent2">
+                  <a:satMod val="175000"/>
+                  <a:alpha val="10000"/>
+                </a:schemeClr>
+              </a:glow>
+            </a:effectLst>
+            <a:scene3d>
+              <a:camera prst="obliqueTopLeft"/>
+              <a:lightRig rig="brightRoom" dir="t"/>
+            </a:scene3d>
+            <a:sp3d extrusionH="88900"/>
+          </p:spPr>
+          <p:style>
+            <a:lnRef idx="2">
+              <a:scrgbClr r="0" g="0" b="0"/>
+            </a:lnRef>
+            <a:fillRef idx="1">
+              <a:scrgbClr r="0" g="0" b="0"/>
+            </a:fillRef>
+            <a:effectRef idx="0">
+              <a:scrgbClr r="0" g="0" b="0"/>
+            </a:effectRef>
+            <a:fontRef idx="minor">
+              <a:schemeClr val="dk1">
+                <a:hueOff val="0"/>
+                <a:satOff val="0"/>
+                <a:lumOff val="0"/>
+                <a:alphaOff val="0"/>
+              </a:schemeClr>
+            </a:fontRef>
+          </p:style>
+          <p:txBody>
+            <a:bodyPr spcFirstLastPara="0" vert="horz" wrap="square" lIns="18860" tIns="4715" rIns="18860" bIns="4715" numCol="1" spcCol="1270" anchor="ctr" anchorCtr="0">
+              <a:noAutofit/>
+              <a:flatTx/>
+            </a:bodyPr>
+            <a:lstStyle/>
+            <a:p>
+              <a:pPr algn="ctr" defTabSz="330044">
+                <a:lnSpc>
+                  <a:spcPct val="90000"/>
+                </a:lnSpc>
+                <a:spcBef>
+                  <a:spcPct val="0"/>
+                </a:spcBef>
+                <a:spcAft>
+                  <a:spcPct val="35000"/>
+                </a:spcAft>
+              </a:pPr>
+              <a:r>
+                <a:rPr lang="en-US" sz="1000" b="1" dirty="0">
+                  <a:solidFill>
+                    <a:schemeClr val="bg1"/>
+                  </a:solidFill>
+                </a:rPr>
+                <a:t>ED (Non-Voting)</a:t>
+              </a:r>
+            </a:p>
+          </p:txBody>
+        </p:sp>
+      </p:grpSp>
     </p:spTree>
     <p:extLst>
       <p:ext uri="{BB962C8B-B14F-4D97-AF65-F5344CB8AC3E}">
@@ -15306,300 +15520,6 @@
       </p:grpSp>
       <p:grpSp>
         <p:nvGrpSpPr>
-          <p:cNvPr id="5" name="Group 4">
-            <a:extLst>
-              <a:ext uri="{FF2B5EF4-FFF2-40B4-BE49-F238E27FC236}">
-                <a16:creationId xmlns:a16="http://schemas.microsoft.com/office/drawing/2014/main" id="{7D85A44A-D2FF-4448-9A8A-FA82C89318CE}"/>
-              </a:ext>
-            </a:extLst>
-          </p:cNvPr>
-          <p:cNvGrpSpPr/>
-          <p:nvPr/>
-        </p:nvGrpSpPr>
-        <p:grpSpPr>
-          <a:xfrm>
-            <a:off x="323758" y="1900202"/>
-            <a:ext cx="1600200" cy="609707"/>
-            <a:chOff x="1505552" y="2334607"/>
-            <a:chExt cx="1143943" cy="609707"/>
-          </a:xfrm>
-        </p:grpSpPr>
-        <p:grpSp>
-          <p:nvGrpSpPr>
-            <p:cNvPr id="62" name="Group 61">
-              <a:extLst>
-                <a:ext uri="{FF2B5EF4-FFF2-40B4-BE49-F238E27FC236}">
-                  <a16:creationId xmlns:a16="http://schemas.microsoft.com/office/drawing/2014/main" id="{6B70B1D5-F5F8-429D-818A-E1CFA491E8B4}"/>
-                </a:ext>
-                <a:ext uri="{C183D7F6-B498-43B3-948B-1728B52AA6E4}">
-                  <adec:decorative xmlns:adec="http://schemas.microsoft.com/office/drawing/2017/decorative" val="1"/>
-                </a:ext>
-              </a:extLst>
-            </p:cNvPr>
-            <p:cNvGrpSpPr/>
-            <p:nvPr/>
-          </p:nvGrpSpPr>
-          <p:grpSpPr>
-            <a:xfrm>
-              <a:off x="1505552" y="2334607"/>
-              <a:ext cx="1143943" cy="449135"/>
-              <a:chOff x="2810778" y="3090121"/>
-              <a:chExt cx="1386597" cy="544406"/>
-            </a:xfrm>
-          </p:grpSpPr>
-          <p:sp>
-            <p:nvSpPr>
-              <p:cNvPr id="28" name="Rectangle 27">
-                <a:extLst>
-                  <a:ext uri="{FF2B5EF4-FFF2-40B4-BE49-F238E27FC236}">
-                    <a16:creationId xmlns:a16="http://schemas.microsoft.com/office/drawing/2014/main" id="{56964EBE-33D8-40BB-B16A-3066802FB416}"/>
-                  </a:ext>
-                </a:extLst>
-              </p:cNvPr>
-              <p:cNvSpPr/>
-              <p:nvPr/>
-            </p:nvSpPr>
-            <p:spPr>
-              <a:xfrm>
-                <a:off x="2810778" y="3090121"/>
-                <a:ext cx="1368000" cy="509451"/>
-              </a:xfrm>
-              <a:prstGeom prst="rect">
-                <a:avLst/>
-              </a:prstGeom>
-              <a:gradFill>
-                <a:gsLst>
-                  <a:gs pos="0">
-                    <a:schemeClr val="bg1"/>
-                  </a:gs>
-                  <a:gs pos="100000">
-                    <a:schemeClr val="bg1">
-                      <a:lumMod val="85000"/>
-                    </a:schemeClr>
-                  </a:gs>
-                </a:gsLst>
-                <a:lin ang="5400000" scaled="0"/>
-              </a:gradFill>
-              <a:ln w="3175" cap="rnd" cmpd="sng" algn="ctr">
-                <a:solidFill>
-                  <a:schemeClr val="bg1">
-                    <a:lumMod val="85000"/>
-                  </a:schemeClr>
-                </a:solidFill>
-                <a:prstDash val="solid"/>
-              </a:ln>
-              <a:effectLst/>
-              <a:scene3d>
-                <a:camera prst="obliqueTopLeft"/>
-                <a:lightRig rig="soft" dir="t"/>
-              </a:scene3d>
-              <a:sp3d extrusionH="190500" prstMaterial="matte">
-                <a:contourClr>
-                  <a:prstClr val="black">
-                    <a:lumMod val="50000"/>
-                    <a:lumOff val="50000"/>
-                  </a:prstClr>
-                </a:contourClr>
-              </a:sp3d>
-            </p:spPr>
-            <p:style>
-              <a:lnRef idx="2">
-                <a:scrgbClr r="0" g="0" b="0"/>
-              </a:lnRef>
-              <a:fillRef idx="1">
-                <a:scrgbClr r="0" g="0" b="0"/>
-              </a:fillRef>
-              <a:effectRef idx="0">
-                <a:scrgbClr r="0" g="0" b="0"/>
-              </a:effectRef>
-              <a:fontRef idx="minor">
-                <a:schemeClr val="lt1"/>
-              </a:fontRef>
-            </p:style>
-            <p:txBody>
-              <a:bodyPr spcFirstLastPara="0" vert="horz" wrap="square" lIns="59400" tIns="4715" rIns="59400" bIns="44559" numCol="1" spcCol="1270" anchor="ctr" anchorCtr="0">
-                <a:noAutofit/>
-                <a:flatTx/>
-              </a:bodyPr>
-              <a:lstStyle/>
-              <a:p>
-                <a:pPr algn="ctr" defTabSz="330044">
-                  <a:lnSpc>
-                    <a:spcPct val="90000"/>
-                  </a:lnSpc>
-                  <a:spcBef>
-                    <a:spcPct val="0"/>
-                  </a:spcBef>
-                  <a:spcAft>
-                    <a:spcPct val="35000"/>
-                  </a:spcAft>
-                </a:pPr>
-                <a:r>
-                  <a:rPr lang="en-US" sz="1000" b="1" dirty="0">
-                    <a:solidFill>
-                      <a:prstClr val="black"/>
-                    </a:solidFill>
-                  </a:rPr>
-                  <a:t>George Sarkodie</a:t>
-                </a:r>
-              </a:p>
-            </p:txBody>
-          </p:sp>
-          <p:sp>
-            <p:nvSpPr>
-              <p:cNvPr id="29" name="Rectangle 28">
-                <a:extLst>
-                  <a:ext uri="{FF2B5EF4-FFF2-40B4-BE49-F238E27FC236}">
-                    <a16:creationId xmlns:a16="http://schemas.microsoft.com/office/drawing/2014/main" id="{DCCA4BC2-1846-46B3-9533-96FEFE089BA1}"/>
-                  </a:ext>
-                </a:extLst>
-              </p:cNvPr>
-              <p:cNvSpPr/>
-              <p:nvPr/>
-            </p:nvSpPr>
-            <p:spPr>
-              <a:xfrm>
-                <a:off x="2829375" y="3526527"/>
-                <a:ext cx="1368000" cy="108000"/>
-              </a:xfrm>
-              <a:prstGeom prst="rect">
-                <a:avLst/>
-              </a:prstGeom>
-              <a:solidFill>
-                <a:schemeClr val="accent6"/>
-              </a:solidFill>
-              <a:ln>
-                <a:noFill/>
-              </a:ln>
-              <a:effectLst>
-                <a:glow rad="254000">
-                  <a:schemeClr val="accent1">
-                    <a:satMod val="175000"/>
-                    <a:alpha val="10000"/>
-                  </a:schemeClr>
-                </a:glow>
-              </a:effectLst>
-              <a:scene3d>
-                <a:camera prst="obliqueTopLeft"/>
-                <a:lightRig rig="brightRoom" dir="t"/>
-              </a:scene3d>
-              <a:sp3d extrusionH="88900"/>
-            </p:spPr>
-            <p:style>
-              <a:lnRef idx="2">
-                <a:schemeClr val="accent1">
-                  <a:hueOff val="0"/>
-                  <a:satOff val="0"/>
-                  <a:lumOff val="0"/>
-                  <a:alphaOff val="0"/>
-                </a:schemeClr>
-              </a:lnRef>
-              <a:fillRef idx="1">
-                <a:scrgbClr r="0" g="0" b="0"/>
-              </a:fillRef>
-              <a:effectRef idx="0">
-                <a:schemeClr val="lt1">
-                  <a:alpha val="90000"/>
-                  <a:hueOff val="0"/>
-                  <a:satOff val="0"/>
-                  <a:lumOff val="0"/>
-                  <a:alphaOff val="0"/>
-                </a:schemeClr>
-              </a:effectRef>
-              <a:fontRef idx="minor">
-                <a:schemeClr val="dk1">
-                  <a:hueOff val="0"/>
-                  <a:satOff val="0"/>
-                  <a:lumOff val="0"/>
-                  <a:alphaOff val="0"/>
-                </a:schemeClr>
-              </a:fontRef>
-            </p:style>
-            <p:txBody>
-              <a:bodyPr spcFirstLastPara="0" vert="horz" wrap="square" lIns="59400" tIns="4715" rIns="59400" bIns="4715" numCol="1" spcCol="1270" anchor="ctr" anchorCtr="0">
-                <a:noAutofit/>
-                <a:flatTx/>
-              </a:bodyPr>
-              <a:lstStyle/>
-              <a:p>
-                <a:pPr algn="ctr" defTabSz="330044">
-                  <a:lnSpc>
-                    <a:spcPct val="90000"/>
-                  </a:lnSpc>
-                  <a:spcBef>
-                    <a:spcPct val="0"/>
-                  </a:spcBef>
-                  <a:spcAft>
-                    <a:spcPct val="35000"/>
-                  </a:spcAft>
-                </a:pPr>
-                <a:r>
-                  <a:rPr lang="en-US" sz="1000" b="1" dirty="0">
-                    <a:solidFill>
-                      <a:schemeClr val="bg1"/>
-                    </a:solidFill>
-                  </a:rPr>
-                  <a:t>Vice Chair</a:t>
-                </a:r>
-              </a:p>
-            </p:txBody>
-          </p:sp>
-        </p:grpSp>
-        <p:cxnSp>
-          <p:nvCxnSpPr>
-            <p:cNvPr id="83" name="Straight Connector 82" descr="decorative element">
-              <a:extLst>
-                <a:ext uri="{FF2B5EF4-FFF2-40B4-BE49-F238E27FC236}">
-                  <a16:creationId xmlns:a16="http://schemas.microsoft.com/office/drawing/2014/main" id="{6B7B494C-8888-457E-82D1-32EE6B401023}"/>
-                </a:ext>
-              </a:extLst>
-            </p:cNvPr>
-            <p:cNvCxnSpPr>
-              <a:cxnSpLocks/>
-            </p:cNvCxnSpPr>
-            <p:nvPr/>
-          </p:nvCxnSpPr>
-          <p:spPr>
-            <a:xfrm>
-              <a:off x="2071303" y="2819346"/>
-              <a:ext cx="0" cy="124968"/>
-            </a:xfrm>
-            <a:prstGeom prst="line">
-              <a:avLst/>
-            </a:prstGeom>
-            <a:ln w="3175">
-              <a:solidFill>
-                <a:schemeClr val="bg1">
-                  <a:lumMod val="75000"/>
-                </a:schemeClr>
-              </a:solidFill>
-              <a:prstDash val="solid"/>
-              <a:headEnd type="none" w="sm" len="sm"/>
-              <a:tailEnd type="none" w="sm" len="sm"/>
-            </a:ln>
-            <a:scene3d>
-              <a:camera prst="obliqueTopLeft"/>
-              <a:lightRig rig="threePt" dir="t"/>
-            </a:scene3d>
-          </p:spPr>
-          <p:style>
-            <a:lnRef idx="1">
-              <a:schemeClr val="accent1"/>
-            </a:lnRef>
-            <a:fillRef idx="0">
-              <a:schemeClr val="accent1"/>
-            </a:fillRef>
-            <a:effectRef idx="0">
-              <a:schemeClr val="accent1"/>
-            </a:effectRef>
-            <a:fontRef idx="minor">
-              <a:schemeClr val="tx1"/>
-            </a:fontRef>
-          </p:style>
-        </p:cxnSp>
-      </p:grpSp>
-      <p:grpSp>
-        <p:nvGrpSpPr>
           <p:cNvPr id="69" name="Group 68">
             <a:extLst>
               <a:ext uri="{FF2B5EF4-FFF2-40B4-BE49-F238E27FC236}">
@@ -15827,207 +15747,6 @@
                   </a:solidFill>
                 </a:rPr>
                 <a:t>Director of Operations</a:t>
-              </a:r>
-            </a:p>
-          </p:txBody>
-        </p:sp>
-      </p:grpSp>
-      <p:grpSp>
-        <p:nvGrpSpPr>
-          <p:cNvPr id="136" name="Group 135">
-            <a:extLst>
-              <a:ext uri="{FF2B5EF4-FFF2-40B4-BE49-F238E27FC236}">
-                <a16:creationId xmlns:a16="http://schemas.microsoft.com/office/drawing/2014/main" id="{FA215D57-115E-4EA6-82EB-CB2CD22D4237}"/>
-              </a:ext>
-              <a:ext uri="{C183D7F6-B498-43B3-948B-1728B52AA6E4}">
-                <adec:decorative xmlns:adec="http://schemas.microsoft.com/office/drawing/2017/decorative" val="1"/>
-              </a:ext>
-            </a:extLst>
-          </p:cNvPr>
-          <p:cNvGrpSpPr/>
-          <p:nvPr/>
-        </p:nvGrpSpPr>
-        <p:grpSpPr>
-          <a:xfrm>
-            <a:off x="313481" y="957664"/>
-            <a:ext cx="1600200" cy="421931"/>
-            <a:chOff x="5016000" y="1040449"/>
-            <a:chExt cx="2160000" cy="511431"/>
-          </a:xfrm>
-        </p:grpSpPr>
-        <p:sp>
-          <p:nvSpPr>
-            <p:cNvPr id="18" name="Rectangle 17">
-              <a:extLst>
-                <a:ext uri="{FF2B5EF4-FFF2-40B4-BE49-F238E27FC236}">
-                  <a16:creationId xmlns:a16="http://schemas.microsoft.com/office/drawing/2014/main" id="{912543CF-3BD4-40B0-BB18-006DCC4331CA}"/>
-                </a:ext>
-              </a:extLst>
-            </p:cNvPr>
-            <p:cNvSpPr/>
-            <p:nvPr/>
-          </p:nvSpPr>
-          <p:spPr>
-            <a:xfrm>
-              <a:off x="5016000" y="1040449"/>
-              <a:ext cx="2160000" cy="509451"/>
-            </a:xfrm>
-            <a:prstGeom prst="rect">
-              <a:avLst/>
-            </a:prstGeom>
-            <a:solidFill>
-              <a:schemeClr val="bg1"/>
-            </a:solidFill>
-            <a:ln w="12700" cap="rnd" cmpd="sng" algn="ctr">
-              <a:solidFill>
-                <a:schemeClr val="bg1">
-                  <a:lumMod val="85000"/>
-                </a:schemeClr>
-              </a:solidFill>
-              <a:prstDash val="solid"/>
-            </a:ln>
-            <a:effectLst/>
-            <a:scene3d>
-              <a:camera prst="obliqueTopLeft"/>
-              <a:lightRig rig="soft" dir="t"/>
-            </a:scene3d>
-            <a:sp3d extrusionH="190500" prstMaterial="matte">
-              <a:contourClr>
-                <a:prstClr val="black">
-                  <a:lumMod val="50000"/>
-                  <a:lumOff val="50000"/>
-                </a:prstClr>
-              </a:contourClr>
-            </a:sp3d>
-          </p:spPr>
-          <p:style>
-            <a:lnRef idx="2">
-              <a:scrgbClr r="0" g="0" b="0"/>
-            </a:lnRef>
-            <a:fillRef idx="1">
-              <a:scrgbClr r="0" g="0" b="0"/>
-            </a:fillRef>
-            <a:effectRef idx="0">
-              <a:scrgbClr r="0" g="0" b="0"/>
-            </a:effectRef>
-            <a:fontRef idx="minor">
-              <a:schemeClr val="lt1"/>
-            </a:fontRef>
-          </p:style>
-          <p:txBody>
-            <a:bodyPr spcFirstLastPara="0" vert="horz" wrap="square" lIns="4715" tIns="4715" rIns="4715" bIns="44559" numCol="1" spcCol="1270" anchor="ctr" anchorCtr="0">
-              <a:noAutofit/>
-              <a:flatTx/>
-            </a:bodyPr>
-            <a:lstStyle/>
-            <a:p>
-              <a:pPr algn="ctr" defTabSz="330044">
-                <a:lnSpc>
-                  <a:spcPct val="90000"/>
-                </a:lnSpc>
-                <a:spcBef>
-                  <a:spcPct val="0"/>
-                </a:spcBef>
-                <a:spcAft>
-                  <a:spcPct val="35000"/>
-                </a:spcAft>
-              </a:pPr>
-              <a:r>
-                <a:rPr lang="en-US" sz="1000" b="1" dirty="0">
-                  <a:solidFill>
-                    <a:schemeClr val="tx1"/>
-                  </a:solidFill>
-                </a:rPr>
-                <a:t>Charlie Nitschelm</a:t>
-              </a:r>
-            </a:p>
-          </p:txBody>
-        </p:sp>
-        <p:sp>
-          <p:nvSpPr>
-            <p:cNvPr id="19" name="Rectangle 18">
-              <a:extLst>
-                <a:ext uri="{FF2B5EF4-FFF2-40B4-BE49-F238E27FC236}">
-                  <a16:creationId xmlns:a16="http://schemas.microsoft.com/office/drawing/2014/main" id="{8B9E0DDC-7979-4C1E-B741-9FACE317EF1B}"/>
-                </a:ext>
-              </a:extLst>
-            </p:cNvPr>
-            <p:cNvSpPr/>
-            <p:nvPr/>
-          </p:nvSpPr>
-          <p:spPr>
-            <a:xfrm>
-              <a:off x="5016000" y="1443880"/>
-              <a:ext cx="2160000" cy="108000"/>
-            </a:xfrm>
-            <a:prstGeom prst="rect">
-              <a:avLst/>
-            </a:prstGeom>
-            <a:solidFill>
-              <a:schemeClr val="tx2"/>
-            </a:solidFill>
-            <a:ln w="19050" cap="rnd" cmpd="sng" algn="ctr">
-              <a:noFill/>
-              <a:prstDash val="solid"/>
-            </a:ln>
-            <a:effectLst>
-              <a:glow rad="254000">
-                <a:schemeClr val="accent2">
-                  <a:satMod val="175000"/>
-                  <a:alpha val="10000"/>
-                </a:schemeClr>
-              </a:glow>
-            </a:effectLst>
-            <a:scene3d>
-              <a:camera prst="obliqueTopLeft"/>
-              <a:lightRig rig="brightRoom" dir="t"/>
-            </a:scene3d>
-            <a:sp3d extrusionH="88900"/>
-          </p:spPr>
-          <p:style>
-            <a:lnRef idx="2">
-              <a:scrgbClr r="0" g="0" b="0"/>
-            </a:lnRef>
-            <a:fillRef idx="1">
-              <a:scrgbClr r="0" g="0" b="0"/>
-            </a:fillRef>
-            <a:effectRef idx="0">
-              <a:scrgbClr r="0" g="0" b="0"/>
-            </a:effectRef>
-            <a:fontRef idx="minor">
-              <a:schemeClr val="dk1">
-                <a:hueOff val="0"/>
-                <a:satOff val="0"/>
-                <a:lumOff val="0"/>
-                <a:alphaOff val="0"/>
-              </a:schemeClr>
-            </a:fontRef>
-          </p:style>
-          <p:txBody>
-            <a:bodyPr spcFirstLastPara="0" vert="horz" wrap="square" lIns="18860" tIns="4715" rIns="18860" bIns="4715" numCol="1" spcCol="1270" anchor="ctr" anchorCtr="0">
-              <a:noAutofit/>
-              <a:flatTx/>
-            </a:bodyPr>
-            <a:lstStyle/>
-            <a:p>
-              <a:pPr algn="ctr" defTabSz="330044">
-                <a:lnSpc>
-                  <a:spcPct val="90000"/>
-                </a:lnSpc>
-                <a:spcBef>
-                  <a:spcPct val="0"/>
-                </a:spcBef>
-                <a:spcAft>
-                  <a:spcPct val="35000"/>
-                </a:spcAft>
-              </a:pPr>
-              <a:r>
-                <a:rPr lang="en-US" sz="1000" b="1" dirty="0">
-                  <a:solidFill>
-                    <a:schemeClr val="bg1"/>
-                  </a:solidFill>
-                </a:rPr>
-                <a:t>Chair</a:t>
               </a:r>
             </a:p>
           </p:txBody>
@@ -16304,1541 +16023,6 @@
           </p:txBody>
         </p:sp>
       </p:grpSp>
-      <p:grpSp>
-        <p:nvGrpSpPr>
-          <p:cNvPr id="200" name="Group 199">
-            <a:extLst>
-              <a:ext uri="{FF2B5EF4-FFF2-40B4-BE49-F238E27FC236}">
-                <a16:creationId xmlns:a16="http://schemas.microsoft.com/office/drawing/2014/main" id="{27C9B0AC-23E0-4F0C-8E0F-80E30C89D2F7}"/>
-              </a:ext>
-            </a:extLst>
-          </p:cNvPr>
-          <p:cNvGrpSpPr/>
-          <p:nvPr/>
-        </p:nvGrpSpPr>
-        <p:grpSpPr>
-          <a:xfrm>
-            <a:off x="345220" y="3961582"/>
-            <a:ext cx="1600200" cy="609707"/>
-            <a:chOff x="1505552" y="2334607"/>
-            <a:chExt cx="1143943" cy="609707"/>
-          </a:xfrm>
-        </p:grpSpPr>
-        <p:grpSp>
-          <p:nvGrpSpPr>
-            <p:cNvPr id="201" name="Group 200">
-              <a:extLst>
-                <a:ext uri="{FF2B5EF4-FFF2-40B4-BE49-F238E27FC236}">
-                  <a16:creationId xmlns:a16="http://schemas.microsoft.com/office/drawing/2014/main" id="{5305C9E3-49E0-4E6A-807E-12782B86FFC3}"/>
-                </a:ext>
-                <a:ext uri="{C183D7F6-B498-43B3-948B-1728B52AA6E4}">
-                  <adec:decorative xmlns:adec="http://schemas.microsoft.com/office/drawing/2017/decorative" val="1"/>
-                </a:ext>
-              </a:extLst>
-            </p:cNvPr>
-            <p:cNvGrpSpPr/>
-            <p:nvPr/>
-          </p:nvGrpSpPr>
-          <p:grpSpPr>
-            <a:xfrm>
-              <a:off x="1505552" y="2334607"/>
-              <a:ext cx="1143943" cy="449135"/>
-              <a:chOff x="2810778" y="3090121"/>
-              <a:chExt cx="1386597" cy="544406"/>
-            </a:xfrm>
-          </p:grpSpPr>
-          <p:sp>
-            <p:nvSpPr>
-              <p:cNvPr id="223" name="Rectangle 222">
-                <a:extLst>
-                  <a:ext uri="{FF2B5EF4-FFF2-40B4-BE49-F238E27FC236}">
-                    <a16:creationId xmlns:a16="http://schemas.microsoft.com/office/drawing/2014/main" id="{6E3320C4-D1A0-44F8-9E00-6928D5307850}"/>
-                  </a:ext>
-                </a:extLst>
-              </p:cNvPr>
-              <p:cNvSpPr/>
-              <p:nvPr/>
-            </p:nvSpPr>
-            <p:spPr>
-              <a:xfrm>
-                <a:off x="2810778" y="3090121"/>
-                <a:ext cx="1368000" cy="509451"/>
-              </a:xfrm>
-              <a:prstGeom prst="rect">
-                <a:avLst/>
-              </a:prstGeom>
-              <a:gradFill>
-                <a:gsLst>
-                  <a:gs pos="0">
-                    <a:schemeClr val="bg1"/>
-                  </a:gs>
-                  <a:gs pos="100000">
-                    <a:schemeClr val="bg1">
-                      <a:lumMod val="85000"/>
-                    </a:schemeClr>
-                  </a:gs>
-                </a:gsLst>
-                <a:lin ang="5400000" scaled="0"/>
-              </a:gradFill>
-              <a:ln w="3175" cap="rnd" cmpd="sng" algn="ctr">
-                <a:solidFill>
-                  <a:schemeClr val="bg1">
-                    <a:lumMod val="85000"/>
-                  </a:schemeClr>
-                </a:solidFill>
-                <a:prstDash val="solid"/>
-              </a:ln>
-              <a:effectLst/>
-              <a:scene3d>
-                <a:camera prst="obliqueTopLeft"/>
-                <a:lightRig rig="soft" dir="t"/>
-              </a:scene3d>
-              <a:sp3d extrusionH="190500" prstMaterial="matte">
-                <a:contourClr>
-                  <a:prstClr val="black">
-                    <a:lumMod val="50000"/>
-                    <a:lumOff val="50000"/>
-                  </a:prstClr>
-                </a:contourClr>
-              </a:sp3d>
-            </p:spPr>
-            <p:style>
-              <a:lnRef idx="2">
-                <a:scrgbClr r="0" g="0" b="0"/>
-              </a:lnRef>
-              <a:fillRef idx="1">
-                <a:scrgbClr r="0" g="0" b="0"/>
-              </a:fillRef>
-              <a:effectRef idx="0">
-                <a:scrgbClr r="0" g="0" b="0"/>
-              </a:effectRef>
-              <a:fontRef idx="minor">
-                <a:schemeClr val="lt1"/>
-              </a:fontRef>
-            </p:style>
-            <p:txBody>
-              <a:bodyPr spcFirstLastPara="0" vert="horz" wrap="square" lIns="59400" tIns="4715" rIns="59400" bIns="44559" numCol="1" spcCol="1270" anchor="ctr" anchorCtr="0">
-                <a:noAutofit/>
-                <a:flatTx/>
-              </a:bodyPr>
-              <a:lstStyle/>
-              <a:p>
-                <a:pPr algn="ctr" defTabSz="330044">
-                  <a:lnSpc>
-                    <a:spcPct val="90000"/>
-                  </a:lnSpc>
-                  <a:spcBef>
-                    <a:spcPct val="0"/>
-                  </a:spcBef>
-                  <a:spcAft>
-                    <a:spcPct val="35000"/>
-                  </a:spcAft>
-                </a:pPr>
-                <a:r>
-                  <a:rPr lang="en-US" sz="1000" b="1" dirty="0">
-                    <a:solidFill>
-                      <a:prstClr val="black"/>
-                    </a:solidFill>
-                  </a:rPr>
-                  <a:t>Matthew Barr</a:t>
-                </a:r>
-              </a:p>
-            </p:txBody>
-          </p:sp>
-          <p:sp>
-            <p:nvSpPr>
-              <p:cNvPr id="224" name="Rectangle 223">
-                <a:extLst>
-                  <a:ext uri="{FF2B5EF4-FFF2-40B4-BE49-F238E27FC236}">
-                    <a16:creationId xmlns:a16="http://schemas.microsoft.com/office/drawing/2014/main" id="{071EC8E9-F6CF-41B4-A107-9FAD634D4ECD}"/>
-                  </a:ext>
-                </a:extLst>
-              </p:cNvPr>
-              <p:cNvSpPr/>
-              <p:nvPr/>
-            </p:nvSpPr>
-            <p:spPr>
-              <a:xfrm>
-                <a:off x="2829375" y="3526527"/>
-                <a:ext cx="1368000" cy="108000"/>
-              </a:xfrm>
-              <a:prstGeom prst="rect">
-                <a:avLst/>
-              </a:prstGeom>
-              <a:solidFill>
-                <a:schemeClr val="accent6"/>
-              </a:solidFill>
-              <a:ln>
-                <a:noFill/>
-              </a:ln>
-              <a:effectLst>
-                <a:glow rad="254000">
-                  <a:schemeClr val="accent1">
-                    <a:satMod val="175000"/>
-                    <a:alpha val="10000"/>
-                  </a:schemeClr>
-                </a:glow>
-              </a:effectLst>
-              <a:scene3d>
-                <a:camera prst="obliqueTopLeft"/>
-                <a:lightRig rig="brightRoom" dir="t"/>
-              </a:scene3d>
-              <a:sp3d extrusionH="88900"/>
-            </p:spPr>
-            <p:style>
-              <a:lnRef idx="2">
-                <a:schemeClr val="accent1">
-                  <a:hueOff val="0"/>
-                  <a:satOff val="0"/>
-                  <a:lumOff val="0"/>
-                  <a:alphaOff val="0"/>
-                </a:schemeClr>
-              </a:lnRef>
-              <a:fillRef idx="1">
-                <a:scrgbClr r="0" g="0" b="0"/>
-              </a:fillRef>
-              <a:effectRef idx="0">
-                <a:schemeClr val="lt1">
-                  <a:alpha val="90000"/>
-                  <a:hueOff val="0"/>
-                  <a:satOff val="0"/>
-                  <a:lumOff val="0"/>
-                  <a:alphaOff val="0"/>
-                </a:schemeClr>
-              </a:effectRef>
-              <a:fontRef idx="minor">
-                <a:schemeClr val="dk1">
-                  <a:hueOff val="0"/>
-                  <a:satOff val="0"/>
-                  <a:lumOff val="0"/>
-                  <a:alphaOff val="0"/>
-                </a:schemeClr>
-              </a:fontRef>
-            </p:style>
-            <p:txBody>
-              <a:bodyPr spcFirstLastPara="0" vert="horz" wrap="square" lIns="59400" tIns="4715" rIns="59400" bIns="4715" numCol="1" spcCol="1270" anchor="ctr" anchorCtr="0">
-                <a:noAutofit/>
-                <a:flatTx/>
-              </a:bodyPr>
-              <a:lstStyle/>
-              <a:p>
-                <a:pPr algn="ctr" defTabSz="330044">
-                  <a:lnSpc>
-                    <a:spcPct val="90000"/>
-                  </a:lnSpc>
-                  <a:spcBef>
-                    <a:spcPct val="0"/>
-                  </a:spcBef>
-                  <a:spcAft>
-                    <a:spcPct val="35000"/>
-                  </a:spcAft>
-                </a:pPr>
-                <a:r>
-                  <a:rPr lang="en-US" sz="1000" b="1" dirty="0">
-                    <a:solidFill>
-                      <a:schemeClr val="bg1"/>
-                    </a:solidFill>
-                  </a:rPr>
-                  <a:t>Treasurer</a:t>
-                </a:r>
-              </a:p>
-            </p:txBody>
-          </p:sp>
-        </p:grpSp>
-        <p:cxnSp>
-          <p:nvCxnSpPr>
-            <p:cNvPr id="222" name="Straight Connector 221" descr="decorative element">
-              <a:extLst>
-                <a:ext uri="{FF2B5EF4-FFF2-40B4-BE49-F238E27FC236}">
-                  <a16:creationId xmlns:a16="http://schemas.microsoft.com/office/drawing/2014/main" id="{3B28A40E-C7F4-4B96-96F7-5693381747FF}"/>
-                </a:ext>
-              </a:extLst>
-            </p:cNvPr>
-            <p:cNvCxnSpPr>
-              <a:cxnSpLocks/>
-            </p:cNvCxnSpPr>
-            <p:nvPr/>
-          </p:nvCxnSpPr>
-          <p:spPr>
-            <a:xfrm>
-              <a:off x="2071303" y="2819346"/>
-              <a:ext cx="0" cy="124968"/>
-            </a:xfrm>
-            <a:prstGeom prst="line">
-              <a:avLst/>
-            </a:prstGeom>
-            <a:ln w="3175">
-              <a:solidFill>
-                <a:schemeClr val="bg1">
-                  <a:lumMod val="75000"/>
-                </a:schemeClr>
-              </a:solidFill>
-              <a:prstDash val="solid"/>
-              <a:headEnd type="none" w="sm" len="sm"/>
-              <a:tailEnd type="none" w="sm" len="sm"/>
-            </a:ln>
-            <a:scene3d>
-              <a:camera prst="obliqueTopLeft"/>
-              <a:lightRig rig="threePt" dir="t"/>
-            </a:scene3d>
-          </p:spPr>
-          <p:style>
-            <a:lnRef idx="1">
-              <a:schemeClr val="accent1"/>
-            </a:lnRef>
-            <a:fillRef idx="0">
-              <a:schemeClr val="accent1"/>
-            </a:fillRef>
-            <a:effectRef idx="0">
-              <a:schemeClr val="accent1"/>
-            </a:effectRef>
-            <a:fontRef idx="minor">
-              <a:schemeClr val="tx1"/>
-            </a:fontRef>
-          </p:style>
-        </p:cxnSp>
-      </p:grpSp>
-      <p:grpSp>
-        <p:nvGrpSpPr>
-          <p:cNvPr id="234" name="Group 233">
-            <a:extLst>
-              <a:ext uri="{FF2B5EF4-FFF2-40B4-BE49-F238E27FC236}">
-                <a16:creationId xmlns:a16="http://schemas.microsoft.com/office/drawing/2014/main" id="{8A1DEA24-AC5F-44A7-B272-1A89A6176AE5}"/>
-              </a:ext>
-            </a:extLst>
-          </p:cNvPr>
-          <p:cNvGrpSpPr/>
-          <p:nvPr/>
-        </p:nvGrpSpPr>
-        <p:grpSpPr>
-          <a:xfrm>
-            <a:off x="323758" y="2594390"/>
-            <a:ext cx="1600200" cy="609707"/>
-            <a:chOff x="1505552" y="2334607"/>
-            <a:chExt cx="1143943" cy="609707"/>
-          </a:xfrm>
-        </p:grpSpPr>
-        <p:grpSp>
-          <p:nvGrpSpPr>
-            <p:cNvPr id="235" name="Group 234">
-              <a:extLst>
-                <a:ext uri="{FF2B5EF4-FFF2-40B4-BE49-F238E27FC236}">
-                  <a16:creationId xmlns:a16="http://schemas.microsoft.com/office/drawing/2014/main" id="{5DC60013-24A6-4962-8B33-66C9C8541027}"/>
-                </a:ext>
-                <a:ext uri="{C183D7F6-B498-43B3-948B-1728B52AA6E4}">
-                  <adec:decorative xmlns:adec="http://schemas.microsoft.com/office/drawing/2017/decorative" val="1"/>
-                </a:ext>
-              </a:extLst>
-            </p:cNvPr>
-            <p:cNvGrpSpPr/>
-            <p:nvPr/>
-          </p:nvGrpSpPr>
-          <p:grpSpPr>
-            <a:xfrm>
-              <a:off x="1505552" y="2334607"/>
-              <a:ext cx="1143943" cy="449135"/>
-              <a:chOff x="2810778" y="3090121"/>
-              <a:chExt cx="1386597" cy="544406"/>
-            </a:xfrm>
-          </p:grpSpPr>
-          <p:sp>
-            <p:nvSpPr>
-              <p:cNvPr id="237" name="Rectangle 236">
-                <a:extLst>
-                  <a:ext uri="{FF2B5EF4-FFF2-40B4-BE49-F238E27FC236}">
-                    <a16:creationId xmlns:a16="http://schemas.microsoft.com/office/drawing/2014/main" id="{5F7181DB-24DF-45DE-B643-87389D46E456}"/>
-                  </a:ext>
-                </a:extLst>
-              </p:cNvPr>
-              <p:cNvSpPr/>
-              <p:nvPr/>
-            </p:nvSpPr>
-            <p:spPr>
-              <a:xfrm>
-                <a:off x="2810778" y="3090121"/>
-                <a:ext cx="1368000" cy="509451"/>
-              </a:xfrm>
-              <a:prstGeom prst="rect">
-                <a:avLst/>
-              </a:prstGeom>
-              <a:gradFill>
-                <a:gsLst>
-                  <a:gs pos="0">
-                    <a:schemeClr val="bg1"/>
-                  </a:gs>
-                  <a:gs pos="100000">
-                    <a:schemeClr val="bg1">
-                      <a:lumMod val="85000"/>
-                    </a:schemeClr>
-                  </a:gs>
-                </a:gsLst>
-                <a:lin ang="5400000" scaled="0"/>
-              </a:gradFill>
-              <a:ln w="3175" cap="rnd" cmpd="sng" algn="ctr">
-                <a:solidFill>
-                  <a:schemeClr val="bg1">
-                    <a:lumMod val="85000"/>
-                  </a:schemeClr>
-                </a:solidFill>
-                <a:prstDash val="solid"/>
-              </a:ln>
-              <a:effectLst/>
-              <a:scene3d>
-                <a:camera prst="obliqueTopLeft"/>
-                <a:lightRig rig="soft" dir="t"/>
-              </a:scene3d>
-              <a:sp3d extrusionH="190500" prstMaterial="matte">
-                <a:contourClr>
-                  <a:prstClr val="black">
-                    <a:lumMod val="50000"/>
-                    <a:lumOff val="50000"/>
-                  </a:prstClr>
-                </a:contourClr>
-              </a:sp3d>
-            </p:spPr>
-            <p:style>
-              <a:lnRef idx="2">
-                <a:scrgbClr r="0" g="0" b="0"/>
-              </a:lnRef>
-              <a:fillRef idx="1">
-                <a:scrgbClr r="0" g="0" b="0"/>
-              </a:fillRef>
-              <a:effectRef idx="0">
-                <a:scrgbClr r="0" g="0" b="0"/>
-              </a:effectRef>
-              <a:fontRef idx="minor">
-                <a:schemeClr val="lt1"/>
-              </a:fontRef>
-            </p:style>
-            <p:txBody>
-              <a:bodyPr spcFirstLastPara="0" vert="horz" wrap="square" lIns="59400" tIns="4715" rIns="59400" bIns="44559" numCol="1" spcCol="1270" anchor="ctr" anchorCtr="0">
-                <a:noAutofit/>
-                <a:flatTx/>
-              </a:bodyPr>
-              <a:lstStyle/>
-              <a:p>
-                <a:pPr algn="ctr" defTabSz="330044">
-                  <a:lnSpc>
-                    <a:spcPct val="90000"/>
-                  </a:lnSpc>
-                  <a:spcBef>
-                    <a:spcPct val="0"/>
-                  </a:spcBef>
-                  <a:spcAft>
-                    <a:spcPct val="35000"/>
-                  </a:spcAft>
-                </a:pPr>
-                <a:r>
-                  <a:rPr lang="en-US" sz="1000" b="1" dirty="0">
-                    <a:solidFill>
-                      <a:prstClr val="black"/>
-                    </a:solidFill>
-                  </a:rPr>
-                  <a:t>Ian Burnell</a:t>
-                </a:r>
-              </a:p>
-            </p:txBody>
-          </p:sp>
-          <p:sp>
-            <p:nvSpPr>
-              <p:cNvPr id="238" name="Rectangle 237">
-                <a:extLst>
-                  <a:ext uri="{FF2B5EF4-FFF2-40B4-BE49-F238E27FC236}">
-                    <a16:creationId xmlns:a16="http://schemas.microsoft.com/office/drawing/2014/main" id="{9E7A9B33-5485-4AC0-9DBC-3A81A516F6DE}"/>
-                  </a:ext>
-                </a:extLst>
-              </p:cNvPr>
-              <p:cNvSpPr/>
-              <p:nvPr/>
-            </p:nvSpPr>
-            <p:spPr>
-              <a:xfrm>
-                <a:off x="2829375" y="3526527"/>
-                <a:ext cx="1368000" cy="108000"/>
-              </a:xfrm>
-              <a:prstGeom prst="rect">
-                <a:avLst/>
-              </a:prstGeom>
-              <a:solidFill>
-                <a:schemeClr val="accent6"/>
-              </a:solidFill>
-              <a:ln>
-                <a:noFill/>
-              </a:ln>
-              <a:effectLst>
-                <a:glow rad="254000">
-                  <a:schemeClr val="accent1">
-                    <a:satMod val="175000"/>
-                    <a:alpha val="10000"/>
-                  </a:schemeClr>
-                </a:glow>
-              </a:effectLst>
-              <a:scene3d>
-                <a:camera prst="obliqueTopLeft"/>
-                <a:lightRig rig="brightRoom" dir="t"/>
-              </a:scene3d>
-              <a:sp3d extrusionH="88900"/>
-            </p:spPr>
-            <p:style>
-              <a:lnRef idx="2">
-                <a:schemeClr val="accent1">
-                  <a:hueOff val="0"/>
-                  <a:satOff val="0"/>
-                  <a:lumOff val="0"/>
-                  <a:alphaOff val="0"/>
-                </a:schemeClr>
-              </a:lnRef>
-              <a:fillRef idx="1">
-                <a:scrgbClr r="0" g="0" b="0"/>
-              </a:fillRef>
-              <a:effectRef idx="0">
-                <a:schemeClr val="lt1">
-                  <a:alpha val="90000"/>
-                  <a:hueOff val="0"/>
-                  <a:satOff val="0"/>
-                  <a:lumOff val="0"/>
-                  <a:alphaOff val="0"/>
-                </a:schemeClr>
-              </a:effectRef>
-              <a:fontRef idx="minor">
-                <a:schemeClr val="dk1">
-                  <a:hueOff val="0"/>
-                  <a:satOff val="0"/>
-                  <a:lumOff val="0"/>
-                  <a:alphaOff val="0"/>
-                </a:schemeClr>
-              </a:fontRef>
-            </p:style>
-            <p:txBody>
-              <a:bodyPr spcFirstLastPara="0" vert="horz" wrap="square" lIns="59400" tIns="4715" rIns="59400" bIns="4715" numCol="1" spcCol="1270" anchor="ctr" anchorCtr="0">
-                <a:noAutofit/>
-                <a:flatTx/>
-              </a:bodyPr>
-              <a:lstStyle/>
-              <a:p>
-                <a:pPr algn="ctr" defTabSz="330044">
-                  <a:lnSpc>
-                    <a:spcPct val="90000"/>
-                  </a:lnSpc>
-                  <a:spcBef>
-                    <a:spcPct val="0"/>
-                  </a:spcBef>
-                  <a:spcAft>
-                    <a:spcPct val="35000"/>
-                  </a:spcAft>
-                </a:pPr>
-                <a:r>
-                  <a:rPr lang="en-US" sz="1000" b="1" dirty="0">
-                    <a:solidFill>
-                      <a:schemeClr val="bg1"/>
-                    </a:solidFill>
-                  </a:rPr>
-                  <a:t>Chair of CoC</a:t>
-                </a:r>
-              </a:p>
-            </p:txBody>
-          </p:sp>
-        </p:grpSp>
-        <p:cxnSp>
-          <p:nvCxnSpPr>
-            <p:cNvPr id="236" name="Straight Connector 235" descr="decorative element">
-              <a:extLst>
-                <a:ext uri="{FF2B5EF4-FFF2-40B4-BE49-F238E27FC236}">
-                  <a16:creationId xmlns:a16="http://schemas.microsoft.com/office/drawing/2014/main" id="{13086D79-5AF8-4AC3-8E7A-B8CBDFAAEE8E}"/>
-                </a:ext>
-              </a:extLst>
-            </p:cNvPr>
-            <p:cNvCxnSpPr>
-              <a:cxnSpLocks/>
-            </p:cNvCxnSpPr>
-            <p:nvPr/>
-          </p:nvCxnSpPr>
-          <p:spPr>
-            <a:xfrm>
-              <a:off x="2071303" y="2819346"/>
-              <a:ext cx="0" cy="124968"/>
-            </a:xfrm>
-            <a:prstGeom prst="line">
-              <a:avLst/>
-            </a:prstGeom>
-            <a:ln w="3175">
-              <a:solidFill>
-                <a:schemeClr val="bg1">
-                  <a:lumMod val="75000"/>
-                </a:schemeClr>
-              </a:solidFill>
-              <a:prstDash val="solid"/>
-              <a:headEnd type="none" w="sm" len="sm"/>
-              <a:tailEnd type="none" w="sm" len="sm"/>
-            </a:ln>
-            <a:scene3d>
-              <a:camera prst="obliqueTopLeft"/>
-              <a:lightRig rig="threePt" dir="t"/>
-            </a:scene3d>
-          </p:spPr>
-          <p:style>
-            <a:lnRef idx="1">
-              <a:schemeClr val="accent1"/>
-            </a:lnRef>
-            <a:fillRef idx="0">
-              <a:schemeClr val="accent1"/>
-            </a:fillRef>
-            <a:effectRef idx="0">
-              <a:schemeClr val="accent1"/>
-            </a:effectRef>
-            <a:fontRef idx="minor">
-              <a:schemeClr val="tx1"/>
-            </a:fontRef>
-          </p:style>
-        </p:cxnSp>
-      </p:grpSp>
-      <p:grpSp>
-        <p:nvGrpSpPr>
-          <p:cNvPr id="239" name="Group 238">
-            <a:extLst>
-              <a:ext uri="{FF2B5EF4-FFF2-40B4-BE49-F238E27FC236}">
-                <a16:creationId xmlns:a16="http://schemas.microsoft.com/office/drawing/2014/main" id="{FF6DB65E-1588-4D40-B753-4BD71E2D2408}"/>
-              </a:ext>
-            </a:extLst>
-          </p:cNvPr>
-          <p:cNvGrpSpPr/>
-          <p:nvPr/>
-        </p:nvGrpSpPr>
-        <p:grpSpPr>
-          <a:xfrm>
-            <a:off x="345220" y="4664893"/>
-            <a:ext cx="1600200" cy="609707"/>
-            <a:chOff x="1505552" y="2334607"/>
-            <a:chExt cx="1143943" cy="609707"/>
-          </a:xfrm>
-        </p:grpSpPr>
-        <p:grpSp>
-          <p:nvGrpSpPr>
-            <p:cNvPr id="240" name="Group 239">
-              <a:extLst>
-                <a:ext uri="{FF2B5EF4-FFF2-40B4-BE49-F238E27FC236}">
-                  <a16:creationId xmlns:a16="http://schemas.microsoft.com/office/drawing/2014/main" id="{DE7BA706-98AA-4D86-81EC-A890FF977719}"/>
-                </a:ext>
-                <a:ext uri="{C183D7F6-B498-43B3-948B-1728B52AA6E4}">
-                  <adec:decorative xmlns:adec="http://schemas.microsoft.com/office/drawing/2017/decorative" val="1"/>
-                </a:ext>
-              </a:extLst>
-            </p:cNvPr>
-            <p:cNvGrpSpPr/>
-            <p:nvPr/>
-          </p:nvGrpSpPr>
-          <p:grpSpPr>
-            <a:xfrm>
-              <a:off x="1505552" y="2334607"/>
-              <a:ext cx="1143943" cy="449135"/>
-              <a:chOff x="2810778" y="3090121"/>
-              <a:chExt cx="1386597" cy="544406"/>
-            </a:xfrm>
-          </p:grpSpPr>
-          <p:sp>
-            <p:nvSpPr>
-              <p:cNvPr id="242" name="Rectangle 241">
-                <a:extLst>
-                  <a:ext uri="{FF2B5EF4-FFF2-40B4-BE49-F238E27FC236}">
-                    <a16:creationId xmlns:a16="http://schemas.microsoft.com/office/drawing/2014/main" id="{05F25577-ABDD-403D-9ED4-B0BCBFCBBF95}"/>
-                  </a:ext>
-                </a:extLst>
-              </p:cNvPr>
-              <p:cNvSpPr/>
-              <p:nvPr/>
-            </p:nvSpPr>
-            <p:spPr>
-              <a:xfrm>
-                <a:off x="2810778" y="3090121"/>
-                <a:ext cx="1368000" cy="509451"/>
-              </a:xfrm>
-              <a:prstGeom prst="rect">
-                <a:avLst/>
-              </a:prstGeom>
-              <a:gradFill>
-                <a:gsLst>
-                  <a:gs pos="0">
-                    <a:schemeClr val="bg1"/>
-                  </a:gs>
-                  <a:gs pos="100000">
-                    <a:schemeClr val="bg1">
-                      <a:lumMod val="85000"/>
-                    </a:schemeClr>
-                  </a:gs>
-                </a:gsLst>
-                <a:lin ang="5400000" scaled="0"/>
-              </a:gradFill>
-              <a:ln w="3175" cap="rnd" cmpd="sng" algn="ctr">
-                <a:solidFill>
-                  <a:schemeClr val="bg1">
-                    <a:lumMod val="85000"/>
-                  </a:schemeClr>
-                </a:solidFill>
-                <a:prstDash val="solid"/>
-              </a:ln>
-              <a:effectLst/>
-              <a:scene3d>
-                <a:camera prst="obliqueTopLeft"/>
-                <a:lightRig rig="soft" dir="t"/>
-              </a:scene3d>
-              <a:sp3d extrusionH="190500" prstMaterial="matte">
-                <a:contourClr>
-                  <a:prstClr val="black">
-                    <a:lumMod val="50000"/>
-                    <a:lumOff val="50000"/>
-                  </a:prstClr>
-                </a:contourClr>
-              </a:sp3d>
-            </p:spPr>
-            <p:style>
-              <a:lnRef idx="2">
-                <a:scrgbClr r="0" g="0" b="0"/>
-              </a:lnRef>
-              <a:fillRef idx="1">
-                <a:scrgbClr r="0" g="0" b="0"/>
-              </a:fillRef>
-              <a:effectRef idx="0">
-                <a:scrgbClr r="0" g="0" b="0"/>
-              </a:effectRef>
-              <a:fontRef idx="minor">
-                <a:schemeClr val="lt1"/>
-              </a:fontRef>
-            </p:style>
-            <p:txBody>
-              <a:bodyPr spcFirstLastPara="0" vert="horz" wrap="square" lIns="59400" tIns="4715" rIns="59400" bIns="44559" numCol="1" spcCol="1270" anchor="ctr" anchorCtr="0">
-                <a:noAutofit/>
-                <a:flatTx/>
-              </a:bodyPr>
-              <a:lstStyle/>
-              <a:p>
-                <a:pPr algn="ctr" defTabSz="330044">
-                  <a:lnSpc>
-                    <a:spcPct val="90000"/>
-                  </a:lnSpc>
-                  <a:spcBef>
-                    <a:spcPct val="0"/>
-                  </a:spcBef>
-                  <a:spcAft>
-                    <a:spcPct val="35000"/>
-                  </a:spcAft>
-                </a:pPr>
-                <a:r>
-                  <a:rPr lang="en-US" sz="1000" b="1" dirty="0">
-                    <a:solidFill>
-                      <a:prstClr val="black"/>
-                    </a:solidFill>
-                  </a:rPr>
-                  <a:t>Obi </a:t>
-                </a:r>
-                <a:r>
-                  <a:rPr lang="en-US" sz="1000" b="1" dirty="0" err="1">
-                    <a:solidFill>
-                      <a:prstClr val="black"/>
-                    </a:solidFill>
-                  </a:rPr>
-                  <a:t>Anyadiegwu</a:t>
-                </a:r>
-                <a:endParaRPr lang="en-US" sz="1000" b="1" dirty="0">
-                  <a:solidFill>
-                    <a:prstClr val="black"/>
-                  </a:solidFill>
-                </a:endParaRPr>
-              </a:p>
-            </p:txBody>
-          </p:sp>
-          <p:sp>
-            <p:nvSpPr>
-              <p:cNvPr id="243" name="Rectangle 242">
-                <a:extLst>
-                  <a:ext uri="{FF2B5EF4-FFF2-40B4-BE49-F238E27FC236}">
-                    <a16:creationId xmlns:a16="http://schemas.microsoft.com/office/drawing/2014/main" id="{BA9FEC8B-19C3-45D4-9593-AC9926F1A752}"/>
-                  </a:ext>
-                </a:extLst>
-              </p:cNvPr>
-              <p:cNvSpPr/>
-              <p:nvPr/>
-            </p:nvSpPr>
-            <p:spPr>
-              <a:xfrm>
-                <a:off x="2829375" y="3526527"/>
-                <a:ext cx="1368000" cy="108000"/>
-              </a:xfrm>
-              <a:prstGeom prst="rect">
-                <a:avLst/>
-              </a:prstGeom>
-              <a:solidFill>
-                <a:schemeClr val="accent6"/>
-              </a:solidFill>
-              <a:ln>
-                <a:noFill/>
-              </a:ln>
-              <a:effectLst>
-                <a:glow rad="254000">
-                  <a:schemeClr val="accent1">
-                    <a:satMod val="175000"/>
-                    <a:alpha val="10000"/>
-                  </a:schemeClr>
-                </a:glow>
-              </a:effectLst>
-              <a:scene3d>
-                <a:camera prst="obliqueTopLeft"/>
-                <a:lightRig rig="brightRoom" dir="t"/>
-              </a:scene3d>
-              <a:sp3d extrusionH="88900"/>
-            </p:spPr>
-            <p:style>
-              <a:lnRef idx="2">
-                <a:schemeClr val="accent1">
-                  <a:hueOff val="0"/>
-                  <a:satOff val="0"/>
-                  <a:lumOff val="0"/>
-                  <a:alphaOff val="0"/>
-                </a:schemeClr>
-              </a:lnRef>
-              <a:fillRef idx="1">
-                <a:scrgbClr r="0" g="0" b="0"/>
-              </a:fillRef>
-              <a:effectRef idx="0">
-                <a:schemeClr val="lt1">
-                  <a:alpha val="90000"/>
-                  <a:hueOff val="0"/>
-                  <a:satOff val="0"/>
-                  <a:lumOff val="0"/>
-                  <a:alphaOff val="0"/>
-                </a:schemeClr>
-              </a:effectRef>
-              <a:fontRef idx="minor">
-                <a:schemeClr val="dk1">
-                  <a:hueOff val="0"/>
-                  <a:satOff val="0"/>
-                  <a:lumOff val="0"/>
-                  <a:alphaOff val="0"/>
-                </a:schemeClr>
-              </a:fontRef>
-            </p:style>
-            <p:txBody>
-              <a:bodyPr spcFirstLastPara="0" vert="horz" wrap="square" lIns="59400" tIns="4715" rIns="59400" bIns="4715" numCol="1" spcCol="1270" anchor="ctr" anchorCtr="0">
-                <a:noAutofit/>
-                <a:flatTx/>
-              </a:bodyPr>
-              <a:lstStyle/>
-              <a:p>
-                <a:pPr algn="ctr" defTabSz="330044">
-                  <a:lnSpc>
-                    <a:spcPct val="90000"/>
-                  </a:lnSpc>
-                  <a:spcBef>
-                    <a:spcPct val="0"/>
-                  </a:spcBef>
-                  <a:spcAft>
-                    <a:spcPct val="35000"/>
-                  </a:spcAft>
-                </a:pPr>
-                <a:r>
-                  <a:rPr lang="en-US" sz="1000" b="1" dirty="0">
-                    <a:solidFill>
-                      <a:schemeClr val="bg1"/>
-                    </a:solidFill>
-                  </a:rPr>
-                  <a:t>Member at Large 1</a:t>
-                </a:r>
-              </a:p>
-            </p:txBody>
-          </p:sp>
-        </p:grpSp>
-        <p:cxnSp>
-          <p:nvCxnSpPr>
-            <p:cNvPr id="241" name="Straight Connector 240" descr="decorative element">
-              <a:extLst>
-                <a:ext uri="{FF2B5EF4-FFF2-40B4-BE49-F238E27FC236}">
-                  <a16:creationId xmlns:a16="http://schemas.microsoft.com/office/drawing/2014/main" id="{3E7C60EF-1486-42AE-8C98-6A3115D171EA}"/>
-                </a:ext>
-              </a:extLst>
-            </p:cNvPr>
-            <p:cNvCxnSpPr>
-              <a:cxnSpLocks/>
-            </p:cNvCxnSpPr>
-            <p:nvPr/>
-          </p:nvCxnSpPr>
-          <p:spPr>
-            <a:xfrm>
-              <a:off x="2071303" y="2819346"/>
-              <a:ext cx="0" cy="124968"/>
-            </a:xfrm>
-            <a:prstGeom prst="line">
-              <a:avLst/>
-            </a:prstGeom>
-            <a:ln w="3175">
-              <a:solidFill>
-                <a:schemeClr val="bg1">
-                  <a:lumMod val="75000"/>
-                </a:schemeClr>
-              </a:solidFill>
-              <a:prstDash val="solid"/>
-              <a:headEnd type="none" w="sm" len="sm"/>
-              <a:tailEnd type="none" w="sm" len="sm"/>
-            </a:ln>
-            <a:scene3d>
-              <a:camera prst="obliqueTopLeft"/>
-              <a:lightRig rig="threePt" dir="t"/>
-            </a:scene3d>
-          </p:spPr>
-          <p:style>
-            <a:lnRef idx="1">
-              <a:schemeClr val="accent1"/>
-            </a:lnRef>
-            <a:fillRef idx="0">
-              <a:schemeClr val="accent1"/>
-            </a:fillRef>
-            <a:effectRef idx="0">
-              <a:schemeClr val="accent1"/>
-            </a:effectRef>
-            <a:fontRef idx="minor">
-              <a:schemeClr val="tx1"/>
-            </a:fontRef>
-          </p:style>
-        </p:cxnSp>
-      </p:grpSp>
-      <p:grpSp>
-        <p:nvGrpSpPr>
-          <p:cNvPr id="244" name="Group 243">
-            <a:extLst>
-              <a:ext uri="{FF2B5EF4-FFF2-40B4-BE49-F238E27FC236}">
-                <a16:creationId xmlns:a16="http://schemas.microsoft.com/office/drawing/2014/main" id="{4302F217-B040-4861-950F-A16E10FBF31A}"/>
-              </a:ext>
-            </a:extLst>
-          </p:cNvPr>
-          <p:cNvGrpSpPr/>
-          <p:nvPr/>
-        </p:nvGrpSpPr>
-        <p:grpSpPr>
-          <a:xfrm>
-            <a:off x="323758" y="3277986"/>
-            <a:ext cx="1600200" cy="609707"/>
-            <a:chOff x="1505552" y="2334607"/>
-            <a:chExt cx="1143943" cy="609707"/>
-          </a:xfrm>
-        </p:grpSpPr>
-        <p:grpSp>
-          <p:nvGrpSpPr>
-            <p:cNvPr id="245" name="Group 244">
-              <a:extLst>
-                <a:ext uri="{FF2B5EF4-FFF2-40B4-BE49-F238E27FC236}">
-                  <a16:creationId xmlns:a16="http://schemas.microsoft.com/office/drawing/2014/main" id="{A36D6343-20AC-4E8B-AE71-D1EABE83BEA9}"/>
-                </a:ext>
-                <a:ext uri="{C183D7F6-B498-43B3-948B-1728B52AA6E4}">
-                  <adec:decorative xmlns:adec="http://schemas.microsoft.com/office/drawing/2017/decorative" val="1"/>
-                </a:ext>
-              </a:extLst>
-            </p:cNvPr>
-            <p:cNvGrpSpPr/>
-            <p:nvPr/>
-          </p:nvGrpSpPr>
-          <p:grpSpPr>
-            <a:xfrm>
-              <a:off x="1505552" y="2334607"/>
-              <a:ext cx="1143943" cy="449135"/>
-              <a:chOff x="2810778" y="3090121"/>
-              <a:chExt cx="1386597" cy="544406"/>
-            </a:xfrm>
-          </p:grpSpPr>
-          <p:sp>
-            <p:nvSpPr>
-              <p:cNvPr id="247" name="Rectangle 246">
-                <a:extLst>
-                  <a:ext uri="{FF2B5EF4-FFF2-40B4-BE49-F238E27FC236}">
-                    <a16:creationId xmlns:a16="http://schemas.microsoft.com/office/drawing/2014/main" id="{B220A129-7AC2-4FB5-87FA-385C0BC855FD}"/>
-                  </a:ext>
-                </a:extLst>
-              </p:cNvPr>
-              <p:cNvSpPr/>
-              <p:nvPr/>
-            </p:nvSpPr>
-            <p:spPr>
-              <a:xfrm>
-                <a:off x="2810778" y="3090121"/>
-                <a:ext cx="1368000" cy="509451"/>
-              </a:xfrm>
-              <a:prstGeom prst="rect">
-                <a:avLst/>
-              </a:prstGeom>
-              <a:gradFill>
-                <a:gsLst>
-                  <a:gs pos="0">
-                    <a:schemeClr val="bg1"/>
-                  </a:gs>
-                  <a:gs pos="100000">
-                    <a:schemeClr val="bg1">
-                      <a:lumMod val="85000"/>
-                    </a:schemeClr>
-                  </a:gs>
-                </a:gsLst>
-                <a:lin ang="5400000" scaled="0"/>
-              </a:gradFill>
-              <a:ln w="3175" cap="rnd" cmpd="sng" algn="ctr">
-                <a:solidFill>
-                  <a:schemeClr val="bg1">
-                    <a:lumMod val="85000"/>
-                  </a:schemeClr>
-                </a:solidFill>
-                <a:prstDash val="solid"/>
-              </a:ln>
-              <a:effectLst/>
-              <a:scene3d>
-                <a:camera prst="obliqueTopLeft"/>
-                <a:lightRig rig="soft" dir="t"/>
-              </a:scene3d>
-              <a:sp3d extrusionH="190500" prstMaterial="matte">
-                <a:contourClr>
-                  <a:prstClr val="black">
-                    <a:lumMod val="50000"/>
-                    <a:lumOff val="50000"/>
-                  </a:prstClr>
-                </a:contourClr>
-              </a:sp3d>
-            </p:spPr>
-            <p:style>
-              <a:lnRef idx="2">
-                <a:scrgbClr r="0" g="0" b="0"/>
-              </a:lnRef>
-              <a:fillRef idx="1">
-                <a:scrgbClr r="0" g="0" b="0"/>
-              </a:fillRef>
-              <a:effectRef idx="0">
-                <a:scrgbClr r="0" g="0" b="0"/>
-              </a:effectRef>
-              <a:fontRef idx="minor">
-                <a:schemeClr val="lt1"/>
-              </a:fontRef>
-            </p:style>
-            <p:txBody>
-              <a:bodyPr spcFirstLastPara="0" vert="horz" wrap="square" lIns="59400" tIns="4715" rIns="59400" bIns="44559" numCol="1" spcCol="1270" anchor="ctr" anchorCtr="0">
-                <a:noAutofit/>
-                <a:flatTx/>
-              </a:bodyPr>
-              <a:lstStyle/>
-              <a:p>
-                <a:pPr algn="ctr" defTabSz="330044">
-                  <a:lnSpc>
-                    <a:spcPct val="90000"/>
-                  </a:lnSpc>
-                  <a:spcBef>
-                    <a:spcPct val="0"/>
-                  </a:spcBef>
-                  <a:spcAft>
-                    <a:spcPct val="35000"/>
-                  </a:spcAft>
-                </a:pPr>
-                <a:r>
-                  <a:rPr lang="en-US" sz="1000" b="1" dirty="0">
-                    <a:solidFill>
-                      <a:prstClr val="black"/>
-                    </a:solidFill>
-                  </a:rPr>
-                  <a:t>Eitan Lis</a:t>
-                </a:r>
-              </a:p>
-            </p:txBody>
-          </p:sp>
-          <p:sp>
-            <p:nvSpPr>
-              <p:cNvPr id="248" name="Rectangle 247">
-                <a:extLst>
-                  <a:ext uri="{FF2B5EF4-FFF2-40B4-BE49-F238E27FC236}">
-                    <a16:creationId xmlns:a16="http://schemas.microsoft.com/office/drawing/2014/main" id="{341C08A5-F36B-4F2D-8D10-3844DD4E258B}"/>
-                  </a:ext>
-                </a:extLst>
-              </p:cNvPr>
-              <p:cNvSpPr/>
-              <p:nvPr/>
-            </p:nvSpPr>
-            <p:spPr>
-              <a:xfrm>
-                <a:off x="2829375" y="3526527"/>
-                <a:ext cx="1368000" cy="108000"/>
-              </a:xfrm>
-              <a:prstGeom prst="rect">
-                <a:avLst/>
-              </a:prstGeom>
-              <a:solidFill>
-                <a:schemeClr val="accent6"/>
-              </a:solidFill>
-              <a:ln>
-                <a:noFill/>
-              </a:ln>
-              <a:effectLst>
-                <a:glow rad="254000">
-                  <a:schemeClr val="accent1">
-                    <a:satMod val="175000"/>
-                    <a:alpha val="10000"/>
-                  </a:schemeClr>
-                </a:glow>
-              </a:effectLst>
-              <a:scene3d>
-                <a:camera prst="obliqueTopLeft"/>
-                <a:lightRig rig="brightRoom" dir="t"/>
-              </a:scene3d>
-              <a:sp3d extrusionH="88900"/>
-            </p:spPr>
-            <p:style>
-              <a:lnRef idx="2">
-                <a:schemeClr val="accent1">
-                  <a:hueOff val="0"/>
-                  <a:satOff val="0"/>
-                  <a:lumOff val="0"/>
-                  <a:alphaOff val="0"/>
-                </a:schemeClr>
-              </a:lnRef>
-              <a:fillRef idx="1">
-                <a:scrgbClr r="0" g="0" b="0"/>
-              </a:fillRef>
-              <a:effectRef idx="0">
-                <a:schemeClr val="lt1">
-                  <a:alpha val="90000"/>
-                  <a:hueOff val="0"/>
-                  <a:satOff val="0"/>
-                  <a:lumOff val="0"/>
-                  <a:alphaOff val="0"/>
-                </a:schemeClr>
-              </a:effectRef>
-              <a:fontRef idx="minor">
-                <a:schemeClr val="dk1">
-                  <a:hueOff val="0"/>
-                  <a:satOff val="0"/>
-                  <a:lumOff val="0"/>
-                  <a:alphaOff val="0"/>
-                </a:schemeClr>
-              </a:fontRef>
-            </p:style>
-            <p:txBody>
-              <a:bodyPr spcFirstLastPara="0" vert="horz" wrap="square" lIns="59400" tIns="4715" rIns="59400" bIns="4715" numCol="1" spcCol="1270" anchor="ctr" anchorCtr="0">
-                <a:noAutofit/>
-                <a:flatTx/>
-              </a:bodyPr>
-              <a:lstStyle/>
-              <a:p>
-                <a:pPr algn="ctr" defTabSz="330044">
-                  <a:lnSpc>
-                    <a:spcPct val="90000"/>
-                  </a:lnSpc>
-                  <a:spcBef>
-                    <a:spcPct val="0"/>
-                  </a:spcBef>
-                  <a:spcAft>
-                    <a:spcPct val="35000"/>
-                  </a:spcAft>
-                </a:pPr>
-                <a:r>
-                  <a:rPr lang="en-US" sz="1000" b="1" dirty="0">
-                    <a:solidFill>
-                      <a:schemeClr val="bg1"/>
-                    </a:solidFill>
-                  </a:rPr>
-                  <a:t>Secretary</a:t>
-                </a:r>
-              </a:p>
-            </p:txBody>
-          </p:sp>
-        </p:grpSp>
-        <p:cxnSp>
-          <p:nvCxnSpPr>
-            <p:cNvPr id="246" name="Straight Connector 245" descr="decorative element">
-              <a:extLst>
-                <a:ext uri="{FF2B5EF4-FFF2-40B4-BE49-F238E27FC236}">
-                  <a16:creationId xmlns:a16="http://schemas.microsoft.com/office/drawing/2014/main" id="{AE12689C-7BF9-4B04-B625-DDD853FF037F}"/>
-                </a:ext>
-              </a:extLst>
-            </p:cNvPr>
-            <p:cNvCxnSpPr>
-              <a:cxnSpLocks/>
-            </p:cNvCxnSpPr>
-            <p:nvPr/>
-          </p:nvCxnSpPr>
-          <p:spPr>
-            <a:xfrm>
-              <a:off x="2071303" y="2819346"/>
-              <a:ext cx="0" cy="124968"/>
-            </a:xfrm>
-            <a:prstGeom prst="line">
-              <a:avLst/>
-            </a:prstGeom>
-            <a:ln w="3175">
-              <a:solidFill>
-                <a:schemeClr val="bg1">
-                  <a:lumMod val="75000"/>
-                </a:schemeClr>
-              </a:solidFill>
-              <a:prstDash val="solid"/>
-              <a:headEnd type="none" w="sm" len="sm"/>
-              <a:tailEnd type="none" w="sm" len="sm"/>
-            </a:ln>
-            <a:scene3d>
-              <a:camera prst="obliqueTopLeft"/>
-              <a:lightRig rig="threePt" dir="t"/>
-            </a:scene3d>
-          </p:spPr>
-          <p:style>
-            <a:lnRef idx="1">
-              <a:schemeClr val="accent1"/>
-            </a:lnRef>
-            <a:fillRef idx="0">
-              <a:schemeClr val="accent1"/>
-            </a:fillRef>
-            <a:effectRef idx="0">
-              <a:schemeClr val="accent1"/>
-            </a:effectRef>
-            <a:fontRef idx="minor">
-              <a:schemeClr val="tx1"/>
-            </a:fontRef>
-          </p:style>
-        </p:cxnSp>
-      </p:grpSp>
-      <p:grpSp>
-        <p:nvGrpSpPr>
-          <p:cNvPr id="249" name="Group 248">
-            <a:extLst>
-              <a:ext uri="{FF2B5EF4-FFF2-40B4-BE49-F238E27FC236}">
-                <a16:creationId xmlns:a16="http://schemas.microsoft.com/office/drawing/2014/main" id="{7657CABF-6F9A-4418-9FD7-6FA7B9CB0DB8}"/>
-              </a:ext>
-            </a:extLst>
-          </p:cNvPr>
-          <p:cNvGrpSpPr/>
-          <p:nvPr/>
-        </p:nvGrpSpPr>
-        <p:grpSpPr>
-          <a:xfrm>
-            <a:off x="345220" y="5339366"/>
-            <a:ext cx="1600200" cy="609707"/>
-            <a:chOff x="1505552" y="2334607"/>
-            <a:chExt cx="1143943" cy="609707"/>
-          </a:xfrm>
-        </p:grpSpPr>
-        <p:grpSp>
-          <p:nvGrpSpPr>
-            <p:cNvPr id="250" name="Group 249">
-              <a:extLst>
-                <a:ext uri="{FF2B5EF4-FFF2-40B4-BE49-F238E27FC236}">
-                  <a16:creationId xmlns:a16="http://schemas.microsoft.com/office/drawing/2014/main" id="{9244DACB-4714-4827-AC91-8D8B167871DE}"/>
-                </a:ext>
-                <a:ext uri="{C183D7F6-B498-43B3-948B-1728B52AA6E4}">
-                  <adec:decorative xmlns:adec="http://schemas.microsoft.com/office/drawing/2017/decorative" val="1"/>
-                </a:ext>
-              </a:extLst>
-            </p:cNvPr>
-            <p:cNvGrpSpPr/>
-            <p:nvPr/>
-          </p:nvGrpSpPr>
-          <p:grpSpPr>
-            <a:xfrm>
-              <a:off x="1505552" y="2334607"/>
-              <a:ext cx="1143943" cy="449135"/>
-              <a:chOff x="2810778" y="3090121"/>
-              <a:chExt cx="1386597" cy="544406"/>
-            </a:xfrm>
-          </p:grpSpPr>
-          <p:sp>
-            <p:nvSpPr>
-              <p:cNvPr id="252" name="Rectangle 251">
-                <a:extLst>
-                  <a:ext uri="{FF2B5EF4-FFF2-40B4-BE49-F238E27FC236}">
-                    <a16:creationId xmlns:a16="http://schemas.microsoft.com/office/drawing/2014/main" id="{9D947D18-AD08-4367-AC1C-062C19A9DDDE}"/>
-                  </a:ext>
-                </a:extLst>
-              </p:cNvPr>
-              <p:cNvSpPr/>
-              <p:nvPr/>
-            </p:nvSpPr>
-            <p:spPr>
-              <a:xfrm>
-                <a:off x="2810778" y="3090121"/>
-                <a:ext cx="1368000" cy="509451"/>
-              </a:xfrm>
-              <a:prstGeom prst="rect">
-                <a:avLst/>
-              </a:prstGeom>
-              <a:gradFill>
-                <a:gsLst>
-                  <a:gs pos="0">
-                    <a:schemeClr val="bg1"/>
-                  </a:gs>
-                  <a:gs pos="100000">
-                    <a:schemeClr val="bg1">
-                      <a:lumMod val="85000"/>
-                    </a:schemeClr>
-                  </a:gs>
-                </a:gsLst>
-                <a:lin ang="5400000" scaled="0"/>
-              </a:gradFill>
-              <a:ln w="3175" cap="rnd" cmpd="sng" algn="ctr">
-                <a:solidFill>
-                  <a:schemeClr val="bg1">
-                    <a:lumMod val="85000"/>
-                  </a:schemeClr>
-                </a:solidFill>
-                <a:prstDash val="solid"/>
-              </a:ln>
-              <a:effectLst/>
-              <a:scene3d>
-                <a:camera prst="obliqueTopLeft"/>
-                <a:lightRig rig="soft" dir="t"/>
-              </a:scene3d>
-              <a:sp3d extrusionH="190500" prstMaterial="matte">
-                <a:contourClr>
-                  <a:prstClr val="black">
-                    <a:lumMod val="50000"/>
-                    <a:lumOff val="50000"/>
-                  </a:prstClr>
-                </a:contourClr>
-              </a:sp3d>
-            </p:spPr>
-            <p:style>
-              <a:lnRef idx="2">
-                <a:scrgbClr r="0" g="0" b="0"/>
-              </a:lnRef>
-              <a:fillRef idx="1">
-                <a:scrgbClr r="0" g="0" b="0"/>
-              </a:fillRef>
-              <a:effectRef idx="0">
-                <a:scrgbClr r="0" g="0" b="0"/>
-              </a:effectRef>
-              <a:fontRef idx="minor">
-                <a:schemeClr val="lt1"/>
-              </a:fontRef>
-            </p:style>
-            <p:txBody>
-              <a:bodyPr spcFirstLastPara="0" vert="horz" wrap="square" lIns="59400" tIns="4715" rIns="59400" bIns="44559" numCol="1" spcCol="1270" anchor="ctr" anchorCtr="0">
-                <a:noAutofit/>
-                <a:flatTx/>
-              </a:bodyPr>
-              <a:lstStyle/>
-              <a:p>
-                <a:pPr algn="ctr" defTabSz="330044">
-                  <a:lnSpc>
-                    <a:spcPct val="90000"/>
-                  </a:lnSpc>
-                  <a:spcBef>
-                    <a:spcPct val="0"/>
-                  </a:spcBef>
-                  <a:spcAft>
-                    <a:spcPct val="35000"/>
-                  </a:spcAft>
-                </a:pPr>
-                <a:r>
-                  <a:rPr lang="en-US" sz="1000" b="1" dirty="0">
-                    <a:solidFill>
-                      <a:prstClr val="black"/>
-                    </a:solidFill>
-                  </a:rPr>
-                  <a:t>Mauricio Elizondo</a:t>
-                </a:r>
-              </a:p>
-            </p:txBody>
-          </p:sp>
-          <p:sp>
-            <p:nvSpPr>
-              <p:cNvPr id="253" name="Rectangle 252">
-                <a:extLst>
-                  <a:ext uri="{FF2B5EF4-FFF2-40B4-BE49-F238E27FC236}">
-                    <a16:creationId xmlns:a16="http://schemas.microsoft.com/office/drawing/2014/main" id="{A723AF22-5F89-4D7F-BEFD-BB3956B2F974}"/>
-                  </a:ext>
-                </a:extLst>
-              </p:cNvPr>
-              <p:cNvSpPr/>
-              <p:nvPr/>
-            </p:nvSpPr>
-            <p:spPr>
-              <a:xfrm>
-                <a:off x="2829375" y="3526527"/>
-                <a:ext cx="1368000" cy="108000"/>
-              </a:xfrm>
-              <a:prstGeom prst="rect">
-                <a:avLst/>
-              </a:prstGeom>
-              <a:solidFill>
-                <a:schemeClr val="accent6"/>
-              </a:solidFill>
-              <a:ln>
-                <a:noFill/>
-              </a:ln>
-              <a:effectLst>
-                <a:glow rad="254000">
-                  <a:schemeClr val="accent1">
-                    <a:satMod val="175000"/>
-                    <a:alpha val="10000"/>
-                  </a:schemeClr>
-                </a:glow>
-              </a:effectLst>
-              <a:scene3d>
-                <a:camera prst="obliqueTopLeft"/>
-                <a:lightRig rig="brightRoom" dir="t"/>
-              </a:scene3d>
-              <a:sp3d extrusionH="88900"/>
-            </p:spPr>
-            <p:style>
-              <a:lnRef idx="2">
-                <a:schemeClr val="accent1">
-                  <a:hueOff val="0"/>
-                  <a:satOff val="0"/>
-                  <a:lumOff val="0"/>
-                  <a:alphaOff val="0"/>
-                </a:schemeClr>
-              </a:lnRef>
-              <a:fillRef idx="1">
-                <a:scrgbClr r="0" g="0" b="0"/>
-              </a:fillRef>
-              <a:effectRef idx="0">
-                <a:schemeClr val="lt1">
-                  <a:alpha val="90000"/>
-                  <a:hueOff val="0"/>
-                  <a:satOff val="0"/>
-                  <a:lumOff val="0"/>
-                  <a:alphaOff val="0"/>
-                </a:schemeClr>
-              </a:effectRef>
-              <a:fontRef idx="minor">
-                <a:schemeClr val="dk1">
-                  <a:hueOff val="0"/>
-                  <a:satOff val="0"/>
-                  <a:lumOff val="0"/>
-                  <a:alphaOff val="0"/>
-                </a:schemeClr>
-              </a:fontRef>
-            </p:style>
-            <p:txBody>
-              <a:bodyPr spcFirstLastPara="0" vert="horz" wrap="square" lIns="59400" tIns="4715" rIns="59400" bIns="4715" numCol="1" spcCol="1270" anchor="ctr" anchorCtr="0">
-                <a:noAutofit/>
-                <a:flatTx/>
-              </a:bodyPr>
-              <a:lstStyle/>
-              <a:p>
-                <a:pPr algn="ctr" defTabSz="330044">
-                  <a:lnSpc>
-                    <a:spcPct val="90000"/>
-                  </a:lnSpc>
-                  <a:spcBef>
-                    <a:spcPct val="0"/>
-                  </a:spcBef>
-                  <a:spcAft>
-                    <a:spcPct val="35000"/>
-                  </a:spcAft>
-                </a:pPr>
-                <a:r>
-                  <a:rPr lang="en-US" sz="1000" b="1" dirty="0">
-                    <a:solidFill>
-                      <a:schemeClr val="bg1"/>
-                    </a:solidFill>
-                  </a:rPr>
-                  <a:t>Member at Large 2</a:t>
-                </a:r>
-              </a:p>
-            </p:txBody>
-          </p:sp>
-        </p:grpSp>
-        <p:cxnSp>
-          <p:nvCxnSpPr>
-            <p:cNvPr id="251" name="Straight Connector 250" descr="decorative element">
-              <a:extLst>
-                <a:ext uri="{FF2B5EF4-FFF2-40B4-BE49-F238E27FC236}">
-                  <a16:creationId xmlns:a16="http://schemas.microsoft.com/office/drawing/2014/main" id="{6A7F350F-4A74-47E7-8FE8-358EE5689522}"/>
-                </a:ext>
-              </a:extLst>
-            </p:cNvPr>
-            <p:cNvCxnSpPr>
-              <a:cxnSpLocks/>
-            </p:cNvCxnSpPr>
-            <p:nvPr/>
-          </p:nvCxnSpPr>
-          <p:spPr>
-            <a:xfrm>
-              <a:off x="2071303" y="2819346"/>
-              <a:ext cx="0" cy="124968"/>
-            </a:xfrm>
-            <a:prstGeom prst="line">
-              <a:avLst/>
-            </a:prstGeom>
-            <a:ln w="3175">
-              <a:solidFill>
-                <a:schemeClr val="bg1">
-                  <a:lumMod val="75000"/>
-                </a:schemeClr>
-              </a:solidFill>
-              <a:prstDash val="solid"/>
-              <a:headEnd type="none" w="sm" len="sm"/>
-              <a:tailEnd type="none" w="sm" len="sm"/>
-            </a:ln>
-            <a:scene3d>
-              <a:camera prst="obliqueTopLeft"/>
-              <a:lightRig rig="threePt" dir="t"/>
-            </a:scene3d>
-          </p:spPr>
-          <p:style>
-            <a:lnRef idx="1">
-              <a:schemeClr val="accent1"/>
-            </a:lnRef>
-            <a:fillRef idx="0">
-              <a:schemeClr val="accent1"/>
-            </a:fillRef>
-            <a:effectRef idx="0">
-              <a:schemeClr val="accent1"/>
-            </a:effectRef>
-            <a:fontRef idx="minor">
-              <a:schemeClr val="tx1"/>
-            </a:fontRef>
-          </p:style>
-        </p:cxnSp>
-      </p:grpSp>
-      <p:cxnSp>
-        <p:nvCxnSpPr>
-          <p:cNvPr id="254" name="Connector: Elbow 95" descr="decorative element">
-            <a:extLst>
-              <a:ext uri="{FF2B5EF4-FFF2-40B4-BE49-F238E27FC236}">
-                <a16:creationId xmlns:a16="http://schemas.microsoft.com/office/drawing/2014/main" id="{05442376-F51F-48A9-B31E-6AAAD227DCE0}"/>
-              </a:ext>
-            </a:extLst>
-          </p:cNvPr>
-          <p:cNvCxnSpPr>
-            <a:cxnSpLocks/>
-            <a:stCxn id="28" idx="0"/>
-            <a:endCxn id="19" idx="2"/>
-          </p:cNvCxnSpPr>
-          <p:nvPr/>
-        </p:nvCxnSpPr>
-        <p:spPr>
-          <a:xfrm rot="5400000" flipH="1" flipV="1">
-            <a:off x="853051" y="1639672"/>
-            <a:ext cx="520607" cy="454"/>
-          </a:xfrm>
-          <a:prstGeom prst="bentConnector3">
-            <a:avLst>
-              <a:gd name="adj1" fmla="val 50000"/>
-            </a:avLst>
-          </a:prstGeom>
-          <a:ln w="3175">
-            <a:solidFill>
-              <a:schemeClr val="bg1">
-                <a:lumMod val="75000"/>
-              </a:schemeClr>
-            </a:solidFill>
-            <a:prstDash val="solid"/>
-            <a:headEnd type="none" w="sm" len="sm"/>
-            <a:tailEnd type="none" w="sm" len="sm"/>
-          </a:ln>
-        </p:spPr>
-        <p:style>
-          <a:lnRef idx="1">
-            <a:schemeClr val="accent1"/>
-          </a:lnRef>
-          <a:fillRef idx="0">
-            <a:schemeClr val="accent1"/>
-          </a:fillRef>
-          <a:effectRef idx="0">
-            <a:schemeClr val="accent1"/>
-          </a:effectRef>
-          <a:fontRef idx="minor">
-            <a:schemeClr val="tx1"/>
-          </a:fontRef>
-        </p:style>
-      </p:cxnSp>
       <p:cxnSp>
         <p:nvCxnSpPr>
           <p:cNvPr id="255" name="Connector: Elbow 95" descr="decorative element">
@@ -17851,7 +16035,6 @@
           <p:cNvCxnSpPr>
             <a:cxnSpLocks/>
             <a:stCxn id="198" idx="0"/>
-            <a:endCxn id="19" idx="2"/>
           </p:cNvCxnSpPr>
           <p:nvPr/>
         </p:nvCxnSpPr>
@@ -20245,49 +18428,6 @@
           </a:p>
         </p:txBody>
       </p:sp>
-      <p:sp>
-        <p:nvSpPr>
-          <p:cNvPr id="46" name="TextBox 45">
-            <a:extLst>
-              <a:ext uri="{FF2B5EF4-FFF2-40B4-BE49-F238E27FC236}">
-                <a16:creationId xmlns:a16="http://schemas.microsoft.com/office/drawing/2014/main" id="{DEB36614-D0E8-4CFD-8AE5-A903D137556E}"/>
-              </a:ext>
-            </a:extLst>
-          </p:cNvPr>
-          <p:cNvSpPr txBox="1"/>
-          <p:nvPr/>
-        </p:nvSpPr>
-        <p:spPr>
-          <a:xfrm>
-            <a:off x="71932" y="6421140"/>
-            <a:ext cx="2347409" cy="630942"/>
-          </a:xfrm>
-          <a:prstGeom prst="rect">
-            <a:avLst/>
-          </a:prstGeom>
-          <a:noFill/>
-        </p:spPr>
-        <p:txBody>
-          <a:bodyPr wrap="square" rtlCol="0">
-            <a:spAutoFit/>
-          </a:bodyPr>
-          <a:lstStyle/>
-          <a:p>
-            <a:pPr algn="ctr"/>
-            <a:r>
-              <a:rPr lang="en-US" sz="1400" dirty="0"/>
-              <a:t>The Board</a:t>
-            </a:r>
-          </a:p>
-          <a:p>
-            <a:pPr algn="ctr"/>
-            <a:r>
-              <a:rPr lang="en-US" sz="1050" dirty="0"/>
-              <a:t>To develop new initiatives/projects to increase the impact of SEDS nationwide</a:t>
-            </a:r>
-          </a:p>
-        </p:txBody>
-      </p:sp>
       <p:cxnSp>
         <p:nvCxnSpPr>
           <p:cNvPr id="48" name="Straight Connector 47">
@@ -21924,6 +20064,2293 @@
           </p:txBody>
         </p:sp>
       </p:grpSp>
+      <p:grpSp>
+        <p:nvGrpSpPr>
+          <p:cNvPr id="106" name="Group 105">
+            <a:extLst>
+              <a:ext uri="{FF2B5EF4-FFF2-40B4-BE49-F238E27FC236}">
+                <a16:creationId xmlns:a16="http://schemas.microsoft.com/office/drawing/2014/main" id="{F55F3670-EE9E-41F9-8D7D-A8C557E8D542}"/>
+              </a:ext>
+            </a:extLst>
+          </p:cNvPr>
+          <p:cNvGrpSpPr/>
+          <p:nvPr/>
+        </p:nvGrpSpPr>
+        <p:grpSpPr>
+          <a:xfrm>
+            <a:off x="323758" y="2490752"/>
+            <a:ext cx="1600200" cy="609707"/>
+            <a:chOff x="1505552" y="2334607"/>
+            <a:chExt cx="1143943" cy="609707"/>
+          </a:xfrm>
+        </p:grpSpPr>
+        <p:grpSp>
+          <p:nvGrpSpPr>
+            <p:cNvPr id="116" name="Group 115">
+              <a:extLst>
+                <a:ext uri="{FF2B5EF4-FFF2-40B4-BE49-F238E27FC236}">
+                  <a16:creationId xmlns:a16="http://schemas.microsoft.com/office/drawing/2014/main" id="{8E0DD20E-05FE-4F1D-A583-143C677486BC}"/>
+                </a:ext>
+                <a:ext uri="{C183D7F6-B498-43B3-948B-1728B52AA6E4}">
+                  <adec:decorative xmlns:adec="http://schemas.microsoft.com/office/drawing/2017/decorative" val="1"/>
+                </a:ext>
+              </a:extLst>
+            </p:cNvPr>
+            <p:cNvGrpSpPr/>
+            <p:nvPr/>
+          </p:nvGrpSpPr>
+          <p:grpSpPr>
+            <a:xfrm>
+              <a:off x="1505552" y="2334607"/>
+              <a:ext cx="1143943" cy="449135"/>
+              <a:chOff x="2810778" y="3090121"/>
+              <a:chExt cx="1386597" cy="544406"/>
+            </a:xfrm>
+          </p:grpSpPr>
+          <p:sp>
+            <p:nvSpPr>
+              <p:cNvPr id="118" name="Rectangle 117">
+                <a:extLst>
+                  <a:ext uri="{FF2B5EF4-FFF2-40B4-BE49-F238E27FC236}">
+                    <a16:creationId xmlns:a16="http://schemas.microsoft.com/office/drawing/2014/main" id="{97C537AE-FE4E-4B40-A99D-C6A57C2EA7B2}"/>
+                  </a:ext>
+                </a:extLst>
+              </p:cNvPr>
+              <p:cNvSpPr/>
+              <p:nvPr/>
+            </p:nvSpPr>
+            <p:spPr>
+              <a:xfrm>
+                <a:off x="2810778" y="3090121"/>
+                <a:ext cx="1368000" cy="509451"/>
+              </a:xfrm>
+              <a:prstGeom prst="rect">
+                <a:avLst/>
+              </a:prstGeom>
+              <a:gradFill>
+                <a:gsLst>
+                  <a:gs pos="0">
+                    <a:schemeClr val="bg1"/>
+                  </a:gs>
+                  <a:gs pos="100000">
+                    <a:schemeClr val="bg1">
+                      <a:lumMod val="85000"/>
+                    </a:schemeClr>
+                  </a:gs>
+                </a:gsLst>
+                <a:lin ang="5400000" scaled="0"/>
+              </a:gradFill>
+              <a:ln w="3175" cap="rnd" cmpd="sng" algn="ctr">
+                <a:solidFill>
+                  <a:schemeClr val="bg1">
+                    <a:lumMod val="85000"/>
+                  </a:schemeClr>
+                </a:solidFill>
+                <a:prstDash val="solid"/>
+              </a:ln>
+              <a:effectLst/>
+              <a:scene3d>
+                <a:camera prst="obliqueTopLeft"/>
+                <a:lightRig rig="soft" dir="t"/>
+              </a:scene3d>
+              <a:sp3d extrusionH="190500" prstMaterial="matte">
+                <a:contourClr>
+                  <a:prstClr val="black">
+                    <a:lumMod val="50000"/>
+                    <a:lumOff val="50000"/>
+                  </a:prstClr>
+                </a:contourClr>
+              </a:sp3d>
+            </p:spPr>
+            <p:style>
+              <a:lnRef idx="2">
+                <a:scrgbClr r="0" g="0" b="0"/>
+              </a:lnRef>
+              <a:fillRef idx="1">
+                <a:scrgbClr r="0" g="0" b="0"/>
+              </a:fillRef>
+              <a:effectRef idx="0">
+                <a:scrgbClr r="0" g="0" b="0"/>
+              </a:effectRef>
+              <a:fontRef idx="minor">
+                <a:schemeClr val="lt1"/>
+              </a:fontRef>
+            </p:style>
+            <p:txBody>
+              <a:bodyPr spcFirstLastPara="0" vert="horz" wrap="square" lIns="59400" tIns="4715" rIns="59400" bIns="44559" numCol="1" spcCol="1270" anchor="ctr" anchorCtr="0">
+                <a:noAutofit/>
+                <a:flatTx/>
+              </a:bodyPr>
+              <a:lstStyle/>
+              <a:p>
+                <a:pPr algn="ctr" defTabSz="330044">
+                  <a:lnSpc>
+                    <a:spcPct val="90000"/>
+                  </a:lnSpc>
+                  <a:spcBef>
+                    <a:spcPct val="0"/>
+                  </a:spcBef>
+                  <a:spcAft>
+                    <a:spcPct val="35000"/>
+                  </a:spcAft>
+                </a:pPr>
+                <a:r>
+                  <a:rPr lang="en-US" sz="1000" b="1" dirty="0">
+                    <a:solidFill>
+                      <a:prstClr val="black"/>
+                    </a:solidFill>
+                  </a:rPr>
+                  <a:t>George Sarkodie</a:t>
+                </a:r>
+              </a:p>
+            </p:txBody>
+          </p:sp>
+          <p:sp>
+            <p:nvSpPr>
+              <p:cNvPr id="119" name="Rectangle 118">
+                <a:extLst>
+                  <a:ext uri="{FF2B5EF4-FFF2-40B4-BE49-F238E27FC236}">
+                    <a16:creationId xmlns:a16="http://schemas.microsoft.com/office/drawing/2014/main" id="{56D35D3D-4A0A-4782-A652-80FCC30608FF}"/>
+                  </a:ext>
+                </a:extLst>
+              </p:cNvPr>
+              <p:cNvSpPr/>
+              <p:nvPr/>
+            </p:nvSpPr>
+            <p:spPr>
+              <a:xfrm>
+                <a:off x="2829375" y="3526527"/>
+                <a:ext cx="1368000" cy="108000"/>
+              </a:xfrm>
+              <a:prstGeom prst="rect">
+                <a:avLst/>
+              </a:prstGeom>
+              <a:solidFill>
+                <a:schemeClr val="accent6"/>
+              </a:solidFill>
+              <a:ln>
+                <a:noFill/>
+              </a:ln>
+              <a:effectLst>
+                <a:glow rad="254000">
+                  <a:schemeClr val="accent1">
+                    <a:satMod val="175000"/>
+                    <a:alpha val="10000"/>
+                  </a:schemeClr>
+                </a:glow>
+              </a:effectLst>
+              <a:scene3d>
+                <a:camera prst="obliqueTopLeft"/>
+                <a:lightRig rig="brightRoom" dir="t"/>
+              </a:scene3d>
+              <a:sp3d extrusionH="88900"/>
+            </p:spPr>
+            <p:style>
+              <a:lnRef idx="2">
+                <a:schemeClr val="accent1">
+                  <a:hueOff val="0"/>
+                  <a:satOff val="0"/>
+                  <a:lumOff val="0"/>
+                  <a:alphaOff val="0"/>
+                </a:schemeClr>
+              </a:lnRef>
+              <a:fillRef idx="1">
+                <a:scrgbClr r="0" g="0" b="0"/>
+              </a:fillRef>
+              <a:effectRef idx="0">
+                <a:schemeClr val="lt1">
+                  <a:alpha val="90000"/>
+                  <a:hueOff val="0"/>
+                  <a:satOff val="0"/>
+                  <a:lumOff val="0"/>
+                  <a:alphaOff val="0"/>
+                </a:schemeClr>
+              </a:effectRef>
+              <a:fontRef idx="minor">
+                <a:schemeClr val="dk1">
+                  <a:hueOff val="0"/>
+                  <a:satOff val="0"/>
+                  <a:lumOff val="0"/>
+                  <a:alphaOff val="0"/>
+                </a:schemeClr>
+              </a:fontRef>
+            </p:style>
+            <p:txBody>
+              <a:bodyPr spcFirstLastPara="0" vert="horz" wrap="square" lIns="59400" tIns="4715" rIns="59400" bIns="4715" numCol="1" spcCol="1270" anchor="ctr" anchorCtr="0">
+                <a:noAutofit/>
+                <a:flatTx/>
+              </a:bodyPr>
+              <a:lstStyle/>
+              <a:p>
+                <a:pPr algn="ctr" defTabSz="330044">
+                  <a:lnSpc>
+                    <a:spcPct val="90000"/>
+                  </a:lnSpc>
+                  <a:spcBef>
+                    <a:spcPct val="0"/>
+                  </a:spcBef>
+                  <a:spcAft>
+                    <a:spcPct val="35000"/>
+                  </a:spcAft>
+                </a:pPr>
+                <a:r>
+                  <a:rPr lang="en-US" sz="1000" b="1" dirty="0">
+                    <a:solidFill>
+                      <a:schemeClr val="bg1"/>
+                    </a:solidFill>
+                  </a:rPr>
+                  <a:t>Vice Chair</a:t>
+                </a:r>
+              </a:p>
+            </p:txBody>
+          </p:sp>
+        </p:grpSp>
+        <p:cxnSp>
+          <p:nvCxnSpPr>
+            <p:cNvPr id="117" name="Straight Connector 116" descr="decorative element">
+              <a:extLst>
+                <a:ext uri="{FF2B5EF4-FFF2-40B4-BE49-F238E27FC236}">
+                  <a16:creationId xmlns:a16="http://schemas.microsoft.com/office/drawing/2014/main" id="{C708B9A3-A0F7-4727-B263-D8680B94A9DE}"/>
+                </a:ext>
+              </a:extLst>
+            </p:cNvPr>
+            <p:cNvCxnSpPr>
+              <a:cxnSpLocks/>
+            </p:cNvCxnSpPr>
+            <p:nvPr/>
+          </p:nvCxnSpPr>
+          <p:spPr>
+            <a:xfrm>
+              <a:off x="2071303" y="2819346"/>
+              <a:ext cx="0" cy="124968"/>
+            </a:xfrm>
+            <a:prstGeom prst="line">
+              <a:avLst/>
+            </a:prstGeom>
+            <a:ln w="3175">
+              <a:solidFill>
+                <a:schemeClr val="bg1">
+                  <a:lumMod val="75000"/>
+                </a:schemeClr>
+              </a:solidFill>
+              <a:prstDash val="solid"/>
+              <a:headEnd type="none" w="sm" len="sm"/>
+              <a:tailEnd type="none" w="sm" len="sm"/>
+            </a:ln>
+            <a:scene3d>
+              <a:camera prst="obliqueTopLeft"/>
+              <a:lightRig rig="threePt" dir="t"/>
+            </a:scene3d>
+          </p:spPr>
+          <p:style>
+            <a:lnRef idx="1">
+              <a:schemeClr val="accent1"/>
+            </a:lnRef>
+            <a:fillRef idx="0">
+              <a:schemeClr val="accent1"/>
+            </a:fillRef>
+            <a:effectRef idx="0">
+              <a:schemeClr val="accent1"/>
+            </a:effectRef>
+            <a:fontRef idx="minor">
+              <a:schemeClr val="tx1"/>
+            </a:fontRef>
+          </p:style>
+        </p:cxnSp>
+      </p:grpSp>
+      <p:grpSp>
+        <p:nvGrpSpPr>
+          <p:cNvPr id="120" name="Group 119">
+            <a:extLst>
+              <a:ext uri="{FF2B5EF4-FFF2-40B4-BE49-F238E27FC236}">
+                <a16:creationId xmlns:a16="http://schemas.microsoft.com/office/drawing/2014/main" id="{423E4EC7-26EE-4E7C-BDE1-203847EC5D3B}"/>
+              </a:ext>
+              <a:ext uri="{C183D7F6-B498-43B3-948B-1728B52AA6E4}">
+                <adec:decorative xmlns:adec="http://schemas.microsoft.com/office/drawing/2017/decorative" val="1"/>
+              </a:ext>
+            </a:extLst>
+          </p:cNvPr>
+          <p:cNvGrpSpPr/>
+          <p:nvPr/>
+        </p:nvGrpSpPr>
+        <p:grpSpPr>
+          <a:xfrm>
+            <a:off x="313481" y="957664"/>
+            <a:ext cx="1600200" cy="421931"/>
+            <a:chOff x="5016000" y="1040449"/>
+            <a:chExt cx="2160000" cy="511431"/>
+          </a:xfrm>
+        </p:grpSpPr>
+        <p:sp>
+          <p:nvSpPr>
+            <p:cNvPr id="121" name="Rectangle 120">
+              <a:extLst>
+                <a:ext uri="{FF2B5EF4-FFF2-40B4-BE49-F238E27FC236}">
+                  <a16:creationId xmlns:a16="http://schemas.microsoft.com/office/drawing/2014/main" id="{8D26508B-E945-44BF-B992-20BC11927BB9}"/>
+                </a:ext>
+              </a:extLst>
+            </p:cNvPr>
+            <p:cNvSpPr/>
+            <p:nvPr/>
+          </p:nvSpPr>
+          <p:spPr>
+            <a:xfrm>
+              <a:off x="5016000" y="1040449"/>
+              <a:ext cx="2160000" cy="509451"/>
+            </a:xfrm>
+            <a:prstGeom prst="rect">
+              <a:avLst/>
+            </a:prstGeom>
+            <a:solidFill>
+              <a:schemeClr val="bg1"/>
+            </a:solidFill>
+            <a:ln w="12700" cap="rnd" cmpd="sng" algn="ctr">
+              <a:solidFill>
+                <a:schemeClr val="bg1">
+                  <a:lumMod val="85000"/>
+                </a:schemeClr>
+              </a:solidFill>
+              <a:prstDash val="solid"/>
+            </a:ln>
+            <a:effectLst/>
+            <a:scene3d>
+              <a:camera prst="obliqueTopLeft"/>
+              <a:lightRig rig="soft" dir="t"/>
+            </a:scene3d>
+            <a:sp3d extrusionH="190500" prstMaterial="matte">
+              <a:contourClr>
+                <a:prstClr val="black">
+                  <a:lumMod val="50000"/>
+                  <a:lumOff val="50000"/>
+                </a:prstClr>
+              </a:contourClr>
+            </a:sp3d>
+          </p:spPr>
+          <p:style>
+            <a:lnRef idx="2">
+              <a:scrgbClr r="0" g="0" b="0"/>
+            </a:lnRef>
+            <a:fillRef idx="1">
+              <a:scrgbClr r="0" g="0" b="0"/>
+            </a:fillRef>
+            <a:effectRef idx="0">
+              <a:scrgbClr r="0" g="0" b="0"/>
+            </a:effectRef>
+            <a:fontRef idx="minor">
+              <a:schemeClr val="lt1"/>
+            </a:fontRef>
+          </p:style>
+          <p:txBody>
+            <a:bodyPr spcFirstLastPara="0" vert="horz" wrap="square" lIns="4715" tIns="4715" rIns="4715" bIns="44559" numCol="1" spcCol="1270" anchor="ctr" anchorCtr="0">
+              <a:noAutofit/>
+              <a:flatTx/>
+            </a:bodyPr>
+            <a:lstStyle/>
+            <a:p>
+              <a:pPr algn="ctr" defTabSz="330044">
+                <a:lnSpc>
+                  <a:spcPct val="90000"/>
+                </a:lnSpc>
+                <a:spcBef>
+                  <a:spcPct val="0"/>
+                </a:spcBef>
+                <a:spcAft>
+                  <a:spcPct val="35000"/>
+                </a:spcAft>
+              </a:pPr>
+              <a:r>
+                <a:rPr lang="en-US" sz="1000" b="1" dirty="0">
+                  <a:solidFill>
+                    <a:schemeClr val="tx1"/>
+                  </a:solidFill>
+                </a:rPr>
+                <a:t>Charlie Nitschelm</a:t>
+              </a:r>
+            </a:p>
+          </p:txBody>
+        </p:sp>
+        <p:sp>
+          <p:nvSpPr>
+            <p:cNvPr id="122" name="Rectangle 121">
+              <a:extLst>
+                <a:ext uri="{FF2B5EF4-FFF2-40B4-BE49-F238E27FC236}">
+                  <a16:creationId xmlns:a16="http://schemas.microsoft.com/office/drawing/2014/main" id="{6277309A-5072-4799-A187-0E13B5692DAB}"/>
+                </a:ext>
+              </a:extLst>
+            </p:cNvPr>
+            <p:cNvSpPr/>
+            <p:nvPr/>
+          </p:nvSpPr>
+          <p:spPr>
+            <a:xfrm>
+              <a:off x="5016000" y="1443880"/>
+              <a:ext cx="2160000" cy="108000"/>
+            </a:xfrm>
+            <a:prstGeom prst="rect">
+              <a:avLst/>
+            </a:prstGeom>
+            <a:solidFill>
+              <a:schemeClr val="tx2"/>
+            </a:solidFill>
+            <a:ln w="19050" cap="rnd" cmpd="sng" algn="ctr">
+              <a:noFill/>
+              <a:prstDash val="solid"/>
+            </a:ln>
+            <a:effectLst>
+              <a:glow rad="254000">
+                <a:schemeClr val="accent2">
+                  <a:satMod val="175000"/>
+                  <a:alpha val="10000"/>
+                </a:schemeClr>
+              </a:glow>
+            </a:effectLst>
+            <a:scene3d>
+              <a:camera prst="obliqueTopLeft"/>
+              <a:lightRig rig="brightRoom" dir="t"/>
+            </a:scene3d>
+            <a:sp3d extrusionH="88900"/>
+          </p:spPr>
+          <p:style>
+            <a:lnRef idx="2">
+              <a:scrgbClr r="0" g="0" b="0"/>
+            </a:lnRef>
+            <a:fillRef idx="1">
+              <a:scrgbClr r="0" g="0" b="0"/>
+            </a:fillRef>
+            <a:effectRef idx="0">
+              <a:scrgbClr r="0" g="0" b="0"/>
+            </a:effectRef>
+            <a:fontRef idx="minor">
+              <a:schemeClr val="dk1">
+                <a:hueOff val="0"/>
+                <a:satOff val="0"/>
+                <a:lumOff val="0"/>
+                <a:alphaOff val="0"/>
+              </a:schemeClr>
+            </a:fontRef>
+          </p:style>
+          <p:txBody>
+            <a:bodyPr spcFirstLastPara="0" vert="horz" wrap="square" lIns="18860" tIns="4715" rIns="18860" bIns="4715" numCol="1" spcCol="1270" anchor="ctr" anchorCtr="0">
+              <a:noAutofit/>
+              <a:flatTx/>
+            </a:bodyPr>
+            <a:lstStyle/>
+            <a:p>
+              <a:pPr algn="ctr" defTabSz="330044">
+                <a:lnSpc>
+                  <a:spcPct val="90000"/>
+                </a:lnSpc>
+                <a:spcBef>
+                  <a:spcPct val="0"/>
+                </a:spcBef>
+                <a:spcAft>
+                  <a:spcPct val="35000"/>
+                </a:spcAft>
+              </a:pPr>
+              <a:r>
+                <a:rPr lang="en-US" sz="1000" b="1" dirty="0">
+                  <a:solidFill>
+                    <a:schemeClr val="bg1"/>
+                  </a:solidFill>
+                </a:rPr>
+                <a:t>Chair</a:t>
+              </a:r>
+            </a:p>
+          </p:txBody>
+        </p:sp>
+      </p:grpSp>
+      <p:grpSp>
+        <p:nvGrpSpPr>
+          <p:cNvPr id="123" name="Group 122">
+            <a:extLst>
+              <a:ext uri="{FF2B5EF4-FFF2-40B4-BE49-F238E27FC236}">
+                <a16:creationId xmlns:a16="http://schemas.microsoft.com/office/drawing/2014/main" id="{B9585FDF-EB3C-4E4A-A1E4-B7819CB33109}"/>
+              </a:ext>
+            </a:extLst>
+          </p:cNvPr>
+          <p:cNvGrpSpPr/>
+          <p:nvPr/>
+        </p:nvGrpSpPr>
+        <p:grpSpPr>
+          <a:xfrm>
+            <a:off x="345220" y="4552132"/>
+            <a:ext cx="1600200" cy="609707"/>
+            <a:chOff x="1505552" y="2334607"/>
+            <a:chExt cx="1143943" cy="609707"/>
+          </a:xfrm>
+        </p:grpSpPr>
+        <p:grpSp>
+          <p:nvGrpSpPr>
+            <p:cNvPr id="124" name="Group 123">
+              <a:extLst>
+                <a:ext uri="{FF2B5EF4-FFF2-40B4-BE49-F238E27FC236}">
+                  <a16:creationId xmlns:a16="http://schemas.microsoft.com/office/drawing/2014/main" id="{4BBD8BBE-12AC-40A3-BEFB-4EECFBCD3F26}"/>
+                </a:ext>
+                <a:ext uri="{C183D7F6-B498-43B3-948B-1728B52AA6E4}">
+                  <adec:decorative xmlns:adec="http://schemas.microsoft.com/office/drawing/2017/decorative" val="1"/>
+                </a:ext>
+              </a:extLst>
+            </p:cNvPr>
+            <p:cNvGrpSpPr/>
+            <p:nvPr/>
+          </p:nvGrpSpPr>
+          <p:grpSpPr>
+            <a:xfrm>
+              <a:off x="1505552" y="2334607"/>
+              <a:ext cx="1143943" cy="449135"/>
+              <a:chOff x="2810778" y="3090121"/>
+              <a:chExt cx="1386597" cy="544406"/>
+            </a:xfrm>
+          </p:grpSpPr>
+          <p:sp>
+            <p:nvSpPr>
+              <p:cNvPr id="126" name="Rectangle 125">
+                <a:extLst>
+                  <a:ext uri="{FF2B5EF4-FFF2-40B4-BE49-F238E27FC236}">
+                    <a16:creationId xmlns:a16="http://schemas.microsoft.com/office/drawing/2014/main" id="{CF5E94D3-7604-4474-921F-13BAE71AF112}"/>
+                  </a:ext>
+                </a:extLst>
+              </p:cNvPr>
+              <p:cNvSpPr/>
+              <p:nvPr/>
+            </p:nvSpPr>
+            <p:spPr>
+              <a:xfrm>
+                <a:off x="2810778" y="3090121"/>
+                <a:ext cx="1368000" cy="509451"/>
+              </a:xfrm>
+              <a:prstGeom prst="rect">
+                <a:avLst/>
+              </a:prstGeom>
+              <a:gradFill>
+                <a:gsLst>
+                  <a:gs pos="0">
+                    <a:schemeClr val="bg1"/>
+                  </a:gs>
+                  <a:gs pos="100000">
+                    <a:schemeClr val="bg1">
+                      <a:lumMod val="85000"/>
+                    </a:schemeClr>
+                  </a:gs>
+                </a:gsLst>
+                <a:lin ang="5400000" scaled="0"/>
+              </a:gradFill>
+              <a:ln w="3175" cap="rnd" cmpd="sng" algn="ctr">
+                <a:solidFill>
+                  <a:schemeClr val="bg1">
+                    <a:lumMod val="85000"/>
+                  </a:schemeClr>
+                </a:solidFill>
+                <a:prstDash val="solid"/>
+              </a:ln>
+              <a:effectLst/>
+              <a:scene3d>
+                <a:camera prst="obliqueTopLeft"/>
+                <a:lightRig rig="soft" dir="t"/>
+              </a:scene3d>
+              <a:sp3d extrusionH="190500" prstMaterial="matte">
+                <a:contourClr>
+                  <a:prstClr val="black">
+                    <a:lumMod val="50000"/>
+                    <a:lumOff val="50000"/>
+                  </a:prstClr>
+                </a:contourClr>
+              </a:sp3d>
+            </p:spPr>
+            <p:style>
+              <a:lnRef idx="2">
+                <a:scrgbClr r="0" g="0" b="0"/>
+              </a:lnRef>
+              <a:fillRef idx="1">
+                <a:scrgbClr r="0" g="0" b="0"/>
+              </a:fillRef>
+              <a:effectRef idx="0">
+                <a:scrgbClr r="0" g="0" b="0"/>
+              </a:effectRef>
+              <a:fontRef idx="minor">
+                <a:schemeClr val="lt1"/>
+              </a:fontRef>
+            </p:style>
+            <p:txBody>
+              <a:bodyPr spcFirstLastPara="0" vert="horz" wrap="square" lIns="59400" tIns="4715" rIns="59400" bIns="44559" numCol="1" spcCol="1270" anchor="ctr" anchorCtr="0">
+                <a:noAutofit/>
+                <a:flatTx/>
+              </a:bodyPr>
+              <a:lstStyle/>
+              <a:p>
+                <a:pPr algn="ctr" defTabSz="330044">
+                  <a:lnSpc>
+                    <a:spcPct val="90000"/>
+                  </a:lnSpc>
+                  <a:spcBef>
+                    <a:spcPct val="0"/>
+                  </a:spcBef>
+                  <a:spcAft>
+                    <a:spcPct val="35000"/>
+                  </a:spcAft>
+                </a:pPr>
+                <a:r>
+                  <a:rPr lang="en-US" sz="1000" b="1" dirty="0">
+                    <a:solidFill>
+                      <a:prstClr val="black"/>
+                    </a:solidFill>
+                  </a:rPr>
+                  <a:t>Matthew Barr</a:t>
+                </a:r>
+              </a:p>
+            </p:txBody>
+          </p:sp>
+          <p:sp>
+            <p:nvSpPr>
+              <p:cNvPr id="127" name="Rectangle 126">
+                <a:extLst>
+                  <a:ext uri="{FF2B5EF4-FFF2-40B4-BE49-F238E27FC236}">
+                    <a16:creationId xmlns:a16="http://schemas.microsoft.com/office/drawing/2014/main" id="{3BE3906E-F7D9-4340-8EE2-0BCAC1AD0523}"/>
+                  </a:ext>
+                </a:extLst>
+              </p:cNvPr>
+              <p:cNvSpPr/>
+              <p:nvPr/>
+            </p:nvSpPr>
+            <p:spPr>
+              <a:xfrm>
+                <a:off x="2829375" y="3526527"/>
+                <a:ext cx="1368000" cy="108000"/>
+              </a:xfrm>
+              <a:prstGeom prst="rect">
+                <a:avLst/>
+              </a:prstGeom>
+              <a:solidFill>
+                <a:schemeClr val="accent6"/>
+              </a:solidFill>
+              <a:ln>
+                <a:noFill/>
+              </a:ln>
+              <a:effectLst>
+                <a:glow rad="254000">
+                  <a:schemeClr val="accent1">
+                    <a:satMod val="175000"/>
+                    <a:alpha val="10000"/>
+                  </a:schemeClr>
+                </a:glow>
+              </a:effectLst>
+              <a:scene3d>
+                <a:camera prst="obliqueTopLeft"/>
+                <a:lightRig rig="brightRoom" dir="t"/>
+              </a:scene3d>
+              <a:sp3d extrusionH="88900"/>
+            </p:spPr>
+            <p:style>
+              <a:lnRef idx="2">
+                <a:schemeClr val="accent1">
+                  <a:hueOff val="0"/>
+                  <a:satOff val="0"/>
+                  <a:lumOff val="0"/>
+                  <a:alphaOff val="0"/>
+                </a:schemeClr>
+              </a:lnRef>
+              <a:fillRef idx="1">
+                <a:scrgbClr r="0" g="0" b="0"/>
+              </a:fillRef>
+              <a:effectRef idx="0">
+                <a:schemeClr val="lt1">
+                  <a:alpha val="90000"/>
+                  <a:hueOff val="0"/>
+                  <a:satOff val="0"/>
+                  <a:lumOff val="0"/>
+                  <a:alphaOff val="0"/>
+                </a:schemeClr>
+              </a:effectRef>
+              <a:fontRef idx="minor">
+                <a:schemeClr val="dk1">
+                  <a:hueOff val="0"/>
+                  <a:satOff val="0"/>
+                  <a:lumOff val="0"/>
+                  <a:alphaOff val="0"/>
+                </a:schemeClr>
+              </a:fontRef>
+            </p:style>
+            <p:txBody>
+              <a:bodyPr spcFirstLastPara="0" vert="horz" wrap="square" lIns="59400" tIns="4715" rIns="59400" bIns="4715" numCol="1" spcCol="1270" anchor="ctr" anchorCtr="0">
+                <a:noAutofit/>
+                <a:flatTx/>
+              </a:bodyPr>
+              <a:lstStyle/>
+              <a:p>
+                <a:pPr algn="ctr" defTabSz="330044">
+                  <a:lnSpc>
+                    <a:spcPct val="90000"/>
+                  </a:lnSpc>
+                  <a:spcBef>
+                    <a:spcPct val="0"/>
+                  </a:spcBef>
+                  <a:spcAft>
+                    <a:spcPct val="35000"/>
+                  </a:spcAft>
+                </a:pPr>
+                <a:r>
+                  <a:rPr lang="en-US" sz="1000" b="1" dirty="0">
+                    <a:solidFill>
+                      <a:schemeClr val="bg1"/>
+                    </a:solidFill>
+                  </a:rPr>
+                  <a:t>Treasurer</a:t>
+                </a:r>
+              </a:p>
+            </p:txBody>
+          </p:sp>
+        </p:grpSp>
+        <p:cxnSp>
+          <p:nvCxnSpPr>
+            <p:cNvPr id="125" name="Straight Connector 124" descr="decorative element">
+              <a:extLst>
+                <a:ext uri="{FF2B5EF4-FFF2-40B4-BE49-F238E27FC236}">
+                  <a16:creationId xmlns:a16="http://schemas.microsoft.com/office/drawing/2014/main" id="{043419A3-E19F-4D89-BB27-5F0D0DE151D7}"/>
+                </a:ext>
+              </a:extLst>
+            </p:cNvPr>
+            <p:cNvCxnSpPr>
+              <a:cxnSpLocks/>
+            </p:cNvCxnSpPr>
+            <p:nvPr/>
+          </p:nvCxnSpPr>
+          <p:spPr>
+            <a:xfrm>
+              <a:off x="2071303" y="2819346"/>
+              <a:ext cx="0" cy="124968"/>
+            </a:xfrm>
+            <a:prstGeom prst="line">
+              <a:avLst/>
+            </a:prstGeom>
+            <a:ln w="3175">
+              <a:solidFill>
+                <a:schemeClr val="bg1">
+                  <a:lumMod val="75000"/>
+                </a:schemeClr>
+              </a:solidFill>
+              <a:prstDash val="solid"/>
+              <a:headEnd type="none" w="sm" len="sm"/>
+              <a:tailEnd type="none" w="sm" len="sm"/>
+            </a:ln>
+            <a:scene3d>
+              <a:camera prst="obliqueTopLeft"/>
+              <a:lightRig rig="threePt" dir="t"/>
+            </a:scene3d>
+          </p:spPr>
+          <p:style>
+            <a:lnRef idx="1">
+              <a:schemeClr val="accent1"/>
+            </a:lnRef>
+            <a:fillRef idx="0">
+              <a:schemeClr val="accent1"/>
+            </a:fillRef>
+            <a:effectRef idx="0">
+              <a:schemeClr val="accent1"/>
+            </a:effectRef>
+            <a:fontRef idx="minor">
+              <a:schemeClr val="tx1"/>
+            </a:fontRef>
+          </p:style>
+        </p:cxnSp>
+      </p:grpSp>
+      <p:grpSp>
+        <p:nvGrpSpPr>
+          <p:cNvPr id="128" name="Group 127">
+            <a:extLst>
+              <a:ext uri="{FF2B5EF4-FFF2-40B4-BE49-F238E27FC236}">
+                <a16:creationId xmlns:a16="http://schemas.microsoft.com/office/drawing/2014/main" id="{F648B2E7-0A49-4B0D-A560-711CA2B529D4}"/>
+              </a:ext>
+            </a:extLst>
+          </p:cNvPr>
+          <p:cNvGrpSpPr/>
+          <p:nvPr/>
+        </p:nvGrpSpPr>
+        <p:grpSpPr>
+          <a:xfrm>
+            <a:off x="323758" y="3184940"/>
+            <a:ext cx="1600200" cy="609707"/>
+            <a:chOff x="1505552" y="2334607"/>
+            <a:chExt cx="1143943" cy="609707"/>
+          </a:xfrm>
+        </p:grpSpPr>
+        <p:grpSp>
+          <p:nvGrpSpPr>
+            <p:cNvPr id="129" name="Group 128">
+              <a:extLst>
+                <a:ext uri="{FF2B5EF4-FFF2-40B4-BE49-F238E27FC236}">
+                  <a16:creationId xmlns:a16="http://schemas.microsoft.com/office/drawing/2014/main" id="{669DC92D-38BA-4FA8-A041-D752923433D8}"/>
+                </a:ext>
+                <a:ext uri="{C183D7F6-B498-43B3-948B-1728B52AA6E4}">
+                  <adec:decorative xmlns:adec="http://schemas.microsoft.com/office/drawing/2017/decorative" val="1"/>
+                </a:ext>
+              </a:extLst>
+            </p:cNvPr>
+            <p:cNvGrpSpPr/>
+            <p:nvPr/>
+          </p:nvGrpSpPr>
+          <p:grpSpPr>
+            <a:xfrm>
+              <a:off x="1505552" y="2334607"/>
+              <a:ext cx="1143943" cy="449135"/>
+              <a:chOff x="2810778" y="3090121"/>
+              <a:chExt cx="1386597" cy="544406"/>
+            </a:xfrm>
+          </p:grpSpPr>
+          <p:sp>
+            <p:nvSpPr>
+              <p:cNvPr id="131" name="Rectangle 130">
+                <a:extLst>
+                  <a:ext uri="{FF2B5EF4-FFF2-40B4-BE49-F238E27FC236}">
+                    <a16:creationId xmlns:a16="http://schemas.microsoft.com/office/drawing/2014/main" id="{86C524A0-7E94-4F89-8211-15F14F274A74}"/>
+                  </a:ext>
+                </a:extLst>
+              </p:cNvPr>
+              <p:cNvSpPr/>
+              <p:nvPr/>
+            </p:nvSpPr>
+            <p:spPr>
+              <a:xfrm>
+                <a:off x="2810778" y="3090121"/>
+                <a:ext cx="1368000" cy="509451"/>
+              </a:xfrm>
+              <a:prstGeom prst="rect">
+                <a:avLst/>
+              </a:prstGeom>
+              <a:gradFill>
+                <a:gsLst>
+                  <a:gs pos="0">
+                    <a:schemeClr val="bg1"/>
+                  </a:gs>
+                  <a:gs pos="100000">
+                    <a:schemeClr val="bg1">
+                      <a:lumMod val="85000"/>
+                    </a:schemeClr>
+                  </a:gs>
+                </a:gsLst>
+                <a:lin ang="5400000" scaled="0"/>
+              </a:gradFill>
+              <a:ln w="3175" cap="rnd" cmpd="sng" algn="ctr">
+                <a:solidFill>
+                  <a:schemeClr val="bg1">
+                    <a:lumMod val="85000"/>
+                  </a:schemeClr>
+                </a:solidFill>
+                <a:prstDash val="solid"/>
+              </a:ln>
+              <a:effectLst/>
+              <a:scene3d>
+                <a:camera prst="obliqueTopLeft"/>
+                <a:lightRig rig="soft" dir="t"/>
+              </a:scene3d>
+              <a:sp3d extrusionH="190500" prstMaterial="matte">
+                <a:contourClr>
+                  <a:prstClr val="black">
+                    <a:lumMod val="50000"/>
+                    <a:lumOff val="50000"/>
+                  </a:prstClr>
+                </a:contourClr>
+              </a:sp3d>
+            </p:spPr>
+            <p:style>
+              <a:lnRef idx="2">
+                <a:scrgbClr r="0" g="0" b="0"/>
+              </a:lnRef>
+              <a:fillRef idx="1">
+                <a:scrgbClr r="0" g="0" b="0"/>
+              </a:fillRef>
+              <a:effectRef idx="0">
+                <a:scrgbClr r="0" g="0" b="0"/>
+              </a:effectRef>
+              <a:fontRef idx="minor">
+                <a:schemeClr val="lt1"/>
+              </a:fontRef>
+            </p:style>
+            <p:txBody>
+              <a:bodyPr spcFirstLastPara="0" vert="horz" wrap="square" lIns="59400" tIns="4715" rIns="59400" bIns="44559" numCol="1" spcCol="1270" anchor="ctr" anchorCtr="0">
+                <a:noAutofit/>
+                <a:flatTx/>
+              </a:bodyPr>
+              <a:lstStyle/>
+              <a:p>
+                <a:pPr algn="ctr" defTabSz="330044">
+                  <a:lnSpc>
+                    <a:spcPct val="90000"/>
+                  </a:lnSpc>
+                  <a:spcBef>
+                    <a:spcPct val="0"/>
+                  </a:spcBef>
+                  <a:spcAft>
+                    <a:spcPct val="35000"/>
+                  </a:spcAft>
+                </a:pPr>
+                <a:r>
+                  <a:rPr lang="en-US" sz="1000" b="1" dirty="0">
+                    <a:solidFill>
+                      <a:prstClr val="black"/>
+                    </a:solidFill>
+                  </a:rPr>
+                  <a:t>Ian Burnell</a:t>
+                </a:r>
+              </a:p>
+            </p:txBody>
+          </p:sp>
+          <p:sp>
+            <p:nvSpPr>
+              <p:cNvPr id="132" name="Rectangle 131">
+                <a:extLst>
+                  <a:ext uri="{FF2B5EF4-FFF2-40B4-BE49-F238E27FC236}">
+                    <a16:creationId xmlns:a16="http://schemas.microsoft.com/office/drawing/2014/main" id="{3E950649-8B18-4625-B301-7C1A14161276}"/>
+                  </a:ext>
+                </a:extLst>
+              </p:cNvPr>
+              <p:cNvSpPr/>
+              <p:nvPr/>
+            </p:nvSpPr>
+            <p:spPr>
+              <a:xfrm>
+                <a:off x="2829375" y="3526527"/>
+                <a:ext cx="1368000" cy="108000"/>
+              </a:xfrm>
+              <a:prstGeom prst="rect">
+                <a:avLst/>
+              </a:prstGeom>
+              <a:solidFill>
+                <a:schemeClr val="accent6"/>
+              </a:solidFill>
+              <a:ln>
+                <a:noFill/>
+              </a:ln>
+              <a:effectLst>
+                <a:glow rad="254000">
+                  <a:schemeClr val="accent1">
+                    <a:satMod val="175000"/>
+                    <a:alpha val="10000"/>
+                  </a:schemeClr>
+                </a:glow>
+              </a:effectLst>
+              <a:scene3d>
+                <a:camera prst="obliqueTopLeft"/>
+                <a:lightRig rig="brightRoom" dir="t"/>
+              </a:scene3d>
+              <a:sp3d extrusionH="88900"/>
+            </p:spPr>
+            <p:style>
+              <a:lnRef idx="2">
+                <a:schemeClr val="accent1">
+                  <a:hueOff val="0"/>
+                  <a:satOff val="0"/>
+                  <a:lumOff val="0"/>
+                  <a:alphaOff val="0"/>
+                </a:schemeClr>
+              </a:lnRef>
+              <a:fillRef idx="1">
+                <a:scrgbClr r="0" g="0" b="0"/>
+              </a:fillRef>
+              <a:effectRef idx="0">
+                <a:schemeClr val="lt1">
+                  <a:alpha val="90000"/>
+                  <a:hueOff val="0"/>
+                  <a:satOff val="0"/>
+                  <a:lumOff val="0"/>
+                  <a:alphaOff val="0"/>
+                </a:schemeClr>
+              </a:effectRef>
+              <a:fontRef idx="minor">
+                <a:schemeClr val="dk1">
+                  <a:hueOff val="0"/>
+                  <a:satOff val="0"/>
+                  <a:lumOff val="0"/>
+                  <a:alphaOff val="0"/>
+                </a:schemeClr>
+              </a:fontRef>
+            </p:style>
+            <p:txBody>
+              <a:bodyPr spcFirstLastPara="0" vert="horz" wrap="square" lIns="59400" tIns="4715" rIns="59400" bIns="4715" numCol="1" spcCol="1270" anchor="ctr" anchorCtr="0">
+                <a:noAutofit/>
+                <a:flatTx/>
+              </a:bodyPr>
+              <a:lstStyle/>
+              <a:p>
+                <a:pPr algn="ctr" defTabSz="330044">
+                  <a:lnSpc>
+                    <a:spcPct val="90000"/>
+                  </a:lnSpc>
+                  <a:spcBef>
+                    <a:spcPct val="0"/>
+                  </a:spcBef>
+                  <a:spcAft>
+                    <a:spcPct val="35000"/>
+                  </a:spcAft>
+                </a:pPr>
+                <a:r>
+                  <a:rPr lang="en-US" sz="1000" b="1" dirty="0">
+                    <a:solidFill>
+                      <a:schemeClr val="bg1"/>
+                    </a:solidFill>
+                  </a:rPr>
+                  <a:t>Chair of CoC</a:t>
+                </a:r>
+              </a:p>
+            </p:txBody>
+          </p:sp>
+        </p:grpSp>
+        <p:cxnSp>
+          <p:nvCxnSpPr>
+            <p:cNvPr id="130" name="Straight Connector 129" descr="decorative element">
+              <a:extLst>
+                <a:ext uri="{FF2B5EF4-FFF2-40B4-BE49-F238E27FC236}">
+                  <a16:creationId xmlns:a16="http://schemas.microsoft.com/office/drawing/2014/main" id="{41A0BA0D-0642-47FF-9092-F9A73DDB4F8B}"/>
+                </a:ext>
+              </a:extLst>
+            </p:cNvPr>
+            <p:cNvCxnSpPr>
+              <a:cxnSpLocks/>
+            </p:cNvCxnSpPr>
+            <p:nvPr/>
+          </p:nvCxnSpPr>
+          <p:spPr>
+            <a:xfrm>
+              <a:off x="2071303" y="2819346"/>
+              <a:ext cx="0" cy="124968"/>
+            </a:xfrm>
+            <a:prstGeom prst="line">
+              <a:avLst/>
+            </a:prstGeom>
+            <a:ln w="3175">
+              <a:solidFill>
+                <a:schemeClr val="bg1">
+                  <a:lumMod val="75000"/>
+                </a:schemeClr>
+              </a:solidFill>
+              <a:prstDash val="solid"/>
+              <a:headEnd type="none" w="sm" len="sm"/>
+              <a:tailEnd type="none" w="sm" len="sm"/>
+            </a:ln>
+            <a:scene3d>
+              <a:camera prst="obliqueTopLeft"/>
+              <a:lightRig rig="threePt" dir="t"/>
+            </a:scene3d>
+          </p:spPr>
+          <p:style>
+            <a:lnRef idx="1">
+              <a:schemeClr val="accent1"/>
+            </a:lnRef>
+            <a:fillRef idx="0">
+              <a:schemeClr val="accent1"/>
+            </a:fillRef>
+            <a:effectRef idx="0">
+              <a:schemeClr val="accent1"/>
+            </a:effectRef>
+            <a:fontRef idx="minor">
+              <a:schemeClr val="tx1"/>
+            </a:fontRef>
+          </p:style>
+        </p:cxnSp>
+      </p:grpSp>
+      <p:grpSp>
+        <p:nvGrpSpPr>
+          <p:cNvPr id="133" name="Group 132">
+            <a:extLst>
+              <a:ext uri="{FF2B5EF4-FFF2-40B4-BE49-F238E27FC236}">
+                <a16:creationId xmlns:a16="http://schemas.microsoft.com/office/drawing/2014/main" id="{78240B80-36F6-4F45-9FF3-7A157DC9EC06}"/>
+              </a:ext>
+            </a:extLst>
+          </p:cNvPr>
+          <p:cNvGrpSpPr/>
+          <p:nvPr/>
+        </p:nvGrpSpPr>
+        <p:grpSpPr>
+          <a:xfrm>
+            <a:off x="345220" y="5255443"/>
+            <a:ext cx="1600200" cy="609707"/>
+            <a:chOff x="1505552" y="2334607"/>
+            <a:chExt cx="1143943" cy="609707"/>
+          </a:xfrm>
+        </p:grpSpPr>
+        <p:grpSp>
+          <p:nvGrpSpPr>
+            <p:cNvPr id="134" name="Group 133">
+              <a:extLst>
+                <a:ext uri="{FF2B5EF4-FFF2-40B4-BE49-F238E27FC236}">
+                  <a16:creationId xmlns:a16="http://schemas.microsoft.com/office/drawing/2014/main" id="{EE1BFFE5-070A-4525-8CE9-BB50E441DFA3}"/>
+                </a:ext>
+                <a:ext uri="{C183D7F6-B498-43B3-948B-1728B52AA6E4}">
+                  <adec:decorative xmlns:adec="http://schemas.microsoft.com/office/drawing/2017/decorative" val="1"/>
+                </a:ext>
+              </a:extLst>
+            </p:cNvPr>
+            <p:cNvGrpSpPr/>
+            <p:nvPr/>
+          </p:nvGrpSpPr>
+          <p:grpSpPr>
+            <a:xfrm>
+              <a:off x="1505552" y="2334607"/>
+              <a:ext cx="1143943" cy="449135"/>
+              <a:chOff x="2810778" y="3090121"/>
+              <a:chExt cx="1386597" cy="544406"/>
+            </a:xfrm>
+          </p:grpSpPr>
+          <p:sp>
+            <p:nvSpPr>
+              <p:cNvPr id="137" name="Rectangle 136">
+                <a:extLst>
+                  <a:ext uri="{FF2B5EF4-FFF2-40B4-BE49-F238E27FC236}">
+                    <a16:creationId xmlns:a16="http://schemas.microsoft.com/office/drawing/2014/main" id="{E2D28FB9-9EAC-4F86-9C45-CE48B668DB0A}"/>
+                  </a:ext>
+                </a:extLst>
+              </p:cNvPr>
+              <p:cNvSpPr/>
+              <p:nvPr/>
+            </p:nvSpPr>
+            <p:spPr>
+              <a:xfrm>
+                <a:off x="2810778" y="3090121"/>
+                <a:ext cx="1368000" cy="509451"/>
+              </a:xfrm>
+              <a:prstGeom prst="rect">
+                <a:avLst/>
+              </a:prstGeom>
+              <a:gradFill>
+                <a:gsLst>
+                  <a:gs pos="0">
+                    <a:schemeClr val="bg1"/>
+                  </a:gs>
+                  <a:gs pos="100000">
+                    <a:schemeClr val="bg1">
+                      <a:lumMod val="85000"/>
+                    </a:schemeClr>
+                  </a:gs>
+                </a:gsLst>
+                <a:lin ang="5400000" scaled="0"/>
+              </a:gradFill>
+              <a:ln w="3175" cap="rnd" cmpd="sng" algn="ctr">
+                <a:solidFill>
+                  <a:schemeClr val="bg1">
+                    <a:lumMod val="85000"/>
+                  </a:schemeClr>
+                </a:solidFill>
+                <a:prstDash val="solid"/>
+              </a:ln>
+              <a:effectLst/>
+              <a:scene3d>
+                <a:camera prst="obliqueTopLeft"/>
+                <a:lightRig rig="soft" dir="t"/>
+              </a:scene3d>
+              <a:sp3d extrusionH="190500" prstMaterial="matte">
+                <a:contourClr>
+                  <a:prstClr val="black">
+                    <a:lumMod val="50000"/>
+                    <a:lumOff val="50000"/>
+                  </a:prstClr>
+                </a:contourClr>
+              </a:sp3d>
+            </p:spPr>
+            <p:style>
+              <a:lnRef idx="2">
+                <a:scrgbClr r="0" g="0" b="0"/>
+              </a:lnRef>
+              <a:fillRef idx="1">
+                <a:scrgbClr r="0" g="0" b="0"/>
+              </a:fillRef>
+              <a:effectRef idx="0">
+                <a:scrgbClr r="0" g="0" b="0"/>
+              </a:effectRef>
+              <a:fontRef idx="minor">
+                <a:schemeClr val="lt1"/>
+              </a:fontRef>
+            </p:style>
+            <p:txBody>
+              <a:bodyPr spcFirstLastPara="0" vert="horz" wrap="square" lIns="59400" tIns="4715" rIns="59400" bIns="44559" numCol="1" spcCol="1270" anchor="ctr" anchorCtr="0">
+                <a:noAutofit/>
+                <a:flatTx/>
+              </a:bodyPr>
+              <a:lstStyle/>
+              <a:p>
+                <a:pPr algn="ctr" defTabSz="330044">
+                  <a:lnSpc>
+                    <a:spcPct val="90000"/>
+                  </a:lnSpc>
+                  <a:spcBef>
+                    <a:spcPct val="0"/>
+                  </a:spcBef>
+                  <a:spcAft>
+                    <a:spcPct val="35000"/>
+                  </a:spcAft>
+                </a:pPr>
+                <a:r>
+                  <a:rPr lang="en-US" sz="1000" b="1" dirty="0">
+                    <a:solidFill>
+                      <a:prstClr val="black"/>
+                    </a:solidFill>
+                  </a:rPr>
+                  <a:t>Obi </a:t>
+                </a:r>
+                <a:r>
+                  <a:rPr lang="en-US" sz="1000" b="1" dirty="0" err="1">
+                    <a:solidFill>
+                      <a:prstClr val="black"/>
+                    </a:solidFill>
+                  </a:rPr>
+                  <a:t>Anyadiegwu</a:t>
+                </a:r>
+                <a:endParaRPr lang="en-US" sz="1000" b="1" dirty="0">
+                  <a:solidFill>
+                    <a:prstClr val="black"/>
+                  </a:solidFill>
+                </a:endParaRPr>
+              </a:p>
+            </p:txBody>
+          </p:sp>
+          <p:sp>
+            <p:nvSpPr>
+              <p:cNvPr id="138" name="Rectangle 137">
+                <a:extLst>
+                  <a:ext uri="{FF2B5EF4-FFF2-40B4-BE49-F238E27FC236}">
+                    <a16:creationId xmlns:a16="http://schemas.microsoft.com/office/drawing/2014/main" id="{71E8C8CF-ADF3-4441-9BD6-F4F324FB49F5}"/>
+                  </a:ext>
+                </a:extLst>
+              </p:cNvPr>
+              <p:cNvSpPr/>
+              <p:nvPr/>
+            </p:nvSpPr>
+            <p:spPr>
+              <a:xfrm>
+                <a:off x="2829375" y="3526527"/>
+                <a:ext cx="1368000" cy="108000"/>
+              </a:xfrm>
+              <a:prstGeom prst="rect">
+                <a:avLst/>
+              </a:prstGeom>
+              <a:solidFill>
+                <a:schemeClr val="accent6"/>
+              </a:solidFill>
+              <a:ln>
+                <a:noFill/>
+              </a:ln>
+              <a:effectLst>
+                <a:glow rad="254000">
+                  <a:schemeClr val="accent1">
+                    <a:satMod val="175000"/>
+                    <a:alpha val="10000"/>
+                  </a:schemeClr>
+                </a:glow>
+              </a:effectLst>
+              <a:scene3d>
+                <a:camera prst="obliqueTopLeft"/>
+                <a:lightRig rig="brightRoom" dir="t"/>
+              </a:scene3d>
+              <a:sp3d extrusionH="88900"/>
+            </p:spPr>
+            <p:style>
+              <a:lnRef idx="2">
+                <a:schemeClr val="accent1">
+                  <a:hueOff val="0"/>
+                  <a:satOff val="0"/>
+                  <a:lumOff val="0"/>
+                  <a:alphaOff val="0"/>
+                </a:schemeClr>
+              </a:lnRef>
+              <a:fillRef idx="1">
+                <a:scrgbClr r="0" g="0" b="0"/>
+              </a:fillRef>
+              <a:effectRef idx="0">
+                <a:schemeClr val="lt1">
+                  <a:alpha val="90000"/>
+                  <a:hueOff val="0"/>
+                  <a:satOff val="0"/>
+                  <a:lumOff val="0"/>
+                  <a:alphaOff val="0"/>
+                </a:schemeClr>
+              </a:effectRef>
+              <a:fontRef idx="minor">
+                <a:schemeClr val="dk1">
+                  <a:hueOff val="0"/>
+                  <a:satOff val="0"/>
+                  <a:lumOff val="0"/>
+                  <a:alphaOff val="0"/>
+                </a:schemeClr>
+              </a:fontRef>
+            </p:style>
+            <p:txBody>
+              <a:bodyPr spcFirstLastPara="0" vert="horz" wrap="square" lIns="59400" tIns="4715" rIns="59400" bIns="4715" numCol="1" spcCol="1270" anchor="ctr" anchorCtr="0">
+                <a:noAutofit/>
+                <a:flatTx/>
+              </a:bodyPr>
+              <a:lstStyle/>
+              <a:p>
+                <a:pPr algn="ctr" defTabSz="330044">
+                  <a:lnSpc>
+                    <a:spcPct val="90000"/>
+                  </a:lnSpc>
+                  <a:spcBef>
+                    <a:spcPct val="0"/>
+                  </a:spcBef>
+                  <a:spcAft>
+                    <a:spcPct val="35000"/>
+                  </a:spcAft>
+                </a:pPr>
+                <a:r>
+                  <a:rPr lang="en-US" sz="1000" b="1" dirty="0">
+                    <a:solidFill>
+                      <a:schemeClr val="bg1"/>
+                    </a:solidFill>
+                  </a:rPr>
+                  <a:t>Member at Large 1</a:t>
+                </a:r>
+              </a:p>
+            </p:txBody>
+          </p:sp>
+        </p:grpSp>
+        <p:cxnSp>
+          <p:nvCxnSpPr>
+            <p:cNvPr id="135" name="Straight Connector 134" descr="decorative element">
+              <a:extLst>
+                <a:ext uri="{FF2B5EF4-FFF2-40B4-BE49-F238E27FC236}">
+                  <a16:creationId xmlns:a16="http://schemas.microsoft.com/office/drawing/2014/main" id="{CA270908-3344-4F0C-B52F-241CFB4F8F7C}"/>
+                </a:ext>
+              </a:extLst>
+            </p:cNvPr>
+            <p:cNvCxnSpPr>
+              <a:cxnSpLocks/>
+            </p:cNvCxnSpPr>
+            <p:nvPr/>
+          </p:nvCxnSpPr>
+          <p:spPr>
+            <a:xfrm>
+              <a:off x="2071303" y="2819346"/>
+              <a:ext cx="0" cy="124968"/>
+            </a:xfrm>
+            <a:prstGeom prst="line">
+              <a:avLst/>
+            </a:prstGeom>
+            <a:ln w="3175">
+              <a:solidFill>
+                <a:schemeClr val="bg1">
+                  <a:lumMod val="75000"/>
+                </a:schemeClr>
+              </a:solidFill>
+              <a:prstDash val="solid"/>
+              <a:headEnd type="none" w="sm" len="sm"/>
+              <a:tailEnd type="none" w="sm" len="sm"/>
+            </a:ln>
+            <a:scene3d>
+              <a:camera prst="obliqueTopLeft"/>
+              <a:lightRig rig="threePt" dir="t"/>
+            </a:scene3d>
+          </p:spPr>
+          <p:style>
+            <a:lnRef idx="1">
+              <a:schemeClr val="accent1"/>
+            </a:lnRef>
+            <a:fillRef idx="0">
+              <a:schemeClr val="accent1"/>
+            </a:fillRef>
+            <a:effectRef idx="0">
+              <a:schemeClr val="accent1"/>
+            </a:effectRef>
+            <a:fontRef idx="minor">
+              <a:schemeClr val="tx1"/>
+            </a:fontRef>
+          </p:style>
+        </p:cxnSp>
+      </p:grpSp>
+      <p:grpSp>
+        <p:nvGrpSpPr>
+          <p:cNvPr id="139" name="Group 138">
+            <a:extLst>
+              <a:ext uri="{FF2B5EF4-FFF2-40B4-BE49-F238E27FC236}">
+                <a16:creationId xmlns:a16="http://schemas.microsoft.com/office/drawing/2014/main" id="{5072A6F0-ABEC-4A9A-9EB9-5C2D7E4437EA}"/>
+              </a:ext>
+            </a:extLst>
+          </p:cNvPr>
+          <p:cNvGrpSpPr/>
+          <p:nvPr/>
+        </p:nvGrpSpPr>
+        <p:grpSpPr>
+          <a:xfrm>
+            <a:off x="323758" y="3868536"/>
+            <a:ext cx="1600200" cy="609707"/>
+            <a:chOff x="1505552" y="2334607"/>
+            <a:chExt cx="1143943" cy="609707"/>
+          </a:xfrm>
+        </p:grpSpPr>
+        <p:grpSp>
+          <p:nvGrpSpPr>
+            <p:cNvPr id="140" name="Group 139">
+              <a:extLst>
+                <a:ext uri="{FF2B5EF4-FFF2-40B4-BE49-F238E27FC236}">
+                  <a16:creationId xmlns:a16="http://schemas.microsoft.com/office/drawing/2014/main" id="{AD19C847-A3D7-43DE-8F13-C4C7C25617E8}"/>
+                </a:ext>
+                <a:ext uri="{C183D7F6-B498-43B3-948B-1728B52AA6E4}">
+                  <adec:decorative xmlns:adec="http://schemas.microsoft.com/office/drawing/2017/decorative" val="1"/>
+                </a:ext>
+              </a:extLst>
+            </p:cNvPr>
+            <p:cNvGrpSpPr/>
+            <p:nvPr/>
+          </p:nvGrpSpPr>
+          <p:grpSpPr>
+            <a:xfrm>
+              <a:off x="1505552" y="2334607"/>
+              <a:ext cx="1143943" cy="449135"/>
+              <a:chOff x="2810778" y="3090121"/>
+              <a:chExt cx="1386597" cy="544406"/>
+            </a:xfrm>
+          </p:grpSpPr>
+          <p:sp>
+            <p:nvSpPr>
+              <p:cNvPr id="142" name="Rectangle 141">
+                <a:extLst>
+                  <a:ext uri="{FF2B5EF4-FFF2-40B4-BE49-F238E27FC236}">
+                    <a16:creationId xmlns:a16="http://schemas.microsoft.com/office/drawing/2014/main" id="{A38C9D10-C7DC-474A-BD8F-1947E3042F64}"/>
+                  </a:ext>
+                </a:extLst>
+              </p:cNvPr>
+              <p:cNvSpPr/>
+              <p:nvPr/>
+            </p:nvSpPr>
+            <p:spPr>
+              <a:xfrm>
+                <a:off x="2810778" y="3090121"/>
+                <a:ext cx="1368000" cy="509451"/>
+              </a:xfrm>
+              <a:prstGeom prst="rect">
+                <a:avLst/>
+              </a:prstGeom>
+              <a:gradFill>
+                <a:gsLst>
+                  <a:gs pos="0">
+                    <a:schemeClr val="bg1"/>
+                  </a:gs>
+                  <a:gs pos="100000">
+                    <a:schemeClr val="bg1">
+                      <a:lumMod val="85000"/>
+                    </a:schemeClr>
+                  </a:gs>
+                </a:gsLst>
+                <a:lin ang="5400000" scaled="0"/>
+              </a:gradFill>
+              <a:ln w="3175" cap="rnd" cmpd="sng" algn="ctr">
+                <a:solidFill>
+                  <a:schemeClr val="bg1">
+                    <a:lumMod val="85000"/>
+                  </a:schemeClr>
+                </a:solidFill>
+                <a:prstDash val="solid"/>
+              </a:ln>
+              <a:effectLst/>
+              <a:scene3d>
+                <a:camera prst="obliqueTopLeft"/>
+                <a:lightRig rig="soft" dir="t"/>
+              </a:scene3d>
+              <a:sp3d extrusionH="190500" prstMaterial="matte">
+                <a:contourClr>
+                  <a:prstClr val="black">
+                    <a:lumMod val="50000"/>
+                    <a:lumOff val="50000"/>
+                  </a:prstClr>
+                </a:contourClr>
+              </a:sp3d>
+            </p:spPr>
+            <p:style>
+              <a:lnRef idx="2">
+                <a:scrgbClr r="0" g="0" b="0"/>
+              </a:lnRef>
+              <a:fillRef idx="1">
+                <a:scrgbClr r="0" g="0" b="0"/>
+              </a:fillRef>
+              <a:effectRef idx="0">
+                <a:scrgbClr r="0" g="0" b="0"/>
+              </a:effectRef>
+              <a:fontRef idx="minor">
+                <a:schemeClr val="lt1"/>
+              </a:fontRef>
+            </p:style>
+            <p:txBody>
+              <a:bodyPr spcFirstLastPara="0" vert="horz" wrap="square" lIns="59400" tIns="4715" rIns="59400" bIns="44559" numCol="1" spcCol="1270" anchor="ctr" anchorCtr="0">
+                <a:noAutofit/>
+                <a:flatTx/>
+              </a:bodyPr>
+              <a:lstStyle/>
+              <a:p>
+                <a:pPr algn="ctr" defTabSz="330044">
+                  <a:lnSpc>
+                    <a:spcPct val="90000"/>
+                  </a:lnSpc>
+                  <a:spcBef>
+                    <a:spcPct val="0"/>
+                  </a:spcBef>
+                  <a:spcAft>
+                    <a:spcPct val="35000"/>
+                  </a:spcAft>
+                </a:pPr>
+                <a:r>
+                  <a:rPr lang="en-US" sz="1000" b="1" dirty="0">
+                    <a:solidFill>
+                      <a:prstClr val="black"/>
+                    </a:solidFill>
+                  </a:rPr>
+                  <a:t>Eitan Lis</a:t>
+                </a:r>
+              </a:p>
+            </p:txBody>
+          </p:sp>
+          <p:sp>
+            <p:nvSpPr>
+              <p:cNvPr id="143" name="Rectangle 142">
+                <a:extLst>
+                  <a:ext uri="{FF2B5EF4-FFF2-40B4-BE49-F238E27FC236}">
+                    <a16:creationId xmlns:a16="http://schemas.microsoft.com/office/drawing/2014/main" id="{53389C81-3EE9-4D64-8ACA-AA928A2B39CD}"/>
+                  </a:ext>
+                </a:extLst>
+              </p:cNvPr>
+              <p:cNvSpPr/>
+              <p:nvPr/>
+            </p:nvSpPr>
+            <p:spPr>
+              <a:xfrm>
+                <a:off x="2829375" y="3526527"/>
+                <a:ext cx="1368000" cy="108000"/>
+              </a:xfrm>
+              <a:prstGeom prst="rect">
+                <a:avLst/>
+              </a:prstGeom>
+              <a:solidFill>
+                <a:schemeClr val="accent6"/>
+              </a:solidFill>
+              <a:ln>
+                <a:noFill/>
+              </a:ln>
+              <a:effectLst>
+                <a:glow rad="254000">
+                  <a:schemeClr val="accent1">
+                    <a:satMod val="175000"/>
+                    <a:alpha val="10000"/>
+                  </a:schemeClr>
+                </a:glow>
+              </a:effectLst>
+              <a:scene3d>
+                <a:camera prst="obliqueTopLeft"/>
+                <a:lightRig rig="brightRoom" dir="t"/>
+              </a:scene3d>
+              <a:sp3d extrusionH="88900"/>
+            </p:spPr>
+            <p:style>
+              <a:lnRef idx="2">
+                <a:schemeClr val="accent1">
+                  <a:hueOff val="0"/>
+                  <a:satOff val="0"/>
+                  <a:lumOff val="0"/>
+                  <a:alphaOff val="0"/>
+                </a:schemeClr>
+              </a:lnRef>
+              <a:fillRef idx="1">
+                <a:scrgbClr r="0" g="0" b="0"/>
+              </a:fillRef>
+              <a:effectRef idx="0">
+                <a:schemeClr val="lt1">
+                  <a:alpha val="90000"/>
+                  <a:hueOff val="0"/>
+                  <a:satOff val="0"/>
+                  <a:lumOff val="0"/>
+                  <a:alphaOff val="0"/>
+                </a:schemeClr>
+              </a:effectRef>
+              <a:fontRef idx="minor">
+                <a:schemeClr val="dk1">
+                  <a:hueOff val="0"/>
+                  <a:satOff val="0"/>
+                  <a:lumOff val="0"/>
+                  <a:alphaOff val="0"/>
+                </a:schemeClr>
+              </a:fontRef>
+            </p:style>
+            <p:txBody>
+              <a:bodyPr spcFirstLastPara="0" vert="horz" wrap="square" lIns="59400" tIns="4715" rIns="59400" bIns="4715" numCol="1" spcCol="1270" anchor="ctr" anchorCtr="0">
+                <a:noAutofit/>
+                <a:flatTx/>
+              </a:bodyPr>
+              <a:lstStyle/>
+              <a:p>
+                <a:pPr algn="ctr" defTabSz="330044">
+                  <a:lnSpc>
+                    <a:spcPct val="90000"/>
+                  </a:lnSpc>
+                  <a:spcBef>
+                    <a:spcPct val="0"/>
+                  </a:spcBef>
+                  <a:spcAft>
+                    <a:spcPct val="35000"/>
+                  </a:spcAft>
+                </a:pPr>
+                <a:r>
+                  <a:rPr lang="en-US" sz="1000" b="1" dirty="0">
+                    <a:solidFill>
+                      <a:schemeClr val="bg1"/>
+                    </a:solidFill>
+                  </a:rPr>
+                  <a:t>Secretary</a:t>
+                </a:r>
+              </a:p>
+            </p:txBody>
+          </p:sp>
+        </p:grpSp>
+        <p:cxnSp>
+          <p:nvCxnSpPr>
+            <p:cNvPr id="141" name="Straight Connector 140" descr="decorative element">
+              <a:extLst>
+                <a:ext uri="{FF2B5EF4-FFF2-40B4-BE49-F238E27FC236}">
+                  <a16:creationId xmlns:a16="http://schemas.microsoft.com/office/drawing/2014/main" id="{20ED6A63-B248-4A19-AFEC-3717A3F70D48}"/>
+                </a:ext>
+              </a:extLst>
+            </p:cNvPr>
+            <p:cNvCxnSpPr>
+              <a:cxnSpLocks/>
+            </p:cNvCxnSpPr>
+            <p:nvPr/>
+          </p:nvCxnSpPr>
+          <p:spPr>
+            <a:xfrm>
+              <a:off x="2071303" y="2819346"/>
+              <a:ext cx="0" cy="124968"/>
+            </a:xfrm>
+            <a:prstGeom prst="line">
+              <a:avLst/>
+            </a:prstGeom>
+            <a:ln w="3175">
+              <a:solidFill>
+                <a:schemeClr val="bg1">
+                  <a:lumMod val="75000"/>
+                </a:schemeClr>
+              </a:solidFill>
+              <a:prstDash val="solid"/>
+              <a:headEnd type="none" w="sm" len="sm"/>
+              <a:tailEnd type="none" w="sm" len="sm"/>
+            </a:ln>
+            <a:scene3d>
+              <a:camera prst="obliqueTopLeft"/>
+              <a:lightRig rig="threePt" dir="t"/>
+            </a:scene3d>
+          </p:spPr>
+          <p:style>
+            <a:lnRef idx="1">
+              <a:schemeClr val="accent1"/>
+            </a:lnRef>
+            <a:fillRef idx="0">
+              <a:schemeClr val="accent1"/>
+            </a:fillRef>
+            <a:effectRef idx="0">
+              <a:schemeClr val="accent1"/>
+            </a:effectRef>
+            <a:fontRef idx="minor">
+              <a:schemeClr val="tx1"/>
+            </a:fontRef>
+          </p:style>
+        </p:cxnSp>
+      </p:grpSp>
+      <p:grpSp>
+        <p:nvGrpSpPr>
+          <p:cNvPr id="144" name="Group 143">
+            <a:extLst>
+              <a:ext uri="{FF2B5EF4-FFF2-40B4-BE49-F238E27FC236}">
+                <a16:creationId xmlns:a16="http://schemas.microsoft.com/office/drawing/2014/main" id="{A1C66514-C505-4709-8BAF-24B4325835FC}"/>
+              </a:ext>
+            </a:extLst>
+          </p:cNvPr>
+          <p:cNvGrpSpPr/>
+          <p:nvPr/>
+        </p:nvGrpSpPr>
+        <p:grpSpPr>
+          <a:xfrm>
+            <a:off x="345220" y="5929916"/>
+            <a:ext cx="1600200" cy="609707"/>
+            <a:chOff x="1505552" y="2334607"/>
+            <a:chExt cx="1143943" cy="609707"/>
+          </a:xfrm>
+        </p:grpSpPr>
+        <p:grpSp>
+          <p:nvGrpSpPr>
+            <p:cNvPr id="145" name="Group 144">
+              <a:extLst>
+                <a:ext uri="{FF2B5EF4-FFF2-40B4-BE49-F238E27FC236}">
+                  <a16:creationId xmlns:a16="http://schemas.microsoft.com/office/drawing/2014/main" id="{5888B499-2722-40E4-8E64-B3C48E26CB7B}"/>
+                </a:ext>
+                <a:ext uri="{C183D7F6-B498-43B3-948B-1728B52AA6E4}">
+                  <adec:decorative xmlns:adec="http://schemas.microsoft.com/office/drawing/2017/decorative" val="1"/>
+                </a:ext>
+              </a:extLst>
+            </p:cNvPr>
+            <p:cNvGrpSpPr/>
+            <p:nvPr/>
+          </p:nvGrpSpPr>
+          <p:grpSpPr>
+            <a:xfrm>
+              <a:off x="1505552" y="2334607"/>
+              <a:ext cx="1143943" cy="449135"/>
+              <a:chOff x="2810778" y="3090121"/>
+              <a:chExt cx="1386597" cy="544406"/>
+            </a:xfrm>
+          </p:grpSpPr>
+          <p:sp>
+            <p:nvSpPr>
+              <p:cNvPr id="147" name="Rectangle 146">
+                <a:extLst>
+                  <a:ext uri="{FF2B5EF4-FFF2-40B4-BE49-F238E27FC236}">
+                    <a16:creationId xmlns:a16="http://schemas.microsoft.com/office/drawing/2014/main" id="{BF8590DF-66BD-477E-877E-4F647575B004}"/>
+                  </a:ext>
+                </a:extLst>
+              </p:cNvPr>
+              <p:cNvSpPr/>
+              <p:nvPr/>
+            </p:nvSpPr>
+            <p:spPr>
+              <a:xfrm>
+                <a:off x="2810778" y="3090121"/>
+                <a:ext cx="1368000" cy="509451"/>
+              </a:xfrm>
+              <a:prstGeom prst="rect">
+                <a:avLst/>
+              </a:prstGeom>
+              <a:gradFill>
+                <a:gsLst>
+                  <a:gs pos="0">
+                    <a:schemeClr val="bg1"/>
+                  </a:gs>
+                  <a:gs pos="100000">
+                    <a:schemeClr val="bg1">
+                      <a:lumMod val="85000"/>
+                    </a:schemeClr>
+                  </a:gs>
+                </a:gsLst>
+                <a:lin ang="5400000" scaled="0"/>
+              </a:gradFill>
+              <a:ln w="3175" cap="rnd" cmpd="sng" algn="ctr">
+                <a:solidFill>
+                  <a:schemeClr val="bg1">
+                    <a:lumMod val="85000"/>
+                  </a:schemeClr>
+                </a:solidFill>
+                <a:prstDash val="solid"/>
+              </a:ln>
+              <a:effectLst/>
+              <a:scene3d>
+                <a:camera prst="obliqueTopLeft"/>
+                <a:lightRig rig="soft" dir="t"/>
+              </a:scene3d>
+              <a:sp3d extrusionH="190500" prstMaterial="matte">
+                <a:contourClr>
+                  <a:prstClr val="black">
+                    <a:lumMod val="50000"/>
+                    <a:lumOff val="50000"/>
+                  </a:prstClr>
+                </a:contourClr>
+              </a:sp3d>
+            </p:spPr>
+            <p:style>
+              <a:lnRef idx="2">
+                <a:scrgbClr r="0" g="0" b="0"/>
+              </a:lnRef>
+              <a:fillRef idx="1">
+                <a:scrgbClr r="0" g="0" b="0"/>
+              </a:fillRef>
+              <a:effectRef idx="0">
+                <a:scrgbClr r="0" g="0" b="0"/>
+              </a:effectRef>
+              <a:fontRef idx="minor">
+                <a:schemeClr val="lt1"/>
+              </a:fontRef>
+            </p:style>
+            <p:txBody>
+              <a:bodyPr spcFirstLastPara="0" vert="horz" wrap="square" lIns="59400" tIns="4715" rIns="59400" bIns="44559" numCol="1" spcCol="1270" anchor="ctr" anchorCtr="0">
+                <a:noAutofit/>
+                <a:flatTx/>
+              </a:bodyPr>
+              <a:lstStyle/>
+              <a:p>
+                <a:pPr algn="ctr" defTabSz="330044">
+                  <a:lnSpc>
+                    <a:spcPct val="90000"/>
+                  </a:lnSpc>
+                  <a:spcBef>
+                    <a:spcPct val="0"/>
+                  </a:spcBef>
+                  <a:spcAft>
+                    <a:spcPct val="35000"/>
+                  </a:spcAft>
+                </a:pPr>
+                <a:r>
+                  <a:rPr lang="en-US" sz="1000" b="1" dirty="0">
+                    <a:solidFill>
+                      <a:prstClr val="black"/>
+                    </a:solidFill>
+                  </a:rPr>
+                  <a:t>Mauricio Elizondo</a:t>
+                </a:r>
+              </a:p>
+            </p:txBody>
+          </p:sp>
+          <p:sp>
+            <p:nvSpPr>
+              <p:cNvPr id="148" name="Rectangle 147">
+                <a:extLst>
+                  <a:ext uri="{FF2B5EF4-FFF2-40B4-BE49-F238E27FC236}">
+                    <a16:creationId xmlns:a16="http://schemas.microsoft.com/office/drawing/2014/main" id="{C66B55E4-15DC-4900-ADE9-F890A566DAAC}"/>
+                  </a:ext>
+                </a:extLst>
+              </p:cNvPr>
+              <p:cNvSpPr/>
+              <p:nvPr/>
+            </p:nvSpPr>
+            <p:spPr>
+              <a:xfrm>
+                <a:off x="2829375" y="3526527"/>
+                <a:ext cx="1368000" cy="108000"/>
+              </a:xfrm>
+              <a:prstGeom prst="rect">
+                <a:avLst/>
+              </a:prstGeom>
+              <a:solidFill>
+                <a:schemeClr val="accent6"/>
+              </a:solidFill>
+              <a:ln>
+                <a:noFill/>
+              </a:ln>
+              <a:effectLst>
+                <a:glow rad="254000">
+                  <a:schemeClr val="accent1">
+                    <a:satMod val="175000"/>
+                    <a:alpha val="10000"/>
+                  </a:schemeClr>
+                </a:glow>
+              </a:effectLst>
+              <a:scene3d>
+                <a:camera prst="obliqueTopLeft"/>
+                <a:lightRig rig="brightRoom" dir="t"/>
+              </a:scene3d>
+              <a:sp3d extrusionH="88900"/>
+            </p:spPr>
+            <p:style>
+              <a:lnRef idx="2">
+                <a:schemeClr val="accent1">
+                  <a:hueOff val="0"/>
+                  <a:satOff val="0"/>
+                  <a:lumOff val="0"/>
+                  <a:alphaOff val="0"/>
+                </a:schemeClr>
+              </a:lnRef>
+              <a:fillRef idx="1">
+                <a:scrgbClr r="0" g="0" b="0"/>
+              </a:fillRef>
+              <a:effectRef idx="0">
+                <a:schemeClr val="lt1">
+                  <a:alpha val="90000"/>
+                  <a:hueOff val="0"/>
+                  <a:satOff val="0"/>
+                  <a:lumOff val="0"/>
+                  <a:alphaOff val="0"/>
+                </a:schemeClr>
+              </a:effectRef>
+              <a:fontRef idx="minor">
+                <a:schemeClr val="dk1">
+                  <a:hueOff val="0"/>
+                  <a:satOff val="0"/>
+                  <a:lumOff val="0"/>
+                  <a:alphaOff val="0"/>
+                </a:schemeClr>
+              </a:fontRef>
+            </p:style>
+            <p:txBody>
+              <a:bodyPr spcFirstLastPara="0" vert="horz" wrap="square" lIns="59400" tIns="4715" rIns="59400" bIns="4715" numCol="1" spcCol="1270" anchor="ctr" anchorCtr="0">
+                <a:noAutofit/>
+                <a:flatTx/>
+              </a:bodyPr>
+              <a:lstStyle/>
+              <a:p>
+                <a:pPr algn="ctr" defTabSz="330044">
+                  <a:lnSpc>
+                    <a:spcPct val="90000"/>
+                  </a:lnSpc>
+                  <a:spcBef>
+                    <a:spcPct val="0"/>
+                  </a:spcBef>
+                  <a:spcAft>
+                    <a:spcPct val="35000"/>
+                  </a:spcAft>
+                </a:pPr>
+                <a:r>
+                  <a:rPr lang="en-US" sz="1000" b="1" dirty="0">
+                    <a:solidFill>
+                      <a:schemeClr val="bg1"/>
+                    </a:solidFill>
+                  </a:rPr>
+                  <a:t>Member at Large 2</a:t>
+                </a:r>
+              </a:p>
+            </p:txBody>
+          </p:sp>
+        </p:grpSp>
+        <p:cxnSp>
+          <p:nvCxnSpPr>
+            <p:cNvPr id="146" name="Straight Connector 145" descr="decorative element">
+              <a:extLst>
+                <a:ext uri="{FF2B5EF4-FFF2-40B4-BE49-F238E27FC236}">
+                  <a16:creationId xmlns:a16="http://schemas.microsoft.com/office/drawing/2014/main" id="{C1359E3B-F4BB-4EDC-BDEA-2082CC61BCF7}"/>
+                </a:ext>
+              </a:extLst>
+            </p:cNvPr>
+            <p:cNvCxnSpPr>
+              <a:cxnSpLocks/>
+            </p:cNvCxnSpPr>
+            <p:nvPr/>
+          </p:nvCxnSpPr>
+          <p:spPr>
+            <a:xfrm>
+              <a:off x="2071303" y="2819346"/>
+              <a:ext cx="0" cy="124968"/>
+            </a:xfrm>
+            <a:prstGeom prst="line">
+              <a:avLst/>
+            </a:prstGeom>
+            <a:ln w="3175">
+              <a:solidFill>
+                <a:schemeClr val="bg1">
+                  <a:lumMod val="75000"/>
+                </a:schemeClr>
+              </a:solidFill>
+              <a:prstDash val="solid"/>
+              <a:headEnd type="none" w="sm" len="sm"/>
+              <a:tailEnd type="none" w="sm" len="sm"/>
+            </a:ln>
+            <a:scene3d>
+              <a:camera prst="obliqueTopLeft"/>
+              <a:lightRig rig="threePt" dir="t"/>
+            </a:scene3d>
+          </p:spPr>
+          <p:style>
+            <a:lnRef idx="1">
+              <a:schemeClr val="accent1"/>
+            </a:lnRef>
+            <a:fillRef idx="0">
+              <a:schemeClr val="accent1"/>
+            </a:fillRef>
+            <a:effectRef idx="0">
+              <a:schemeClr val="accent1"/>
+            </a:effectRef>
+            <a:fontRef idx="minor">
+              <a:schemeClr val="tx1"/>
+            </a:fontRef>
+          </p:style>
+        </p:cxnSp>
+      </p:grpSp>
+      <p:cxnSp>
+        <p:nvCxnSpPr>
+          <p:cNvPr id="149" name="Connector: Elbow 95" descr="decorative element">
+            <a:extLst>
+              <a:ext uri="{FF2B5EF4-FFF2-40B4-BE49-F238E27FC236}">
+                <a16:creationId xmlns:a16="http://schemas.microsoft.com/office/drawing/2014/main" id="{C6604F38-D579-4C58-AD54-FE80AE6BA797}"/>
+              </a:ext>
+            </a:extLst>
+          </p:cNvPr>
+          <p:cNvCxnSpPr>
+            <a:cxnSpLocks/>
+            <a:stCxn id="118" idx="0"/>
+            <a:endCxn id="122" idx="2"/>
+          </p:cNvCxnSpPr>
+          <p:nvPr/>
+        </p:nvCxnSpPr>
+        <p:spPr>
+          <a:xfrm rot="5400000" flipH="1" flipV="1">
+            <a:off x="557776" y="1934947"/>
+            <a:ext cx="1111157" cy="454"/>
+          </a:xfrm>
+          <a:prstGeom prst="bentConnector3">
+            <a:avLst>
+              <a:gd name="adj1" fmla="val 50000"/>
+            </a:avLst>
+          </a:prstGeom>
+          <a:ln w="3175">
+            <a:solidFill>
+              <a:schemeClr val="bg1">
+                <a:lumMod val="75000"/>
+              </a:schemeClr>
+            </a:solidFill>
+            <a:prstDash val="solid"/>
+            <a:headEnd type="none" w="sm" len="sm"/>
+            <a:tailEnd type="none" w="sm" len="sm"/>
+          </a:ln>
+        </p:spPr>
+        <p:style>
+          <a:lnRef idx="1">
+            <a:schemeClr val="accent1"/>
+          </a:lnRef>
+          <a:fillRef idx="0">
+            <a:schemeClr val="accent1"/>
+          </a:fillRef>
+          <a:effectRef idx="0">
+            <a:schemeClr val="accent1"/>
+          </a:effectRef>
+          <a:fontRef idx="minor">
+            <a:schemeClr val="tx1"/>
+          </a:fontRef>
+        </p:style>
+      </p:cxnSp>
+      <p:sp>
+        <p:nvSpPr>
+          <p:cNvPr id="150" name="TextBox 149">
+            <a:extLst>
+              <a:ext uri="{FF2B5EF4-FFF2-40B4-BE49-F238E27FC236}">
+                <a16:creationId xmlns:a16="http://schemas.microsoft.com/office/drawing/2014/main" id="{E47DAC63-658F-4894-B6D4-5881A923F086}"/>
+              </a:ext>
+            </a:extLst>
+          </p:cNvPr>
+          <p:cNvSpPr txBox="1"/>
+          <p:nvPr/>
+        </p:nvSpPr>
+        <p:spPr>
+          <a:xfrm>
+            <a:off x="71932" y="6964065"/>
+            <a:ext cx="2347409" cy="630942"/>
+          </a:xfrm>
+          <a:prstGeom prst="rect">
+            <a:avLst/>
+          </a:prstGeom>
+          <a:noFill/>
+        </p:spPr>
+        <p:txBody>
+          <a:bodyPr wrap="square" rtlCol="0">
+            <a:spAutoFit/>
+          </a:bodyPr>
+          <a:lstStyle/>
+          <a:p>
+            <a:pPr algn="ctr"/>
+            <a:r>
+              <a:rPr lang="en-US" sz="1400" dirty="0"/>
+              <a:t>The Board</a:t>
+            </a:r>
+          </a:p>
+          <a:p>
+            <a:pPr algn="ctr"/>
+            <a:r>
+              <a:rPr lang="en-US" sz="1050" dirty="0"/>
+              <a:t>To develop new initiatives/projects to increase the impact of SEDS nationwide</a:t>
+            </a:r>
+          </a:p>
+        </p:txBody>
+      </p:sp>
+      <p:grpSp>
+        <p:nvGrpSpPr>
+          <p:cNvPr id="151" name="Group 150">
+            <a:extLst>
+              <a:ext uri="{FF2B5EF4-FFF2-40B4-BE49-F238E27FC236}">
+                <a16:creationId xmlns:a16="http://schemas.microsoft.com/office/drawing/2014/main" id="{4A9FC83A-01C3-4ED1-ADCC-E35DECF9649E}"/>
+              </a:ext>
+              <a:ext uri="{C183D7F6-B498-43B3-948B-1728B52AA6E4}">
+                <adec:decorative xmlns:adec="http://schemas.microsoft.com/office/drawing/2017/decorative" val="1"/>
+              </a:ext>
+            </a:extLst>
+          </p:cNvPr>
+          <p:cNvGrpSpPr/>
+          <p:nvPr/>
+        </p:nvGrpSpPr>
+        <p:grpSpPr>
+          <a:xfrm>
+            <a:off x="322352" y="1834927"/>
+            <a:ext cx="1600200" cy="421931"/>
+            <a:chOff x="5016000" y="1040449"/>
+            <a:chExt cx="2160000" cy="511431"/>
+          </a:xfrm>
+        </p:grpSpPr>
+        <p:sp>
+          <p:nvSpPr>
+            <p:cNvPr id="152" name="Rectangle 151">
+              <a:extLst>
+                <a:ext uri="{FF2B5EF4-FFF2-40B4-BE49-F238E27FC236}">
+                  <a16:creationId xmlns:a16="http://schemas.microsoft.com/office/drawing/2014/main" id="{06517DB1-8A12-4031-8637-42C81E110FC4}"/>
+                </a:ext>
+              </a:extLst>
+            </p:cNvPr>
+            <p:cNvSpPr/>
+            <p:nvPr/>
+          </p:nvSpPr>
+          <p:spPr>
+            <a:xfrm>
+              <a:off x="5016000" y="1040449"/>
+              <a:ext cx="2160000" cy="509451"/>
+            </a:xfrm>
+            <a:prstGeom prst="rect">
+              <a:avLst/>
+            </a:prstGeom>
+            <a:solidFill>
+              <a:schemeClr val="bg1"/>
+            </a:solidFill>
+            <a:ln w="12700" cap="rnd" cmpd="sng" algn="ctr">
+              <a:solidFill>
+                <a:schemeClr val="bg1">
+                  <a:lumMod val="85000"/>
+                </a:schemeClr>
+              </a:solidFill>
+              <a:prstDash val="solid"/>
+            </a:ln>
+            <a:effectLst/>
+            <a:scene3d>
+              <a:camera prst="obliqueTopLeft"/>
+              <a:lightRig rig="soft" dir="t"/>
+            </a:scene3d>
+            <a:sp3d extrusionH="190500" prstMaterial="matte">
+              <a:contourClr>
+                <a:prstClr val="black">
+                  <a:lumMod val="50000"/>
+                  <a:lumOff val="50000"/>
+                </a:prstClr>
+              </a:contourClr>
+            </a:sp3d>
+          </p:spPr>
+          <p:style>
+            <a:lnRef idx="2">
+              <a:scrgbClr r="0" g="0" b="0"/>
+            </a:lnRef>
+            <a:fillRef idx="1">
+              <a:scrgbClr r="0" g="0" b="0"/>
+            </a:fillRef>
+            <a:effectRef idx="0">
+              <a:scrgbClr r="0" g="0" b="0"/>
+            </a:effectRef>
+            <a:fontRef idx="minor">
+              <a:schemeClr val="lt1"/>
+            </a:fontRef>
+          </p:style>
+          <p:txBody>
+            <a:bodyPr spcFirstLastPara="0" vert="horz" wrap="square" lIns="4715" tIns="4715" rIns="4715" bIns="44559" numCol="1" spcCol="1270" anchor="ctr" anchorCtr="0">
+              <a:noAutofit/>
+              <a:flatTx/>
+            </a:bodyPr>
+            <a:lstStyle/>
+            <a:p>
+              <a:pPr algn="ctr" defTabSz="330044">
+                <a:lnSpc>
+                  <a:spcPct val="90000"/>
+                </a:lnSpc>
+                <a:spcBef>
+                  <a:spcPct val="0"/>
+                </a:spcBef>
+                <a:spcAft>
+                  <a:spcPct val="35000"/>
+                </a:spcAft>
+              </a:pPr>
+              <a:r>
+                <a:rPr lang="en-US" sz="1000" b="1" dirty="0">
+                  <a:solidFill>
+                    <a:schemeClr val="tx1"/>
+                  </a:solidFill>
+                </a:rPr>
+                <a:t>Libby </a:t>
+              </a:r>
+              <a:r>
+                <a:rPr lang="en-US" sz="1000" b="1" dirty="0" err="1">
+                  <a:solidFill>
+                    <a:schemeClr val="tx1"/>
+                  </a:solidFill>
+                </a:rPr>
+                <a:t>Loyd</a:t>
+              </a:r>
+              <a:endParaRPr lang="en-US" sz="1000" b="1" dirty="0">
+                <a:solidFill>
+                  <a:schemeClr val="tx1"/>
+                </a:solidFill>
+              </a:endParaRPr>
+            </a:p>
+          </p:txBody>
+        </p:sp>
+        <p:sp>
+          <p:nvSpPr>
+            <p:cNvPr id="153" name="Rectangle 152">
+              <a:extLst>
+                <a:ext uri="{FF2B5EF4-FFF2-40B4-BE49-F238E27FC236}">
+                  <a16:creationId xmlns:a16="http://schemas.microsoft.com/office/drawing/2014/main" id="{19A0919C-4E07-47AE-82F4-1C7A3F7BBA9E}"/>
+                </a:ext>
+              </a:extLst>
+            </p:cNvPr>
+            <p:cNvSpPr/>
+            <p:nvPr/>
+          </p:nvSpPr>
+          <p:spPr>
+            <a:xfrm>
+              <a:off x="5016000" y="1443880"/>
+              <a:ext cx="2160000" cy="108000"/>
+            </a:xfrm>
+            <a:prstGeom prst="rect">
+              <a:avLst/>
+            </a:prstGeom>
+            <a:solidFill>
+              <a:schemeClr val="accent6"/>
+            </a:solidFill>
+            <a:ln w="19050" cap="rnd" cmpd="sng" algn="ctr">
+              <a:noFill/>
+              <a:prstDash val="solid"/>
+            </a:ln>
+            <a:effectLst>
+              <a:glow rad="254000">
+                <a:schemeClr val="accent2">
+                  <a:satMod val="175000"/>
+                  <a:alpha val="10000"/>
+                </a:schemeClr>
+              </a:glow>
+            </a:effectLst>
+            <a:scene3d>
+              <a:camera prst="obliqueTopLeft"/>
+              <a:lightRig rig="brightRoom" dir="t"/>
+            </a:scene3d>
+            <a:sp3d extrusionH="88900"/>
+          </p:spPr>
+          <p:style>
+            <a:lnRef idx="2">
+              <a:scrgbClr r="0" g="0" b="0"/>
+            </a:lnRef>
+            <a:fillRef idx="1">
+              <a:scrgbClr r="0" g="0" b="0"/>
+            </a:fillRef>
+            <a:effectRef idx="0">
+              <a:scrgbClr r="0" g="0" b="0"/>
+            </a:effectRef>
+            <a:fontRef idx="minor">
+              <a:schemeClr val="dk1">
+                <a:hueOff val="0"/>
+                <a:satOff val="0"/>
+                <a:lumOff val="0"/>
+                <a:alphaOff val="0"/>
+              </a:schemeClr>
+            </a:fontRef>
+          </p:style>
+          <p:txBody>
+            <a:bodyPr spcFirstLastPara="0" vert="horz" wrap="square" lIns="18860" tIns="4715" rIns="18860" bIns="4715" numCol="1" spcCol="1270" anchor="ctr" anchorCtr="0">
+              <a:noAutofit/>
+              <a:flatTx/>
+            </a:bodyPr>
+            <a:lstStyle/>
+            <a:p>
+              <a:pPr algn="ctr" defTabSz="330044">
+                <a:lnSpc>
+                  <a:spcPct val="90000"/>
+                </a:lnSpc>
+                <a:spcBef>
+                  <a:spcPct val="0"/>
+                </a:spcBef>
+                <a:spcAft>
+                  <a:spcPct val="35000"/>
+                </a:spcAft>
+              </a:pPr>
+              <a:r>
+                <a:rPr lang="en-US" sz="1000" b="1" dirty="0">
+                  <a:solidFill>
+                    <a:schemeClr val="bg1"/>
+                  </a:solidFill>
+                </a:rPr>
+                <a:t>ED (Non-Voting)</a:t>
+              </a:r>
+            </a:p>
+          </p:txBody>
+        </p:sp>
+      </p:grpSp>
     </p:spTree>
     <p:extLst>
       <p:ext uri="{BB962C8B-B14F-4D97-AF65-F5344CB8AC3E}">
@@ -22777,6 +23204,23 @@
 </file>
 
 <file path=customXml/item1.xml><?xml version="1.0" encoding="utf-8"?>
+<p:properties xmlns:p="http://schemas.microsoft.com/office/2006/metadata/properties" xmlns:xsi="http://www.w3.org/2001/XMLSchema-instance" xmlns:pc="http://schemas.microsoft.com/office/infopath/2007/PartnerControls">
+  <documentManagement>
+    <MediaServiceKeyPoints xmlns="71af3243-3dd4-4a8d-8c0d-dd76da1f02a5" xsi:nil="true"/>
+  </documentManagement>
+</p:properties>
+</file>
+
+<file path=customXml/item2.xml><?xml version="1.0" encoding="utf-8"?>
+<?mso-contentType ?>
+<FormTemplates xmlns="http://schemas.microsoft.com/sharepoint/v3/contenttype/forms">
+  <Display>DocumentLibraryForm</Display>
+  <Edit>DocumentLibraryForm</Edit>
+  <New>DocumentLibraryForm</New>
+</FormTemplates>
+</file>
+
+<file path=customXml/item3.xml><?xml version="1.0" encoding="utf-8"?>
 <ct:contentTypeSchema xmlns:ct="http://schemas.microsoft.com/office/2006/metadata/contentType" xmlns:ma="http://schemas.microsoft.com/office/2006/metadata/properties/metaAttributes" ct:_="" ma:_="" ma:contentTypeName="Document" ma:contentTypeID="0x01010079F111ED35F8CC479449609E8A0923A6" ma:contentTypeVersion="11" ma:contentTypeDescription="Create a new document." ma:contentTypeScope="" ma:versionID="9677210f24a1be23c92c90fd886aa0aa">
   <xsd:schema xmlns:xsd="http://www.w3.org/2001/XMLSchema" xmlns:xs="http://www.w3.org/2001/XMLSchema" xmlns:p="http://schemas.microsoft.com/office/2006/metadata/properties" xmlns:ns2="71af3243-3dd4-4a8d-8c0d-dd76da1f02a5" xmlns:ns3="16c05727-aa75-4e4a-9b5f-8a80a1165891" targetNamespace="http://schemas.microsoft.com/office/2006/metadata/properties" ma:root="true" ma:fieldsID="60e05723c5c1908df1a1a4ebf11d344e" ns2:_="" ns3:_="">
     <xsd:import namespace="71af3243-3dd4-4a8d-8c0d-dd76da1f02a5"/>
@@ -22987,24 +23431,32 @@
 </ct:contentTypeSchema>
 </file>
 
-<file path=customXml/item2.xml><?xml version="1.0" encoding="utf-8"?>
-<?mso-contentType ?>
-<FormTemplates xmlns="http://schemas.microsoft.com/sharepoint/v3/contenttype/forms">
-  <Display>DocumentLibraryForm</Display>
-  <Edit>DocumentLibraryForm</Edit>
-  <New>DocumentLibraryForm</New>
-</FormTemplates>
+<file path=customXml/itemProps1.xml><?xml version="1.0" encoding="utf-8"?>
+<ds:datastoreItem xmlns:ds="http://schemas.openxmlformats.org/officeDocument/2006/customXml" ds:itemID="{3C2AD4FE-5267-4953-9D66-004581AED1F0}">
+  <ds:schemaRefs>
+    <ds:schemaRef ds:uri="http://schemas.microsoft.com/office/2006/metadata/properties"/>
+    <ds:schemaRef ds:uri="16c05727-aa75-4e4a-9b5f-8a80a1165891"/>
+    <ds:schemaRef ds:uri="http://purl.org/dc/elements/1.1/"/>
+    <ds:schemaRef ds:uri="71af3243-3dd4-4a8d-8c0d-dd76da1f02a5"/>
+    <ds:schemaRef ds:uri="http://schemas.microsoft.com/office/infopath/2007/PartnerControls"/>
+    <ds:schemaRef ds:uri="http://schemas.microsoft.com/office/2006/documentManagement/types"/>
+    <ds:schemaRef ds:uri="http://www.w3.org/XML/1998/namespace"/>
+    <ds:schemaRef ds:uri="http://schemas.openxmlformats.org/package/2006/metadata/core-properties"/>
+    <ds:schemaRef ds:uri="http://purl.org/dc/dcmitype/"/>
+    <ds:schemaRef ds:uri="http://purl.org/dc/terms/"/>
+  </ds:schemaRefs>
+</ds:datastoreItem>
 </file>
 
-<file path=customXml/item3.xml><?xml version="1.0" encoding="utf-8"?>
-<p:properties xmlns:p="http://schemas.microsoft.com/office/2006/metadata/properties" xmlns:xsi="http://www.w3.org/2001/XMLSchema-instance" xmlns:pc="http://schemas.microsoft.com/office/infopath/2007/PartnerControls">
-  <documentManagement>
-    <MediaServiceKeyPoints xmlns="71af3243-3dd4-4a8d-8c0d-dd76da1f02a5" xsi:nil="true"/>
-  </documentManagement>
-</p:properties>
+<file path=customXml/itemProps2.xml><?xml version="1.0" encoding="utf-8"?>
+<ds:datastoreItem xmlns:ds="http://schemas.openxmlformats.org/officeDocument/2006/customXml" ds:itemID="{9082A0F6-5C05-4A60-9DD8-B772877A4F89}">
+  <ds:schemaRefs>
+    <ds:schemaRef ds:uri="http://schemas.microsoft.com/sharepoint/v3/contenttype/forms"/>
+  </ds:schemaRefs>
+</ds:datastoreItem>
 </file>
 
-<file path=customXml/itemProps1.xml><?xml version="1.0" encoding="utf-8"?>
+<file path=customXml/itemProps3.xml><?xml version="1.0" encoding="utf-8"?>
 <ds:datastoreItem xmlns:ds="http://schemas.openxmlformats.org/officeDocument/2006/customXml" ds:itemID="{840DE65C-3715-41A1-996C-103EA7902D46}">
   <ds:schemaRefs>
     <ds:schemaRef ds:uri="http://schemas.microsoft.com/office/2006/metadata/contentType"/>
@@ -23021,29 +23473,4 @@
     <ds:schemaRef ds:uri="http://schemas.microsoft.com/internal/obd"/>
   </ds:schemaRefs>
 </ds:datastoreItem>
-</file>
-
-<file path=customXml/itemProps2.xml><?xml version="1.0" encoding="utf-8"?>
-<ds:datastoreItem xmlns:ds="http://schemas.openxmlformats.org/officeDocument/2006/customXml" ds:itemID="{9082A0F6-5C05-4A60-9DD8-B772877A4F89}">
-  <ds:schemaRefs>
-    <ds:schemaRef ds:uri="http://schemas.microsoft.com/sharepoint/v3/contenttype/forms"/>
-  </ds:schemaRefs>
-</ds:datastoreItem>
-</file>
-
-<file path=customXml/itemProps3.xml><?xml version="1.0" encoding="utf-8"?>
-<ds:datastoreItem xmlns:ds="http://schemas.openxmlformats.org/officeDocument/2006/customXml" ds:itemID="{3C2AD4FE-5267-4953-9D66-004581AED1F0}">
-  <ds:schemaRefs>
-    <ds:schemaRef ds:uri="http://schemas.microsoft.com/office/2006/metadata/properties"/>
-    <ds:schemaRef ds:uri="16c05727-aa75-4e4a-9b5f-8a80a1165891"/>
-    <ds:schemaRef ds:uri="http://purl.org/dc/elements/1.1/"/>
-    <ds:schemaRef ds:uri="71af3243-3dd4-4a8d-8c0d-dd76da1f02a5"/>
-    <ds:schemaRef ds:uri="http://schemas.microsoft.com/office/infopath/2007/PartnerControls"/>
-    <ds:schemaRef ds:uri="http://schemas.microsoft.com/office/2006/documentManagement/types"/>
-    <ds:schemaRef ds:uri="http://www.w3.org/XML/1998/namespace"/>
-    <ds:schemaRef ds:uri="http://schemas.openxmlformats.org/package/2006/metadata/core-properties"/>
-    <ds:schemaRef ds:uri="http://purl.org/dc/dcmitype/"/>
-    <ds:schemaRef ds:uri="http://purl.org/dc/terms/"/>
-  </ds:schemaRefs>
-</ds:datastoreItem>
 </file>
--- a/SEDSUSA/SEDS USA Organization Chart.pptx
+++ b/SEDSUSA/SEDS USA Organization Chart.pptx
@@ -14774,7 +14774,7 @@
         </p:nvSpPr>
         <p:spPr>
           <a:xfrm>
-            <a:off x="4899468" y="6421140"/>
+            <a:off x="4907951" y="6802482"/>
             <a:ext cx="2399308" cy="792525"/>
           </a:xfrm>
           <a:prstGeom prst="rect">
@@ -15013,6 +15013,221 @@
                 </a:rPr>
                 <a:t>ED (Non-Voting)</a:t>
               </a:r>
+            </a:p>
+          </p:txBody>
+        </p:sp>
+      </p:grpSp>
+      <p:grpSp>
+        <p:nvGrpSpPr>
+          <p:cNvPr id="96" name="Group 95">
+            <a:extLst>
+              <a:ext uri="{FF2B5EF4-FFF2-40B4-BE49-F238E27FC236}">
+                <a16:creationId xmlns:a16="http://schemas.microsoft.com/office/drawing/2014/main" id="{A6EB1506-B410-4ED3-BAB5-A36915A80622}"/>
+              </a:ext>
+              <a:ext uri="{C183D7F6-B498-43B3-948B-1728B52AA6E4}">
+                <adec:decorative xmlns:adec="http://schemas.microsoft.com/office/drawing/2017/decorative" val="1"/>
+              </a:ext>
+            </a:extLst>
+          </p:cNvPr>
+          <p:cNvGrpSpPr/>
+          <p:nvPr/>
+        </p:nvGrpSpPr>
+        <p:grpSpPr>
+          <a:xfrm>
+            <a:off x="3379671" y="6126961"/>
+            <a:ext cx="1600200" cy="449136"/>
+            <a:chOff x="4544127" y="3090121"/>
+            <a:chExt cx="1388313" cy="544407"/>
+          </a:xfrm>
+        </p:grpSpPr>
+        <p:sp>
+          <p:nvSpPr>
+            <p:cNvPr id="97" name="Rectangle 96">
+              <a:extLst>
+                <a:ext uri="{FF2B5EF4-FFF2-40B4-BE49-F238E27FC236}">
+                  <a16:creationId xmlns:a16="http://schemas.microsoft.com/office/drawing/2014/main" id="{CAAF4642-FF17-4234-A5C8-DCE1203B616E}"/>
+                </a:ext>
+              </a:extLst>
+            </p:cNvPr>
+            <p:cNvSpPr/>
+            <p:nvPr/>
+          </p:nvSpPr>
+          <p:spPr>
+            <a:xfrm>
+              <a:off x="4544127" y="3090121"/>
+              <a:ext cx="1368000" cy="509451"/>
+            </a:xfrm>
+            <a:prstGeom prst="rect">
+              <a:avLst/>
+            </a:prstGeom>
+            <a:solidFill>
+              <a:schemeClr val="bg1"/>
+            </a:solidFill>
+            <a:ln w="3175" cap="rnd" cmpd="sng" algn="ctr">
+              <a:solidFill>
+                <a:schemeClr val="bg1">
+                  <a:lumMod val="85000"/>
+                </a:schemeClr>
+              </a:solidFill>
+              <a:prstDash val="solid"/>
+            </a:ln>
+            <a:effectLst/>
+            <a:scene3d>
+              <a:camera prst="obliqueTopLeft"/>
+              <a:lightRig rig="soft" dir="t"/>
+            </a:scene3d>
+            <a:sp3d extrusionH="190500" prstMaterial="matte">
+              <a:contourClr>
+                <a:prstClr val="black">
+                  <a:lumMod val="50000"/>
+                  <a:lumOff val="50000"/>
+                </a:prstClr>
+              </a:contourClr>
+            </a:sp3d>
+          </p:spPr>
+          <p:style>
+            <a:lnRef idx="2">
+              <a:scrgbClr r="0" g="0" b="0"/>
+            </a:lnRef>
+            <a:fillRef idx="1">
+              <a:scrgbClr r="0" g="0" b="0"/>
+            </a:fillRef>
+            <a:effectRef idx="0">
+              <a:scrgbClr r="0" g="0" b="0"/>
+            </a:effectRef>
+            <a:fontRef idx="minor">
+              <a:schemeClr val="lt1"/>
+            </a:fontRef>
+          </p:style>
+          <p:txBody>
+            <a:bodyPr spcFirstLastPara="0" vert="horz" wrap="square" lIns="59400" tIns="4715" rIns="59400" bIns="44559" numCol="1" spcCol="1270" anchor="ctr" anchorCtr="0">
+              <a:noAutofit/>
+              <a:flatTx/>
+            </a:bodyPr>
+            <a:lstStyle/>
+            <a:p>
+              <a:pPr algn="ctr" defTabSz="330044">
+                <a:lnSpc>
+                  <a:spcPct val="90000"/>
+                </a:lnSpc>
+                <a:spcBef>
+                  <a:spcPct val="0"/>
+                </a:spcBef>
+                <a:spcAft>
+                  <a:spcPct val="35000"/>
+                </a:spcAft>
+              </a:pPr>
+              <a:endParaRPr lang="en-US" sz="1000" b="1" dirty="0">
+                <a:solidFill>
+                  <a:schemeClr val="tx1"/>
+                </a:solidFill>
+              </a:endParaRPr>
+            </a:p>
+          </p:txBody>
+        </p:sp>
+        <p:sp>
+          <p:nvSpPr>
+            <p:cNvPr id="98" name="Rectangle 97">
+              <a:extLst>
+                <a:ext uri="{FF2B5EF4-FFF2-40B4-BE49-F238E27FC236}">
+                  <a16:creationId xmlns:a16="http://schemas.microsoft.com/office/drawing/2014/main" id="{5586F944-0039-44B1-933E-DB8F9A2DC1D6}"/>
+                </a:ext>
+              </a:extLst>
+            </p:cNvPr>
+            <p:cNvSpPr/>
+            <p:nvPr/>
+          </p:nvSpPr>
+          <p:spPr>
+            <a:xfrm>
+              <a:off x="4564440" y="3526528"/>
+              <a:ext cx="1368000" cy="108000"/>
+            </a:xfrm>
+            <a:prstGeom prst="rect">
+              <a:avLst/>
+            </a:prstGeom>
+            <a:solidFill>
+              <a:srgbClr val="FFC000"/>
+            </a:solidFill>
+            <a:ln>
+              <a:solidFill>
+                <a:srgbClr val="FFC000"/>
+              </a:solidFill>
+            </a:ln>
+            <a:effectLst>
+              <a:glow rad="254000">
+                <a:schemeClr val="accent1">
+                  <a:satMod val="175000"/>
+                  <a:alpha val="10000"/>
+                </a:schemeClr>
+              </a:glow>
+            </a:effectLst>
+            <a:scene3d>
+              <a:camera prst="obliqueTopLeft"/>
+              <a:lightRig rig="brightRoom" dir="t"/>
+            </a:scene3d>
+            <a:sp3d extrusionH="88900"/>
+          </p:spPr>
+          <p:style>
+            <a:lnRef idx="2">
+              <a:schemeClr val="accent1">
+                <a:hueOff val="0"/>
+                <a:satOff val="0"/>
+                <a:lumOff val="0"/>
+                <a:alphaOff val="0"/>
+              </a:schemeClr>
+            </a:lnRef>
+            <a:fillRef idx="1">
+              <a:scrgbClr r="0" g="0" b="0"/>
+            </a:fillRef>
+            <a:effectRef idx="0">
+              <a:schemeClr val="lt1">
+                <a:alpha val="90000"/>
+                <a:hueOff val="0"/>
+                <a:satOff val="0"/>
+                <a:lumOff val="0"/>
+                <a:alphaOff val="0"/>
+              </a:schemeClr>
+            </a:effectRef>
+            <a:fontRef idx="minor">
+              <a:schemeClr val="dk1">
+                <a:hueOff val="0"/>
+                <a:satOff val="0"/>
+                <a:lumOff val="0"/>
+                <a:alphaOff val="0"/>
+              </a:schemeClr>
+            </a:fontRef>
+          </p:style>
+          <p:txBody>
+            <a:bodyPr spcFirstLastPara="0" vert="horz" wrap="square" lIns="59400" tIns="4715" rIns="59400" bIns="4715" numCol="1" spcCol="1270" anchor="ctr" anchorCtr="0">
+              <a:noAutofit/>
+              <a:flatTx/>
+            </a:bodyPr>
+            <a:lstStyle/>
+            <a:p>
+              <a:pPr algn="ctr" defTabSz="330044">
+                <a:lnSpc>
+                  <a:spcPct val="90000"/>
+                </a:lnSpc>
+                <a:spcBef>
+                  <a:spcPct val="0"/>
+                </a:spcBef>
+                <a:spcAft>
+                  <a:spcPct val="35000"/>
+                </a:spcAft>
+              </a:pPr>
+              <a:r>
+                <a:rPr lang="en-US" sz="1000" b="1">
+                  <a:solidFill>
+                    <a:schemeClr val="bg1"/>
+                  </a:solidFill>
+                </a:rPr>
+                <a:t>Diversity and Inclusion Mgr</a:t>
+              </a:r>
+              <a:endParaRPr lang="en-US" sz="1000" b="1" dirty="0">
+                <a:solidFill>
+                  <a:schemeClr val="bg1"/>
+                </a:solidFill>
+              </a:endParaRPr>
             </a:p>
           </p:txBody>
         </p:sp>
@@ -17652,7 +17867,7 @@
         </p:nvGrpSpPr>
         <p:grpSpPr>
           <a:xfrm>
-            <a:off x="7161359" y="5510425"/>
+            <a:off x="7180409" y="5510425"/>
             <a:ext cx="1600200" cy="449136"/>
             <a:chOff x="9744174" y="3090121"/>
             <a:chExt cx="1387558" cy="544407"/>
@@ -18467,49 +18682,6 @@
           </a:fontRef>
         </p:style>
       </p:cxnSp>
-      <p:sp>
-        <p:nvSpPr>
-          <p:cNvPr id="308" name="TextBox 307">
-            <a:extLst>
-              <a:ext uri="{FF2B5EF4-FFF2-40B4-BE49-F238E27FC236}">
-                <a16:creationId xmlns:a16="http://schemas.microsoft.com/office/drawing/2014/main" id="{2608894A-5B20-4EE5-AC6F-6841020A32CF}"/>
-              </a:ext>
-            </a:extLst>
-          </p:cNvPr>
-          <p:cNvSpPr txBox="1"/>
-          <p:nvPr/>
-        </p:nvSpPr>
-        <p:spPr>
-          <a:xfrm>
-            <a:off x="4899468" y="6421140"/>
-            <a:ext cx="2399308" cy="792525"/>
-          </a:xfrm>
-          <a:prstGeom prst="rect">
-            <a:avLst/>
-          </a:prstGeom>
-          <a:noFill/>
-        </p:spPr>
-        <p:txBody>
-          <a:bodyPr wrap="square" rtlCol="0">
-            <a:spAutoFit/>
-          </a:bodyPr>
-          <a:lstStyle/>
-          <a:p>
-            <a:pPr algn="ctr"/>
-            <a:r>
-              <a:rPr lang="en-US" sz="1400" dirty="0"/>
-              <a:t>The Staff</a:t>
-            </a:r>
-          </a:p>
-          <a:p>
-            <a:pPr algn="ctr"/>
-            <a:r>
-              <a:rPr lang="en-US" sz="1050" dirty="0"/>
-              <a:t>To maintain solidified initiatives/projects to continue the reach of SEDS USA to its chapter and surrounding communities</a:t>
-            </a:r>
-          </a:p>
-        </p:txBody>
-      </p:sp>
       <p:grpSp>
         <p:nvGrpSpPr>
           <p:cNvPr id="91" name="Group 90">
@@ -18610,11 +18782,14 @@
                   <a:spcPct val="35000"/>
                 </a:spcAft>
               </a:pPr>
-              <a:endParaRPr lang="en-US" sz="1000" b="1" dirty="0">
-                <a:solidFill>
-                  <a:schemeClr val="tx1"/>
-                </a:solidFill>
-              </a:endParaRPr>
+              <a:r>
+                <a:rPr lang="en-US" sz="1000" b="1" dirty="0">
+                  <a:solidFill>
+                    <a:schemeClr val="tx1"/>
+                  </a:solidFill>
+                </a:rPr>
+                <a:t>FILLED IN NOVEMBER</a:t>
+              </a:r>
             </a:p>
           </p:txBody>
         </p:sp>
@@ -19409,7 +19584,7 @@
         </p:nvGrpSpPr>
         <p:grpSpPr>
           <a:xfrm>
-            <a:off x="7161359" y="6167733"/>
+            <a:off x="7180409" y="6167733"/>
             <a:ext cx="1600200" cy="449136"/>
             <a:chOff x="9744174" y="3090121"/>
             <a:chExt cx="1387558" cy="544407"/>
@@ -22351,6 +22526,49 @@
           </p:txBody>
         </p:sp>
       </p:grpSp>
+      <p:sp>
+        <p:nvSpPr>
+          <p:cNvPr id="136" name="TextBox 135">
+            <a:extLst>
+              <a:ext uri="{FF2B5EF4-FFF2-40B4-BE49-F238E27FC236}">
+                <a16:creationId xmlns:a16="http://schemas.microsoft.com/office/drawing/2014/main" id="{F493271C-D840-4FA6-98AC-3A3AB72807FA}"/>
+              </a:ext>
+            </a:extLst>
+          </p:cNvPr>
+          <p:cNvSpPr txBox="1"/>
+          <p:nvPr/>
+        </p:nvSpPr>
+        <p:spPr>
+          <a:xfrm>
+            <a:off x="4907951" y="6802482"/>
+            <a:ext cx="2399308" cy="792525"/>
+          </a:xfrm>
+          <a:prstGeom prst="rect">
+            <a:avLst/>
+          </a:prstGeom>
+          <a:noFill/>
+        </p:spPr>
+        <p:txBody>
+          <a:bodyPr wrap="square" rtlCol="0">
+            <a:spAutoFit/>
+          </a:bodyPr>
+          <a:lstStyle/>
+          <a:p>
+            <a:pPr algn="ctr"/>
+            <a:r>
+              <a:rPr lang="en-US" sz="1400" dirty="0"/>
+              <a:t>The Staff</a:t>
+            </a:r>
+          </a:p>
+          <a:p>
+            <a:pPr algn="ctr"/>
+            <a:r>
+              <a:rPr lang="en-US" sz="1050" dirty="0"/>
+              <a:t>To maintain solidified initiatives/projects to continue the reach of SEDS USA to its chapter and surrounding communities</a:t>
+            </a:r>
+          </a:p>
+        </p:txBody>
+      </p:sp>
     </p:spTree>
     <p:extLst>
       <p:ext uri="{BB962C8B-B14F-4D97-AF65-F5344CB8AC3E}">
@@ -23204,23 +23422,6 @@
 </file>
 
 <file path=customXml/item1.xml><?xml version="1.0" encoding="utf-8"?>
-<p:properties xmlns:p="http://schemas.microsoft.com/office/2006/metadata/properties" xmlns:xsi="http://www.w3.org/2001/XMLSchema-instance" xmlns:pc="http://schemas.microsoft.com/office/infopath/2007/PartnerControls">
-  <documentManagement>
-    <MediaServiceKeyPoints xmlns="71af3243-3dd4-4a8d-8c0d-dd76da1f02a5" xsi:nil="true"/>
-  </documentManagement>
-</p:properties>
-</file>
-
-<file path=customXml/item2.xml><?xml version="1.0" encoding="utf-8"?>
-<?mso-contentType ?>
-<FormTemplates xmlns="http://schemas.microsoft.com/sharepoint/v3/contenttype/forms">
-  <Display>DocumentLibraryForm</Display>
-  <Edit>DocumentLibraryForm</Edit>
-  <New>DocumentLibraryForm</New>
-</FormTemplates>
-</file>
-
-<file path=customXml/item3.xml><?xml version="1.0" encoding="utf-8"?>
 <ct:contentTypeSchema xmlns:ct="http://schemas.microsoft.com/office/2006/metadata/contentType" xmlns:ma="http://schemas.microsoft.com/office/2006/metadata/properties/metaAttributes" ct:_="" ma:_="" ma:contentTypeName="Document" ma:contentTypeID="0x01010079F111ED35F8CC479449609E8A0923A6" ma:contentTypeVersion="11" ma:contentTypeDescription="Create a new document." ma:contentTypeScope="" ma:versionID="9677210f24a1be23c92c90fd886aa0aa">
   <xsd:schema xmlns:xsd="http://www.w3.org/2001/XMLSchema" xmlns:xs="http://www.w3.org/2001/XMLSchema" xmlns:p="http://schemas.microsoft.com/office/2006/metadata/properties" xmlns:ns2="71af3243-3dd4-4a8d-8c0d-dd76da1f02a5" xmlns:ns3="16c05727-aa75-4e4a-9b5f-8a80a1165891" targetNamespace="http://schemas.microsoft.com/office/2006/metadata/properties" ma:root="true" ma:fieldsID="60e05723c5c1908df1a1a4ebf11d344e" ns2:_="" ns3:_="">
     <xsd:import namespace="71af3243-3dd4-4a8d-8c0d-dd76da1f02a5"/>
@@ -23431,32 +23632,24 @@
 </ct:contentTypeSchema>
 </file>
 
-<file path=customXml/itemProps1.xml><?xml version="1.0" encoding="utf-8"?>
-<ds:datastoreItem xmlns:ds="http://schemas.openxmlformats.org/officeDocument/2006/customXml" ds:itemID="{3C2AD4FE-5267-4953-9D66-004581AED1F0}">
-  <ds:schemaRefs>
-    <ds:schemaRef ds:uri="http://schemas.microsoft.com/office/2006/metadata/properties"/>
-    <ds:schemaRef ds:uri="16c05727-aa75-4e4a-9b5f-8a80a1165891"/>
-    <ds:schemaRef ds:uri="http://purl.org/dc/elements/1.1/"/>
-    <ds:schemaRef ds:uri="71af3243-3dd4-4a8d-8c0d-dd76da1f02a5"/>
-    <ds:schemaRef ds:uri="http://schemas.microsoft.com/office/infopath/2007/PartnerControls"/>
-    <ds:schemaRef ds:uri="http://schemas.microsoft.com/office/2006/documentManagement/types"/>
-    <ds:schemaRef ds:uri="http://www.w3.org/XML/1998/namespace"/>
-    <ds:schemaRef ds:uri="http://schemas.openxmlformats.org/package/2006/metadata/core-properties"/>
-    <ds:schemaRef ds:uri="http://purl.org/dc/dcmitype/"/>
-    <ds:schemaRef ds:uri="http://purl.org/dc/terms/"/>
-  </ds:schemaRefs>
-</ds:datastoreItem>
+<file path=customXml/item2.xml><?xml version="1.0" encoding="utf-8"?>
+<?mso-contentType ?>
+<FormTemplates xmlns="http://schemas.microsoft.com/sharepoint/v3/contenttype/forms">
+  <Display>DocumentLibraryForm</Display>
+  <Edit>DocumentLibraryForm</Edit>
+  <New>DocumentLibraryForm</New>
+</FormTemplates>
 </file>
 
-<file path=customXml/itemProps2.xml><?xml version="1.0" encoding="utf-8"?>
-<ds:datastoreItem xmlns:ds="http://schemas.openxmlformats.org/officeDocument/2006/customXml" ds:itemID="{9082A0F6-5C05-4A60-9DD8-B772877A4F89}">
-  <ds:schemaRefs>
-    <ds:schemaRef ds:uri="http://schemas.microsoft.com/sharepoint/v3/contenttype/forms"/>
-  </ds:schemaRefs>
-</ds:datastoreItem>
+<file path=customXml/item3.xml><?xml version="1.0" encoding="utf-8"?>
+<p:properties xmlns:p="http://schemas.microsoft.com/office/2006/metadata/properties" xmlns:xsi="http://www.w3.org/2001/XMLSchema-instance" xmlns:pc="http://schemas.microsoft.com/office/infopath/2007/PartnerControls">
+  <documentManagement>
+    <MediaServiceKeyPoints xmlns="71af3243-3dd4-4a8d-8c0d-dd76da1f02a5" xsi:nil="true"/>
+  </documentManagement>
+</p:properties>
 </file>
 
-<file path=customXml/itemProps3.xml><?xml version="1.0" encoding="utf-8"?>
+<file path=customXml/itemProps1.xml><?xml version="1.0" encoding="utf-8"?>
 <ds:datastoreItem xmlns:ds="http://schemas.openxmlformats.org/officeDocument/2006/customXml" ds:itemID="{840DE65C-3715-41A1-996C-103EA7902D46}">
   <ds:schemaRefs>
     <ds:schemaRef ds:uri="http://schemas.microsoft.com/office/2006/metadata/contentType"/>
@@ -23473,4 +23666,29 @@
     <ds:schemaRef ds:uri="http://schemas.microsoft.com/internal/obd"/>
   </ds:schemaRefs>
 </ds:datastoreItem>
+</file>
+
+<file path=customXml/itemProps2.xml><?xml version="1.0" encoding="utf-8"?>
+<ds:datastoreItem xmlns:ds="http://schemas.openxmlformats.org/officeDocument/2006/customXml" ds:itemID="{9082A0F6-5C05-4A60-9DD8-B772877A4F89}">
+  <ds:schemaRefs>
+    <ds:schemaRef ds:uri="http://schemas.microsoft.com/sharepoint/v3/contenttype/forms"/>
+  </ds:schemaRefs>
+</ds:datastoreItem>
+</file>
+
+<file path=customXml/itemProps3.xml><?xml version="1.0" encoding="utf-8"?>
+<ds:datastoreItem xmlns:ds="http://schemas.openxmlformats.org/officeDocument/2006/customXml" ds:itemID="{3C2AD4FE-5267-4953-9D66-004581AED1F0}">
+  <ds:schemaRefs>
+    <ds:schemaRef ds:uri="http://schemas.microsoft.com/office/2006/metadata/properties"/>
+    <ds:schemaRef ds:uri="16c05727-aa75-4e4a-9b5f-8a80a1165891"/>
+    <ds:schemaRef ds:uri="http://purl.org/dc/elements/1.1/"/>
+    <ds:schemaRef ds:uri="71af3243-3dd4-4a8d-8c0d-dd76da1f02a5"/>
+    <ds:schemaRef ds:uri="http://schemas.microsoft.com/office/infopath/2007/PartnerControls"/>
+    <ds:schemaRef ds:uri="http://schemas.microsoft.com/office/2006/documentManagement/types"/>
+    <ds:schemaRef ds:uri="http://www.w3.org/XML/1998/namespace"/>
+    <ds:schemaRef ds:uri="http://schemas.openxmlformats.org/package/2006/metadata/core-properties"/>
+    <ds:schemaRef ds:uri="http://purl.org/dc/dcmitype/"/>
+    <ds:schemaRef ds:uri="http://purl.org/dc/terms/"/>
+  </ds:schemaRefs>
+</ds:datastoreItem>
 </file>
--- a/SEDSUSA/SEDS USA Organization Chart.pptx
+++ b/SEDSUSA/SEDS USA Organization Chart.pptx
@@ -11,8 +11,8 @@
     <p:handoutMasterId r:id="rId9"/>
   </p:handoutMasterIdLst>
   <p:sldIdLst>
-    <p:sldId id="267" r:id="rId5"/>
-    <p:sldId id="264" r:id="rId6"/>
+    <p:sldId id="264" r:id="rId5"/>
+    <p:sldId id="267" r:id="rId6"/>
     <p:sldId id="266" r:id="rId7"/>
   </p:sldIdLst>
   <p:sldSz cx="10058400" cy="7772400"/>
@@ -746,7 +746,7 @@
     </p:spTree>
     <p:extLst>
       <p:ext uri="{BB962C8B-B14F-4D97-AF65-F5344CB8AC3E}">
-        <p14:creationId xmlns:p14="http://schemas.microsoft.com/office/powerpoint/2010/main" val="1114226459"/>
+        <p14:creationId xmlns:p14="http://schemas.microsoft.com/office/powerpoint/2010/main" val="1510831497"/>
       </p:ext>
     </p:extLst>
   </p:cSld>
@@ -835,7 +835,7 @@
     </p:spTree>
     <p:extLst>
       <p:ext uri="{BB962C8B-B14F-4D97-AF65-F5344CB8AC3E}">
-        <p14:creationId xmlns:p14="http://schemas.microsoft.com/office/powerpoint/2010/main" val="1510831497"/>
+        <p14:creationId xmlns:p14="http://schemas.microsoft.com/office/powerpoint/2010/main" val="4181673320"/>
       </p:ext>
     </p:extLst>
   </p:cSld>
@@ -6688,7 +6688,7 @@
         </p:nvGrpSpPr>
         <p:grpSpPr>
           <a:xfrm>
-            <a:off x="323758" y="1662077"/>
+            <a:off x="323758" y="2490752"/>
             <a:ext cx="1600200" cy="609707"/>
             <a:chOff x="1505552" y="2334607"/>
             <a:chExt cx="1143943" cy="609707"/>
@@ -6985,7 +6985,7 @@
         </p:nvGrpSpPr>
         <p:grpSpPr>
           <a:xfrm>
-            <a:off x="313481" y="719539"/>
+            <a:off x="313481" y="957664"/>
             <a:ext cx="1600200" cy="421931"/>
             <a:chOff x="5016000" y="1040449"/>
             <a:chExt cx="2160000" cy="511431"/>
@@ -7240,7 +7240,7 @@
         </p:nvGrpSpPr>
         <p:grpSpPr>
           <a:xfrm>
-            <a:off x="345220" y="4571182"/>
+            <a:off x="345220" y="4552132"/>
             <a:ext cx="1600200" cy="609707"/>
             <a:chOff x="1505552" y="2334607"/>
             <a:chExt cx="1143943" cy="609707"/>
@@ -7534,7 +7534,7 @@
         </p:nvGrpSpPr>
         <p:grpSpPr>
           <a:xfrm>
-            <a:off x="323758" y="2632490"/>
+            <a:off x="323758" y="3184940"/>
             <a:ext cx="1600200" cy="609707"/>
             <a:chOff x="1505552" y="2334607"/>
             <a:chExt cx="1143943" cy="609707"/>
@@ -7828,7 +7828,7 @@
         </p:nvGrpSpPr>
         <p:grpSpPr>
           <a:xfrm>
-            <a:off x="345220" y="5569768"/>
+            <a:off x="345220" y="5255443"/>
             <a:ext cx="1600200" cy="609707"/>
             <a:chOff x="1505552" y="2334607"/>
             <a:chExt cx="1143943" cy="609707"/>
@@ -8135,7 +8135,7 @@
         </p:nvGrpSpPr>
         <p:grpSpPr>
           <a:xfrm>
-            <a:off x="323758" y="3592311"/>
+            <a:off x="323758" y="3868536"/>
             <a:ext cx="1600200" cy="609707"/>
             <a:chOff x="1505552" y="2334607"/>
             <a:chExt cx="1143943" cy="609707"/>
@@ -8429,7 +8429,7 @@
         </p:nvGrpSpPr>
         <p:grpSpPr>
           <a:xfrm>
-            <a:off x="345220" y="6529991"/>
+            <a:off x="345220" y="5929916"/>
             <a:ext cx="1600200" cy="609707"/>
             <a:chOff x="1505552" y="2334607"/>
             <a:chExt cx="1143943" cy="609707"/>
@@ -8727,8 +8727,8 @@
         </p:nvCxnSpPr>
         <p:spPr>
           <a:xfrm rot="5400000" flipH="1" flipV="1">
-            <a:off x="853051" y="1401547"/>
-            <a:ext cx="520607" cy="454"/>
+            <a:off x="557776" y="1934947"/>
+            <a:ext cx="1111157" cy="454"/>
           </a:xfrm>
           <a:prstGeom prst="bentConnector3">
             <a:avLst>
@@ -8775,8 +8775,304 @@
         </p:nvSpPr>
         <p:spPr>
           <a:xfrm>
-            <a:off x="142875" y="194477"/>
-            <a:ext cx="7396683" cy="307777"/>
+            <a:off x="71932" y="6964065"/>
+            <a:ext cx="2347409" cy="630942"/>
+          </a:xfrm>
+          <a:prstGeom prst="rect">
+            <a:avLst/>
+          </a:prstGeom>
+          <a:noFill/>
+        </p:spPr>
+        <p:txBody>
+          <a:bodyPr wrap="square" rtlCol="0">
+            <a:spAutoFit/>
+          </a:bodyPr>
+          <a:lstStyle/>
+          <a:p>
+            <a:pPr algn="ctr"/>
+            <a:r>
+              <a:rPr lang="en-US" sz="1400" dirty="0"/>
+              <a:t>The Board</a:t>
+            </a:r>
+          </a:p>
+          <a:p>
+            <a:pPr algn="ctr"/>
+            <a:r>
+              <a:rPr lang="en-US" sz="1050" dirty="0"/>
+              <a:t>To develop new initiatives/projects to increase the impact of SEDS nationwide</a:t>
+            </a:r>
+          </a:p>
+        </p:txBody>
+      </p:sp>
+      <p:cxnSp>
+        <p:nvCxnSpPr>
+          <p:cNvPr id="48" name="Straight Connector 47">
+            <a:extLst>
+              <a:ext uri="{FF2B5EF4-FFF2-40B4-BE49-F238E27FC236}">
+                <a16:creationId xmlns:a16="http://schemas.microsoft.com/office/drawing/2014/main" id="{0D1226AB-B8FE-4145-BF18-476FAE9E02F8}"/>
+              </a:ext>
+            </a:extLst>
+          </p:cNvPr>
+          <p:cNvCxnSpPr>
+            <a:cxnSpLocks/>
+          </p:cNvCxnSpPr>
+          <p:nvPr/>
+        </p:nvCxnSpPr>
+        <p:spPr>
+          <a:xfrm>
+            <a:off x="2667000" y="1923469"/>
+            <a:ext cx="0" cy="5582277"/>
+          </a:xfrm>
+          <a:prstGeom prst="line">
+            <a:avLst/>
+          </a:prstGeom>
+          <a:ln w="28575"/>
+        </p:spPr>
+        <p:style>
+          <a:lnRef idx="1">
+            <a:schemeClr val="accent6"/>
+          </a:lnRef>
+          <a:fillRef idx="0">
+            <a:schemeClr val="accent6"/>
+          </a:fillRef>
+          <a:effectRef idx="0">
+            <a:schemeClr val="accent6"/>
+          </a:effectRef>
+          <a:fontRef idx="minor">
+            <a:schemeClr val="tx1"/>
+          </a:fontRef>
+        </p:style>
+      </p:cxnSp>
+      <p:grpSp>
+        <p:nvGrpSpPr>
+          <p:cNvPr id="92" name="Group 91">
+            <a:extLst>
+              <a:ext uri="{FF2B5EF4-FFF2-40B4-BE49-F238E27FC236}">
+                <a16:creationId xmlns:a16="http://schemas.microsoft.com/office/drawing/2014/main" id="{D8B69E36-AD94-4C0E-BAC7-AE044939C5F9}"/>
+              </a:ext>
+              <a:ext uri="{C183D7F6-B498-43B3-948B-1728B52AA6E4}">
+                <adec:decorative xmlns:adec="http://schemas.microsoft.com/office/drawing/2017/decorative" val="1"/>
+              </a:ext>
+            </a:extLst>
+          </p:cNvPr>
+          <p:cNvGrpSpPr/>
+          <p:nvPr/>
+        </p:nvGrpSpPr>
+        <p:grpSpPr>
+          <a:xfrm>
+            <a:off x="322352" y="1834927"/>
+            <a:ext cx="1600200" cy="421931"/>
+            <a:chOff x="5016000" y="1040449"/>
+            <a:chExt cx="2160000" cy="511431"/>
+          </a:xfrm>
+        </p:grpSpPr>
+        <p:sp>
+          <p:nvSpPr>
+            <p:cNvPr id="93" name="Rectangle 92">
+              <a:extLst>
+                <a:ext uri="{FF2B5EF4-FFF2-40B4-BE49-F238E27FC236}">
+                  <a16:creationId xmlns:a16="http://schemas.microsoft.com/office/drawing/2014/main" id="{6E193524-696D-403D-BCE0-0CA2288A04CB}"/>
+                </a:ext>
+              </a:extLst>
+            </p:cNvPr>
+            <p:cNvSpPr/>
+            <p:nvPr/>
+          </p:nvSpPr>
+          <p:spPr>
+            <a:xfrm>
+              <a:off x="5016000" y="1040449"/>
+              <a:ext cx="2160000" cy="509451"/>
+            </a:xfrm>
+            <a:prstGeom prst="rect">
+              <a:avLst/>
+            </a:prstGeom>
+            <a:solidFill>
+              <a:schemeClr val="bg1"/>
+            </a:solidFill>
+            <a:ln w="12700" cap="rnd" cmpd="sng" algn="ctr">
+              <a:solidFill>
+                <a:schemeClr val="bg1">
+                  <a:lumMod val="85000"/>
+                </a:schemeClr>
+              </a:solidFill>
+              <a:prstDash val="solid"/>
+            </a:ln>
+            <a:effectLst/>
+            <a:scene3d>
+              <a:camera prst="obliqueTopLeft"/>
+              <a:lightRig rig="soft" dir="t"/>
+            </a:scene3d>
+            <a:sp3d extrusionH="190500" prstMaterial="matte">
+              <a:contourClr>
+                <a:prstClr val="black">
+                  <a:lumMod val="50000"/>
+                  <a:lumOff val="50000"/>
+                </a:prstClr>
+              </a:contourClr>
+            </a:sp3d>
+          </p:spPr>
+          <p:style>
+            <a:lnRef idx="2">
+              <a:scrgbClr r="0" g="0" b="0"/>
+            </a:lnRef>
+            <a:fillRef idx="1">
+              <a:scrgbClr r="0" g="0" b="0"/>
+            </a:fillRef>
+            <a:effectRef idx="0">
+              <a:scrgbClr r="0" g="0" b="0"/>
+            </a:effectRef>
+            <a:fontRef idx="minor">
+              <a:schemeClr val="lt1"/>
+            </a:fontRef>
+          </p:style>
+          <p:txBody>
+            <a:bodyPr spcFirstLastPara="0" vert="horz" wrap="square" lIns="4715" tIns="4715" rIns="4715" bIns="44559" numCol="1" spcCol="1270" anchor="ctr" anchorCtr="0">
+              <a:noAutofit/>
+              <a:flatTx/>
+            </a:bodyPr>
+            <a:lstStyle/>
+            <a:p>
+              <a:pPr algn="ctr" defTabSz="330044">
+                <a:lnSpc>
+                  <a:spcPct val="90000"/>
+                </a:lnSpc>
+                <a:spcBef>
+                  <a:spcPct val="0"/>
+                </a:spcBef>
+                <a:spcAft>
+                  <a:spcPct val="35000"/>
+                </a:spcAft>
+              </a:pPr>
+              <a:r>
+                <a:rPr lang="en-US" sz="1000" b="1" dirty="0">
+                  <a:solidFill>
+                    <a:schemeClr val="tx1"/>
+                  </a:solidFill>
+                </a:rPr>
+                <a:t>Libby </a:t>
+              </a:r>
+              <a:r>
+                <a:rPr lang="en-US" sz="1000" b="1" dirty="0" err="1">
+                  <a:solidFill>
+                    <a:schemeClr val="tx1"/>
+                  </a:solidFill>
+                </a:rPr>
+                <a:t>Loyd</a:t>
+              </a:r>
+              <a:endParaRPr lang="en-US" sz="1000" b="1" dirty="0">
+                <a:solidFill>
+                  <a:schemeClr val="tx1"/>
+                </a:solidFill>
+              </a:endParaRPr>
+            </a:p>
+          </p:txBody>
+        </p:sp>
+        <p:sp>
+          <p:nvSpPr>
+            <p:cNvPr id="94" name="Rectangle 93">
+              <a:extLst>
+                <a:ext uri="{FF2B5EF4-FFF2-40B4-BE49-F238E27FC236}">
+                  <a16:creationId xmlns:a16="http://schemas.microsoft.com/office/drawing/2014/main" id="{CDC4A145-8D89-49A3-B8F6-AD19B8DD3D55}"/>
+                </a:ext>
+              </a:extLst>
+            </p:cNvPr>
+            <p:cNvSpPr/>
+            <p:nvPr/>
+          </p:nvSpPr>
+          <p:spPr>
+            <a:xfrm>
+              <a:off x="5016000" y="1443880"/>
+              <a:ext cx="2160000" cy="108000"/>
+            </a:xfrm>
+            <a:prstGeom prst="rect">
+              <a:avLst/>
+            </a:prstGeom>
+            <a:solidFill>
+              <a:schemeClr val="accent6"/>
+            </a:solidFill>
+            <a:ln w="19050" cap="rnd" cmpd="sng" algn="ctr">
+              <a:noFill/>
+              <a:prstDash val="solid"/>
+            </a:ln>
+            <a:effectLst>
+              <a:glow rad="254000">
+                <a:schemeClr val="accent2">
+                  <a:satMod val="175000"/>
+                  <a:alpha val="10000"/>
+                </a:schemeClr>
+              </a:glow>
+            </a:effectLst>
+            <a:scene3d>
+              <a:camera prst="obliqueTopLeft"/>
+              <a:lightRig rig="brightRoom" dir="t"/>
+            </a:scene3d>
+            <a:sp3d extrusionH="88900"/>
+          </p:spPr>
+          <p:style>
+            <a:lnRef idx="2">
+              <a:scrgbClr r="0" g="0" b="0"/>
+            </a:lnRef>
+            <a:fillRef idx="1">
+              <a:scrgbClr r="0" g="0" b="0"/>
+            </a:fillRef>
+            <a:effectRef idx="0">
+              <a:scrgbClr r="0" g="0" b="0"/>
+            </a:effectRef>
+            <a:fontRef idx="minor">
+              <a:schemeClr val="dk1">
+                <a:hueOff val="0"/>
+                <a:satOff val="0"/>
+                <a:lumOff val="0"/>
+                <a:alphaOff val="0"/>
+              </a:schemeClr>
+            </a:fontRef>
+          </p:style>
+          <p:txBody>
+            <a:bodyPr spcFirstLastPara="0" vert="horz" wrap="square" lIns="18860" tIns="4715" rIns="18860" bIns="4715" numCol="1" spcCol="1270" anchor="ctr" anchorCtr="0">
+              <a:noAutofit/>
+              <a:flatTx/>
+            </a:bodyPr>
+            <a:lstStyle/>
+            <a:p>
+              <a:pPr algn="ctr" defTabSz="330044">
+                <a:lnSpc>
+                  <a:spcPct val="90000"/>
+                </a:lnSpc>
+                <a:spcBef>
+                  <a:spcPct val="0"/>
+                </a:spcBef>
+                <a:spcAft>
+                  <a:spcPct val="35000"/>
+                </a:spcAft>
+              </a:pPr>
+              <a:r>
+                <a:rPr lang="en-US" sz="1000" b="1" dirty="0">
+                  <a:solidFill>
+                    <a:schemeClr val="bg1"/>
+                  </a:solidFill>
+                </a:rPr>
+                <a:t>ED (Non-Voting)</a:t>
+              </a:r>
+            </a:p>
+          </p:txBody>
+        </p:sp>
+      </p:grpSp>
+      <p:sp>
+        <p:nvSpPr>
+          <p:cNvPr id="2" name="TextBox 1">
+            <a:extLst>
+              <a:ext uri="{FF2B5EF4-FFF2-40B4-BE49-F238E27FC236}">
+                <a16:creationId xmlns:a16="http://schemas.microsoft.com/office/drawing/2014/main" id="{F091E22E-A551-4B36-B5F6-140FFB130211}"/>
+              </a:ext>
+            </a:extLst>
+          </p:cNvPr>
+          <p:cNvSpPr txBox="1"/>
+          <p:nvPr/>
+        </p:nvSpPr>
+        <p:spPr>
+          <a:xfrm>
+            <a:off x="3235570" y="522514"/>
+            <a:ext cx="2381460" cy="369332"/>
           </a:xfrm>
           <a:prstGeom prst="rect">
             <a:avLst/>
@@ -8790,12 +9086,57 @@
           <a:lstStyle/>
           <a:p>
             <a:r>
-              <a:rPr lang="en-US" sz="1400" dirty="0"/>
-              <a:t>The Board Goals by end of November - </a:t>
+              <a:rPr lang="en-US" dirty="0"/>
+              <a:t>SEDS USA Board Goals</a:t>
             </a:r>
+          </a:p>
+        </p:txBody>
+      </p:sp>
+      <p:sp>
+        <p:nvSpPr>
+          <p:cNvPr id="3" name="TextBox 2">
+            <a:extLst>
+              <a:ext uri="{FF2B5EF4-FFF2-40B4-BE49-F238E27FC236}">
+                <a16:creationId xmlns:a16="http://schemas.microsoft.com/office/drawing/2014/main" id="{E915F114-AD7C-4300-8BC5-38465870F0C8}"/>
+              </a:ext>
+            </a:extLst>
+          </p:cNvPr>
+          <p:cNvSpPr txBox="1"/>
+          <p:nvPr/>
+        </p:nvSpPr>
+        <p:spPr>
+          <a:xfrm>
+            <a:off x="3235570" y="1225900"/>
+            <a:ext cx="5168986" cy="1200329"/>
+          </a:xfrm>
+          <a:prstGeom prst="rect">
+            <a:avLst/>
+          </a:prstGeom>
+          <a:noFill/>
+        </p:spPr>
+        <p:txBody>
+          <a:bodyPr wrap="square" rtlCol="0">
+            <a:spAutoFit/>
+          </a:bodyPr>
+          <a:lstStyle/>
+          <a:p>
+            <a:pPr marL="342900" indent="-342900">
+              <a:buFont typeface="+mj-lt"/>
+              <a:buAutoNum type="arabicPeriod"/>
+            </a:pPr>
             <a:r>
-              <a:rPr lang="en-US" sz="1050" dirty="0"/>
-              <a:t>To develop new initiatives/projects to increase the impact of SEDS nationwide</a:t>
+              <a:rPr lang="en-US" dirty="0"/>
+              <a:t>Create a stronger chapter community with the implementation of chapter regions</a:t>
+            </a:r>
+          </a:p>
+          <a:p>
+            <a:pPr marL="342900" indent="-342900">
+              <a:buFont typeface="+mj-lt"/>
+              <a:buAutoNum type="arabicPeriod"/>
+            </a:pPr>
+            <a:r>
+              <a:rPr lang="en-US" dirty="0"/>
+              <a:t>Increase our fundraising efforts to enable greater support to </a:t>
             </a:r>
           </a:p>
         </p:txBody>
@@ -8803,7 +9144,7 @@
     </p:spTree>
     <p:extLst>
       <p:ext uri="{BB962C8B-B14F-4D97-AF65-F5344CB8AC3E}">
-        <p14:creationId xmlns:p14="http://schemas.microsoft.com/office/powerpoint/2010/main" val="3668730004"/>
+        <p14:creationId xmlns:p14="http://schemas.microsoft.com/office/powerpoint/2010/main" val="1830372659"/>
       </p:ext>
     </p:extLst>
   </p:cSld>
@@ -15235,7 +15576,7 @@
     </p:spTree>
     <p:extLst>
       <p:ext uri="{BB962C8B-B14F-4D97-AF65-F5344CB8AC3E}">
-        <p14:creationId xmlns:p14="http://schemas.microsoft.com/office/powerpoint/2010/main" val="1830372659"/>
+        <p14:creationId xmlns:p14="http://schemas.microsoft.com/office/powerpoint/2010/main" val="2701715823"/>
       </p:ext>
     </p:extLst>
   </p:cSld>
@@ -18444,7 +18785,7 @@
         <p:spPr>
           <a:xfrm>
             <a:off x="7229024" y="259172"/>
-            <a:ext cx="2652231" cy="1569660"/>
+            <a:ext cx="2652231" cy="1754326"/>
           </a:xfrm>
           <a:prstGeom prst="rect">
             <a:avLst/>
@@ -18640,6 +18981,27 @@
               </a:rPr>
               <a:t> Clarkson</a:t>
             </a:r>
+          </a:p>
+          <a:p>
+            <a:pPr fontAlgn="base">
+              <a:buFont typeface="+mj-lt"/>
+              <a:buAutoNum type="arabicPeriod"/>
+            </a:pPr>
+            <a:r>
+              <a:rPr lang="en-US" sz="1200">
+                <a:solidFill>
+                  <a:srgbClr val="000000"/>
+                </a:solidFill>
+                <a:latin typeface="Calibri" panose="020F0502020204030204" pitchFamily="34" charset="0"/>
+              </a:rPr>
+              <a:t>Matthew </a:t>
+            </a:r>
+            <a:endParaRPr lang="en-US" sz="1200" dirty="0">
+              <a:solidFill>
+                <a:srgbClr val="000000"/>
+              </a:solidFill>
+              <a:latin typeface="Calibri" panose="020F0502020204030204" pitchFamily="34" charset="0"/>
+            </a:endParaRPr>
           </a:p>
         </p:txBody>
       </p:sp>
@@ -23422,6 +23784,15 @@
 </file>
 
 <file path=customXml/item1.xml><?xml version="1.0" encoding="utf-8"?>
+<?mso-contentType ?>
+<FormTemplates xmlns="http://schemas.microsoft.com/sharepoint/v3/contenttype/forms">
+  <Display>DocumentLibraryForm</Display>
+  <Edit>DocumentLibraryForm</Edit>
+  <New>DocumentLibraryForm</New>
+</FormTemplates>
+</file>
+
+<file path=customXml/item2.xml><?xml version="1.0" encoding="utf-8"?>
 <ct:contentTypeSchema xmlns:ct="http://schemas.microsoft.com/office/2006/metadata/contentType" xmlns:ma="http://schemas.microsoft.com/office/2006/metadata/properties/metaAttributes" ct:_="" ma:_="" ma:contentTypeName="Document" ma:contentTypeID="0x01010079F111ED35F8CC479449609E8A0923A6" ma:contentTypeVersion="11" ma:contentTypeDescription="Create a new document." ma:contentTypeScope="" ma:versionID="9677210f24a1be23c92c90fd886aa0aa">
   <xsd:schema xmlns:xsd="http://www.w3.org/2001/XMLSchema" xmlns:xs="http://www.w3.org/2001/XMLSchema" xmlns:p="http://schemas.microsoft.com/office/2006/metadata/properties" xmlns:ns2="71af3243-3dd4-4a8d-8c0d-dd76da1f02a5" xmlns:ns3="16c05727-aa75-4e4a-9b5f-8a80a1165891" targetNamespace="http://schemas.microsoft.com/office/2006/metadata/properties" ma:root="true" ma:fieldsID="60e05723c5c1908df1a1a4ebf11d344e" ns2:_="" ns3:_="">
     <xsd:import namespace="71af3243-3dd4-4a8d-8c0d-dd76da1f02a5"/>
@@ -23632,15 +24003,6 @@
 </ct:contentTypeSchema>
 </file>
 
-<file path=customXml/item2.xml><?xml version="1.0" encoding="utf-8"?>
-<?mso-contentType ?>
-<FormTemplates xmlns="http://schemas.microsoft.com/sharepoint/v3/contenttype/forms">
-  <Display>DocumentLibraryForm</Display>
-  <Edit>DocumentLibraryForm</Edit>
-  <New>DocumentLibraryForm</New>
-</FormTemplates>
-</file>
-
 <file path=customXml/item3.xml><?xml version="1.0" encoding="utf-8"?>
 <p:properties xmlns:p="http://schemas.microsoft.com/office/2006/metadata/properties" xmlns:xsi="http://www.w3.org/2001/XMLSchema-instance" xmlns:pc="http://schemas.microsoft.com/office/infopath/2007/PartnerControls">
   <documentManagement>
@@ -23650,6 +24012,14 @@
 </file>
 
 <file path=customXml/itemProps1.xml><?xml version="1.0" encoding="utf-8"?>
+<ds:datastoreItem xmlns:ds="http://schemas.openxmlformats.org/officeDocument/2006/customXml" ds:itemID="{9082A0F6-5C05-4A60-9DD8-B772877A4F89}">
+  <ds:schemaRefs>
+    <ds:schemaRef ds:uri="http://schemas.microsoft.com/sharepoint/v3/contenttype/forms"/>
+  </ds:schemaRefs>
+</ds:datastoreItem>
+</file>
+
+<file path=customXml/itemProps2.xml><?xml version="1.0" encoding="utf-8"?>
 <ds:datastoreItem xmlns:ds="http://schemas.openxmlformats.org/officeDocument/2006/customXml" ds:itemID="{840DE65C-3715-41A1-996C-103EA7902D46}">
   <ds:schemaRefs>
     <ds:schemaRef ds:uri="http://schemas.microsoft.com/office/2006/metadata/contentType"/>
@@ -23664,14 +24034,6 @@
     <ds:schemaRef ds:uri="http://purl.org/dc/elements/1.1/"/>
     <ds:schemaRef ds:uri="http://purl.org/dc/terms/"/>
     <ds:schemaRef ds:uri="http://schemas.microsoft.com/internal/obd"/>
-  </ds:schemaRefs>
-</ds:datastoreItem>
-</file>
-
-<file path=customXml/itemProps2.xml><?xml version="1.0" encoding="utf-8"?>
-<ds:datastoreItem xmlns:ds="http://schemas.openxmlformats.org/officeDocument/2006/customXml" ds:itemID="{9082A0F6-5C05-4A60-9DD8-B772877A4F89}">
-  <ds:schemaRefs>
-    <ds:schemaRef ds:uri="http://schemas.microsoft.com/sharepoint/v3/contenttype/forms"/>
   </ds:schemaRefs>
 </ds:datastoreItem>
 </file>

--- a/SEDSUSA/SEDS USA Organization Chart.pptx
+++ b/SEDSUSA/SEDS USA Organization Chart.pptx
@@ -221,7 +221,7 @@
           <a:p>
             <a:fld id="{CB7AD89C-BB88-48A3-A1C9-D13CF625B286}" type="datetimeFigureOut">
               <a:rPr lang="en-US" smtClean="0"/>
-              <a:t>11/15/2019</a:t>
+              <a:t>11/19/2019</a:t>
             </a:fld>
             <a:endParaRPr lang="en-US" dirty="0"/>
           </a:p>
@@ -398,7 +398,7 @@
           <a:p>
             <a:fld id="{EFD09F21-8F1F-4129-8AEA-7EF5D9ADF331}" type="datetimeFigureOut">
               <a:rPr lang="en-US" smtClean="0"/>
-              <a:t>11/15/2019</a:t>
+              <a:t>11/19/2019</a:t>
             </a:fld>
             <a:endParaRPr lang="en-US" dirty="0"/>
           </a:p>
@@ -981,7 +981,7 @@
           <a:p>
             <a:fld id="{74929172-4BF7-429F-BA25-7E9D1A4215EE}" type="datetimeFigureOut">
               <a:rPr lang="en-US" noProof="0" smtClean="0"/>
-              <a:t>11/15/2019</a:t>
+              <a:t>11/19/2019</a:t>
             </a:fld>
             <a:endParaRPr lang="en-US" noProof="0" dirty="0"/>
           </a:p>
@@ -1319,7 +1319,7 @@
           <a:p>
             <a:fld id="{74929172-4BF7-429F-BA25-7E9D1A4215EE}" type="datetimeFigureOut">
               <a:rPr lang="en-US" noProof="0" smtClean="0"/>
-              <a:t>11/15/2019</a:t>
+              <a:t>11/19/2019</a:t>
             </a:fld>
             <a:endParaRPr lang="en-US" noProof="0" dirty="0"/>
           </a:p>
@@ -1596,7 +1596,7 @@
           <a:p>
             <a:fld id="{74929172-4BF7-429F-BA25-7E9D1A4215EE}" type="datetimeFigureOut">
               <a:rPr lang="en-US" noProof="0" smtClean="0"/>
-              <a:t>11/15/2019</a:t>
+              <a:t>11/19/2019</a:t>
             </a:fld>
             <a:endParaRPr lang="en-US" noProof="0" dirty="0"/>
           </a:p>
@@ -2163,7 +2163,7 @@
           <a:p>
             <a:fld id="{74929172-4BF7-429F-BA25-7E9D1A4215EE}" type="datetimeFigureOut">
               <a:rPr lang="en-US" noProof="0" smtClean="0"/>
-              <a:t>11/15/2019</a:t>
+              <a:t>11/19/2019</a:t>
             </a:fld>
             <a:endParaRPr lang="en-US" noProof="0" dirty="0"/>
           </a:p>
@@ -2440,7 +2440,7 @@
           <a:p>
             <a:fld id="{74929172-4BF7-429F-BA25-7E9D1A4215EE}" type="datetimeFigureOut">
               <a:rPr lang="en-US" noProof="0" smtClean="0"/>
-              <a:t>11/15/2019</a:t>
+              <a:t>11/19/2019</a:t>
             </a:fld>
             <a:endParaRPr lang="en-US" noProof="0" dirty="0"/>
           </a:p>
@@ -3001,7 +3001,7 @@
           <a:p>
             <a:fld id="{74929172-4BF7-429F-BA25-7E9D1A4215EE}" type="datetimeFigureOut">
               <a:rPr lang="en-US" noProof="0" smtClean="0"/>
-              <a:t>11/15/2019</a:t>
+              <a:t>11/19/2019</a:t>
             </a:fld>
             <a:endParaRPr lang="en-US" noProof="0" dirty="0"/>
           </a:p>
@@ -3327,7 +3327,7 @@
           <a:p>
             <a:fld id="{74929172-4BF7-429F-BA25-7E9D1A4215EE}" type="datetimeFigureOut">
               <a:rPr lang="en-US" noProof="0" smtClean="0"/>
-              <a:t>11/15/2019</a:t>
+              <a:t>11/19/2019</a:t>
             </a:fld>
             <a:endParaRPr lang="en-US" noProof="0" dirty="0"/>
           </a:p>
@@ -3503,7 +3503,7 @@
           <a:p>
             <a:fld id="{74929172-4BF7-429F-BA25-7E9D1A4215EE}" type="datetimeFigureOut">
               <a:rPr lang="en-US" noProof="0" smtClean="0"/>
-              <a:t>11/15/2019</a:t>
+              <a:t>11/19/2019</a:t>
             </a:fld>
             <a:endParaRPr lang="en-US" noProof="0" dirty="0"/>
           </a:p>
@@ -3738,7 +3738,7 @@
           <a:p>
             <a:fld id="{74929172-4BF7-429F-BA25-7E9D1A4215EE}" type="datetimeFigureOut">
               <a:rPr lang="en-US" noProof="0" smtClean="0"/>
-              <a:t>11/15/2019</a:t>
+              <a:t>11/19/2019</a:t>
             </a:fld>
             <a:endParaRPr lang="en-US" noProof="0" dirty="0"/>
           </a:p>
@@ -3941,7 +3941,7 @@
           <a:p>
             <a:fld id="{74929172-4BF7-429F-BA25-7E9D1A4215EE}" type="datetimeFigureOut">
               <a:rPr lang="en-US" noProof="0" smtClean="0"/>
-              <a:t>11/15/2019</a:t>
+              <a:t>11/19/2019</a:t>
             </a:fld>
             <a:endParaRPr lang="en-US" noProof="0" dirty="0"/>
           </a:p>
@@ -4216,7 +4216,7 @@
           <a:p>
             <a:fld id="{74929172-4BF7-429F-BA25-7E9D1A4215EE}" type="datetimeFigureOut">
               <a:rPr lang="en-US" noProof="0" smtClean="0"/>
-              <a:t>11/15/2019</a:t>
+              <a:t>11/19/2019</a:t>
             </a:fld>
             <a:endParaRPr lang="en-US" noProof="0" dirty="0"/>
           </a:p>
@@ -4484,7 +4484,7 @@
           <a:p>
             <a:fld id="{74929172-4BF7-429F-BA25-7E9D1A4215EE}" type="datetimeFigureOut">
               <a:rPr lang="en-US" noProof="0" smtClean="0"/>
-              <a:t>11/15/2019</a:t>
+              <a:t>11/19/2019</a:t>
             </a:fld>
             <a:endParaRPr lang="en-US" noProof="0" dirty="0"/>
           </a:p>
@@ -4855,7 +4855,7 @@
           <a:p>
             <a:fld id="{74929172-4BF7-429F-BA25-7E9D1A4215EE}" type="datetimeFigureOut">
               <a:rPr lang="en-US" noProof="0" smtClean="0"/>
-              <a:t>11/15/2019</a:t>
+              <a:t>11/19/2019</a:t>
             </a:fld>
             <a:endParaRPr lang="en-US" noProof="0" dirty="0"/>
           </a:p>
@@ -5002,7 +5002,7 @@
           <a:p>
             <a:fld id="{74929172-4BF7-429F-BA25-7E9D1A4215EE}" type="datetimeFigureOut">
               <a:rPr lang="en-US" noProof="0" smtClean="0"/>
-              <a:t>11/15/2019</a:t>
+              <a:t>11/19/2019</a:t>
             </a:fld>
             <a:endParaRPr lang="en-US" noProof="0" dirty="0"/>
           </a:p>
@@ -5127,7 +5127,7 @@
           <a:p>
             <a:fld id="{74929172-4BF7-429F-BA25-7E9D1A4215EE}" type="datetimeFigureOut">
               <a:rPr lang="en-US" noProof="0" smtClean="0"/>
-              <a:t>11/15/2019</a:t>
+              <a:t>11/19/2019</a:t>
             </a:fld>
             <a:endParaRPr lang="en-US" noProof="0" dirty="0"/>
           </a:p>
@@ -5415,7 +5415,7 @@
           <a:p>
             <a:fld id="{74929172-4BF7-429F-BA25-7E9D1A4215EE}" type="datetimeFigureOut">
               <a:rPr lang="en-US" noProof="0" smtClean="0"/>
-              <a:t>11/15/2019</a:t>
+              <a:t>11/19/2019</a:t>
             </a:fld>
             <a:endParaRPr lang="en-US" noProof="0" dirty="0"/>
           </a:p>
@@ -5743,7 +5743,7 @@
           <a:p>
             <a:fld id="{74929172-4BF7-429F-BA25-7E9D1A4215EE}" type="datetimeFigureOut">
               <a:rPr lang="en-US" noProof="0" smtClean="0"/>
-              <a:t>11/15/2019</a:t>
+              <a:t>11/19/2019</a:t>
             </a:fld>
             <a:endParaRPr lang="en-US" noProof="0" dirty="0"/>
           </a:p>
@@ -5955,7 +5955,7 @@
           <a:p>
             <a:fld id="{74929172-4BF7-429F-BA25-7E9D1A4215EE}" type="datetimeFigureOut">
               <a:rPr lang="en-US" noProof="0" smtClean="0"/>
-              <a:t>11/15/2019</a:t>
+              <a:t>11/19/2019</a:t>
             </a:fld>
             <a:endParaRPr lang="en-US" noProof="0" dirty="0"/>
           </a:p>
@@ -8730,7 +8730,7 @@
                     <a:schemeClr val="tx1"/>
                   </a:solidFill>
                 </a:rPr>
-                <a:t>NOVEMBER</a:t>
+                <a:t>DECEMBER</a:t>
               </a:r>
             </a:p>
           </p:txBody>
@@ -10224,7 +10224,7 @@
                     <a:schemeClr val="tx1"/>
                   </a:solidFill>
                 </a:rPr>
-                <a:t>DECEMBER</a:t>
+                <a:t>JANUARY</a:t>
               </a:r>
             </a:p>
           </p:txBody>
@@ -10899,7 +10899,7 @@
                     <a:schemeClr val="tx1"/>
                   </a:solidFill>
                 </a:rPr>
-                <a:t>NOVEMBER</a:t>
+                <a:t>DECEMBER</a:t>
               </a:r>
             </a:p>
           </p:txBody>
@@ -13478,7 +13478,7 @@
         </p:nvSpPr>
         <p:spPr>
           <a:xfrm>
-            <a:off x="4893409" y="6911517"/>
+            <a:off x="2178698" y="6873950"/>
             <a:ext cx="2399308" cy="792525"/>
           </a:xfrm>
           <a:prstGeom prst="rect">
@@ -13809,7 +13809,7 @@
                     <a:schemeClr val="tx1"/>
                   </a:solidFill>
                 </a:rPr>
-                <a:t>NOVEMBER</a:t>
+                <a:t>JANUARY</a:t>
               </a:r>
             </a:p>
           </p:txBody>
@@ -14803,6 +14803,194 @@
           </a:fontRef>
         </p:style>
       </p:cxnSp>
+      <p:sp>
+        <p:nvSpPr>
+          <p:cNvPr id="2" name="TextBox 1">
+            <a:extLst>
+              <a:ext uri="{FF2B5EF4-FFF2-40B4-BE49-F238E27FC236}">
+                <a16:creationId xmlns:a16="http://schemas.microsoft.com/office/drawing/2014/main" id="{B1BA8A7B-D0E2-432C-A1BD-F425B65F98F3}"/>
+              </a:ext>
+            </a:extLst>
+          </p:cNvPr>
+          <p:cNvSpPr txBox="1"/>
+          <p:nvPr/>
+        </p:nvSpPr>
+        <p:spPr>
+          <a:xfrm>
+            <a:off x="4905479" y="6204016"/>
+            <a:ext cx="2769506" cy="1169551"/>
+          </a:xfrm>
+          <a:prstGeom prst="rect">
+            <a:avLst/>
+          </a:prstGeom>
+          <a:noFill/>
+        </p:spPr>
+        <p:txBody>
+          <a:bodyPr wrap="square" rtlCol="0">
+            <a:spAutoFit/>
+          </a:bodyPr>
+          <a:lstStyle/>
+          <a:p>
+            <a:r>
+              <a:rPr lang="en-US" sz="1400" u="sng" dirty="0"/>
+              <a:t>November</a:t>
+            </a:r>
+          </a:p>
+          <a:p>
+            <a:r>
+              <a:rPr lang="en-US" sz="1400" dirty="0"/>
+              <a:t>Director of Development</a:t>
+            </a:r>
+          </a:p>
+          <a:p>
+            <a:r>
+              <a:rPr lang="en-US" sz="1400" dirty="0"/>
+              <a:t>Director of Projects</a:t>
+            </a:r>
+          </a:p>
+          <a:p>
+            <a:r>
+              <a:rPr lang="en-US" sz="1400" dirty="0"/>
+              <a:t>Social Media Coordinator</a:t>
+            </a:r>
+          </a:p>
+          <a:p>
+            <a:r>
+              <a:rPr lang="en-US" sz="1400" dirty="0"/>
+              <a:t>Diversity and Inclusion Manager</a:t>
+            </a:r>
+          </a:p>
+        </p:txBody>
+      </p:sp>
+      <p:sp>
+        <p:nvSpPr>
+          <p:cNvPr id="149" name="TextBox 148">
+            <a:extLst>
+              <a:ext uri="{FF2B5EF4-FFF2-40B4-BE49-F238E27FC236}">
+                <a16:creationId xmlns:a16="http://schemas.microsoft.com/office/drawing/2014/main" id="{47737143-6D09-4AD5-B133-E565DAFABF03}"/>
+              </a:ext>
+            </a:extLst>
+          </p:cNvPr>
+          <p:cNvSpPr txBox="1"/>
+          <p:nvPr/>
+        </p:nvSpPr>
+        <p:spPr>
+          <a:xfrm>
+            <a:off x="7403891" y="6204016"/>
+            <a:ext cx="2769506" cy="1169551"/>
+          </a:xfrm>
+          <a:prstGeom prst="rect">
+            <a:avLst/>
+          </a:prstGeom>
+          <a:noFill/>
+        </p:spPr>
+        <p:txBody>
+          <a:bodyPr wrap="square" rtlCol="0">
+            <a:spAutoFit/>
+          </a:bodyPr>
+          <a:lstStyle/>
+          <a:p>
+            <a:r>
+              <a:rPr lang="en-US" sz="1400" u="sng" dirty="0"/>
+              <a:t>December</a:t>
+            </a:r>
+          </a:p>
+          <a:p>
+            <a:r>
+              <a:rPr lang="en-US" sz="1400" dirty="0"/>
+              <a:t>Alumni Coordinator</a:t>
+            </a:r>
+          </a:p>
+          <a:p>
+            <a:r>
+              <a:rPr lang="en-US" sz="1400" dirty="0"/>
+              <a:t>Wiki Manager</a:t>
+            </a:r>
+          </a:p>
+          <a:p>
+            <a:r>
+              <a:rPr lang="en-US" sz="1400" dirty="0"/>
+              <a:t>USA Chapter Expansion Manager</a:t>
+            </a:r>
+          </a:p>
+          <a:p>
+            <a:r>
+              <a:rPr lang="en-US" sz="1400" dirty="0"/>
+              <a:t>Strategic Partnership Coordinator</a:t>
+            </a:r>
+          </a:p>
+        </p:txBody>
+      </p:sp>
+      <p:sp>
+        <p:nvSpPr>
+          <p:cNvPr id="171" name="TextBox 170">
+            <a:extLst>
+              <a:ext uri="{FF2B5EF4-FFF2-40B4-BE49-F238E27FC236}">
+                <a16:creationId xmlns:a16="http://schemas.microsoft.com/office/drawing/2014/main" id="{256647EC-B5D6-4BFA-B2E7-A9E7258C58CD}"/>
+              </a:ext>
+            </a:extLst>
+          </p:cNvPr>
+          <p:cNvSpPr txBox="1"/>
+          <p:nvPr/>
+        </p:nvSpPr>
+        <p:spPr>
+          <a:xfrm>
+            <a:off x="7949587" y="4333882"/>
+            <a:ext cx="2217537" cy="1384995"/>
+          </a:xfrm>
+          <a:prstGeom prst="rect">
+            <a:avLst/>
+          </a:prstGeom>
+          <a:noFill/>
+        </p:spPr>
+        <p:txBody>
+          <a:bodyPr wrap="square" rtlCol="0">
+            <a:spAutoFit/>
+          </a:bodyPr>
+          <a:lstStyle/>
+          <a:p>
+            <a:r>
+              <a:rPr lang="en-US" sz="1400" u="sng" dirty="0"/>
+              <a:t>January</a:t>
+            </a:r>
+          </a:p>
+          <a:p>
+            <a:r>
+              <a:rPr lang="en-US" sz="1400" dirty="0"/>
+              <a:t>Int. Chapter Expansion </a:t>
+            </a:r>
+            <a:r>
+              <a:rPr lang="en-US" sz="1400" dirty="0" err="1"/>
+              <a:t>Mgr</a:t>
+            </a:r>
+            <a:endParaRPr lang="en-US" sz="1400" dirty="0"/>
+          </a:p>
+          <a:p>
+            <a:r>
+              <a:rPr lang="en-US" sz="1400" dirty="0"/>
+              <a:t>Job Site Developer</a:t>
+            </a:r>
+          </a:p>
+          <a:p>
+            <a:r>
+              <a:rPr lang="en-US" sz="1400" dirty="0"/>
+              <a:t>Director of Fundraising</a:t>
+            </a:r>
+          </a:p>
+          <a:p>
+            <a:r>
+              <a:rPr lang="en-US" sz="1400" dirty="0"/>
+              <a:t>SEDS USA Fundraiser</a:t>
+            </a:r>
+          </a:p>
+          <a:p>
+            <a:r>
+              <a:rPr lang="en-US" sz="1400" dirty="0"/>
+              <a:t>Grant Manager</a:t>
+            </a:r>
+          </a:p>
+        </p:txBody>
+      </p:sp>
     </p:spTree>
     <p:extLst>
       <p:ext uri="{BB962C8B-B14F-4D97-AF65-F5344CB8AC3E}">
@@ -15656,11 +15844,12 @@
 </file>
 
 <file path=customXml/item1.xml><?xml version="1.0" encoding="utf-8"?>
-<p:properties xmlns:p="http://schemas.microsoft.com/office/2006/metadata/properties" xmlns:xsi="http://www.w3.org/2001/XMLSchema-instance" xmlns:pc="http://schemas.microsoft.com/office/infopath/2007/PartnerControls">
-  <documentManagement>
-    <MediaServiceKeyPoints xmlns="71af3243-3dd4-4a8d-8c0d-dd76da1f02a5" xsi:nil="true"/>
-  </documentManagement>
-</p:properties>
+<?mso-contentType ?>
+<FormTemplates xmlns="http://schemas.microsoft.com/sharepoint/v3/contenttype/forms">
+  <Display>DocumentLibraryForm</Display>
+  <Edit>DocumentLibraryForm</Edit>
+  <New>DocumentLibraryForm</New>
+</FormTemplates>
 </file>
 
 <file path=customXml/item2.xml><?xml version="1.0" encoding="utf-8"?>
@@ -15875,27 +16064,17 @@
 </file>
 
 <file path=customXml/item3.xml><?xml version="1.0" encoding="utf-8"?>
-<?mso-contentType ?>
-<FormTemplates xmlns="http://schemas.microsoft.com/sharepoint/v3/contenttype/forms">
-  <Display>DocumentLibraryForm</Display>
-  <Edit>DocumentLibraryForm</Edit>
-  <New>DocumentLibraryForm</New>
-</FormTemplates>
+<p:properties xmlns:p="http://schemas.microsoft.com/office/2006/metadata/properties" xmlns:xsi="http://www.w3.org/2001/XMLSchema-instance" xmlns:pc="http://schemas.microsoft.com/office/infopath/2007/PartnerControls">
+  <documentManagement>
+    <MediaServiceKeyPoints xmlns="71af3243-3dd4-4a8d-8c0d-dd76da1f02a5" xsi:nil="true"/>
+  </documentManagement>
+</p:properties>
 </file>
 
 <file path=customXml/itemProps1.xml><?xml version="1.0" encoding="utf-8"?>
-<ds:datastoreItem xmlns:ds="http://schemas.openxmlformats.org/officeDocument/2006/customXml" ds:itemID="{3C2AD4FE-5267-4953-9D66-004581AED1F0}">
+<ds:datastoreItem xmlns:ds="http://schemas.openxmlformats.org/officeDocument/2006/customXml" ds:itemID="{9082A0F6-5C05-4A60-9DD8-B772877A4F89}">
   <ds:schemaRefs>
-    <ds:schemaRef ds:uri="http://schemas.microsoft.com/office/2006/metadata/properties"/>
-    <ds:schemaRef ds:uri="16c05727-aa75-4e4a-9b5f-8a80a1165891"/>
-    <ds:schemaRef ds:uri="http://purl.org/dc/elements/1.1/"/>
-    <ds:schemaRef ds:uri="71af3243-3dd4-4a8d-8c0d-dd76da1f02a5"/>
-    <ds:schemaRef ds:uri="http://schemas.microsoft.com/office/infopath/2007/PartnerControls"/>
-    <ds:schemaRef ds:uri="http://schemas.microsoft.com/office/2006/documentManagement/types"/>
-    <ds:schemaRef ds:uri="http://www.w3.org/XML/1998/namespace"/>
-    <ds:schemaRef ds:uri="http://schemas.openxmlformats.org/package/2006/metadata/core-properties"/>
-    <ds:schemaRef ds:uri="http://purl.org/dc/dcmitype/"/>
-    <ds:schemaRef ds:uri="http://purl.org/dc/terms/"/>
+    <ds:schemaRef ds:uri="http://schemas.microsoft.com/sharepoint/v3/contenttype/forms"/>
   </ds:schemaRefs>
 </ds:datastoreItem>
 </file>
@@ -15920,9 +16099,18 @@
 </file>
 
 <file path=customXml/itemProps3.xml><?xml version="1.0" encoding="utf-8"?>
-<ds:datastoreItem xmlns:ds="http://schemas.openxmlformats.org/officeDocument/2006/customXml" ds:itemID="{9082A0F6-5C05-4A60-9DD8-B772877A4F89}">
+<ds:datastoreItem xmlns:ds="http://schemas.openxmlformats.org/officeDocument/2006/customXml" ds:itemID="{3C2AD4FE-5267-4953-9D66-004581AED1F0}">
   <ds:schemaRefs>
-    <ds:schemaRef ds:uri="http://schemas.microsoft.com/sharepoint/v3/contenttype/forms"/>
+    <ds:schemaRef ds:uri="http://schemas.microsoft.com/office/2006/metadata/properties"/>
+    <ds:schemaRef ds:uri="16c05727-aa75-4e4a-9b5f-8a80a1165891"/>
+    <ds:schemaRef ds:uri="http://purl.org/dc/elements/1.1/"/>
+    <ds:schemaRef ds:uri="71af3243-3dd4-4a8d-8c0d-dd76da1f02a5"/>
+    <ds:schemaRef ds:uri="http://schemas.microsoft.com/office/infopath/2007/PartnerControls"/>
+    <ds:schemaRef ds:uri="http://schemas.microsoft.com/office/2006/documentManagement/types"/>
+    <ds:schemaRef ds:uri="http://www.w3.org/XML/1998/namespace"/>
+    <ds:schemaRef ds:uri="http://schemas.openxmlformats.org/package/2006/metadata/core-properties"/>
+    <ds:schemaRef ds:uri="http://purl.org/dc/dcmitype/"/>
+    <ds:schemaRef ds:uri="http://purl.org/dc/terms/"/>
   </ds:schemaRefs>
 </ds:datastoreItem>
 </file>
--- a/SEDSUSA/SEDS USA Organization Chart.pptx
+++ b/SEDSUSA/SEDS USA Organization Chart.pptx
@@ -221,7 +221,7 @@
           <a:p>
             <a:fld id="{CB7AD89C-BB88-48A3-A1C9-D13CF625B286}" type="datetimeFigureOut">
               <a:rPr lang="en-US" smtClean="0"/>
-              <a:t>11/19/2019</a:t>
+              <a:t>11/20/2019</a:t>
             </a:fld>
             <a:endParaRPr lang="en-US" dirty="0"/>
           </a:p>
@@ -398,7 +398,7 @@
           <a:p>
             <a:fld id="{EFD09F21-8F1F-4129-8AEA-7EF5D9ADF331}" type="datetimeFigureOut">
               <a:rPr lang="en-US" smtClean="0"/>
-              <a:t>11/19/2019</a:t>
+              <a:t>11/20/2019</a:t>
             </a:fld>
             <a:endParaRPr lang="en-US" dirty="0"/>
           </a:p>
@@ -981,7 +981,7 @@
           <a:p>
             <a:fld id="{74929172-4BF7-429F-BA25-7E9D1A4215EE}" type="datetimeFigureOut">
               <a:rPr lang="en-US" noProof="0" smtClean="0"/>
-              <a:t>11/19/2019</a:t>
+              <a:t>11/20/2019</a:t>
             </a:fld>
             <a:endParaRPr lang="en-US" noProof="0" dirty="0"/>
           </a:p>
@@ -1319,7 +1319,7 @@
           <a:p>
             <a:fld id="{74929172-4BF7-429F-BA25-7E9D1A4215EE}" type="datetimeFigureOut">
               <a:rPr lang="en-US" noProof="0" smtClean="0"/>
-              <a:t>11/19/2019</a:t>
+              <a:t>11/20/2019</a:t>
             </a:fld>
             <a:endParaRPr lang="en-US" noProof="0" dirty="0"/>
           </a:p>
@@ -1596,7 +1596,7 @@
           <a:p>
             <a:fld id="{74929172-4BF7-429F-BA25-7E9D1A4215EE}" type="datetimeFigureOut">
               <a:rPr lang="en-US" noProof="0" smtClean="0"/>
-              <a:t>11/19/2019</a:t>
+              <a:t>11/20/2019</a:t>
             </a:fld>
             <a:endParaRPr lang="en-US" noProof="0" dirty="0"/>
           </a:p>
@@ -2163,7 +2163,7 @@
           <a:p>
             <a:fld id="{74929172-4BF7-429F-BA25-7E9D1A4215EE}" type="datetimeFigureOut">
               <a:rPr lang="en-US" noProof="0" smtClean="0"/>
-              <a:t>11/19/2019</a:t>
+              <a:t>11/20/2019</a:t>
             </a:fld>
             <a:endParaRPr lang="en-US" noProof="0" dirty="0"/>
           </a:p>
@@ -2440,7 +2440,7 @@
           <a:p>
             <a:fld id="{74929172-4BF7-429F-BA25-7E9D1A4215EE}" type="datetimeFigureOut">
               <a:rPr lang="en-US" noProof="0" smtClean="0"/>
-              <a:t>11/19/2019</a:t>
+              <a:t>11/20/2019</a:t>
             </a:fld>
             <a:endParaRPr lang="en-US" noProof="0" dirty="0"/>
           </a:p>
@@ -3001,7 +3001,7 @@
           <a:p>
             <a:fld id="{74929172-4BF7-429F-BA25-7E9D1A4215EE}" type="datetimeFigureOut">
               <a:rPr lang="en-US" noProof="0" smtClean="0"/>
-              <a:t>11/19/2019</a:t>
+              <a:t>11/20/2019</a:t>
             </a:fld>
             <a:endParaRPr lang="en-US" noProof="0" dirty="0"/>
           </a:p>
@@ -3327,7 +3327,7 @@
           <a:p>
             <a:fld id="{74929172-4BF7-429F-BA25-7E9D1A4215EE}" type="datetimeFigureOut">
               <a:rPr lang="en-US" noProof="0" smtClean="0"/>
-              <a:t>11/19/2019</a:t>
+              <a:t>11/20/2019</a:t>
             </a:fld>
             <a:endParaRPr lang="en-US" noProof="0" dirty="0"/>
           </a:p>
@@ -3503,7 +3503,7 @@
           <a:p>
             <a:fld id="{74929172-4BF7-429F-BA25-7E9D1A4215EE}" type="datetimeFigureOut">
               <a:rPr lang="en-US" noProof="0" smtClean="0"/>
-              <a:t>11/19/2019</a:t>
+              <a:t>11/20/2019</a:t>
             </a:fld>
             <a:endParaRPr lang="en-US" noProof="0" dirty="0"/>
           </a:p>
@@ -3738,7 +3738,7 @@
           <a:p>
             <a:fld id="{74929172-4BF7-429F-BA25-7E9D1A4215EE}" type="datetimeFigureOut">
               <a:rPr lang="en-US" noProof="0" smtClean="0"/>
-              <a:t>11/19/2019</a:t>
+              <a:t>11/20/2019</a:t>
             </a:fld>
             <a:endParaRPr lang="en-US" noProof="0" dirty="0"/>
           </a:p>
@@ -3941,7 +3941,7 @@
           <a:p>
             <a:fld id="{74929172-4BF7-429F-BA25-7E9D1A4215EE}" type="datetimeFigureOut">
               <a:rPr lang="en-US" noProof="0" smtClean="0"/>
-              <a:t>11/19/2019</a:t>
+              <a:t>11/20/2019</a:t>
             </a:fld>
             <a:endParaRPr lang="en-US" noProof="0" dirty="0"/>
           </a:p>
@@ -4216,7 +4216,7 @@
           <a:p>
             <a:fld id="{74929172-4BF7-429F-BA25-7E9D1A4215EE}" type="datetimeFigureOut">
               <a:rPr lang="en-US" noProof="0" smtClean="0"/>
-              <a:t>11/19/2019</a:t>
+              <a:t>11/20/2019</a:t>
             </a:fld>
             <a:endParaRPr lang="en-US" noProof="0" dirty="0"/>
           </a:p>
@@ -4484,7 +4484,7 @@
           <a:p>
             <a:fld id="{74929172-4BF7-429F-BA25-7E9D1A4215EE}" type="datetimeFigureOut">
               <a:rPr lang="en-US" noProof="0" smtClean="0"/>
-              <a:t>11/19/2019</a:t>
+              <a:t>11/20/2019</a:t>
             </a:fld>
             <a:endParaRPr lang="en-US" noProof="0" dirty="0"/>
           </a:p>
@@ -4855,7 +4855,7 @@
           <a:p>
             <a:fld id="{74929172-4BF7-429F-BA25-7E9D1A4215EE}" type="datetimeFigureOut">
               <a:rPr lang="en-US" noProof="0" smtClean="0"/>
-              <a:t>11/19/2019</a:t>
+              <a:t>11/20/2019</a:t>
             </a:fld>
             <a:endParaRPr lang="en-US" noProof="0" dirty="0"/>
           </a:p>
@@ -5002,7 +5002,7 @@
           <a:p>
             <a:fld id="{74929172-4BF7-429F-BA25-7E9D1A4215EE}" type="datetimeFigureOut">
               <a:rPr lang="en-US" noProof="0" smtClean="0"/>
-              <a:t>11/19/2019</a:t>
+              <a:t>11/20/2019</a:t>
             </a:fld>
             <a:endParaRPr lang="en-US" noProof="0" dirty="0"/>
           </a:p>
@@ -5127,7 +5127,7 @@
           <a:p>
             <a:fld id="{74929172-4BF7-429F-BA25-7E9D1A4215EE}" type="datetimeFigureOut">
               <a:rPr lang="en-US" noProof="0" smtClean="0"/>
-              <a:t>11/19/2019</a:t>
+              <a:t>11/20/2019</a:t>
             </a:fld>
             <a:endParaRPr lang="en-US" noProof="0" dirty="0"/>
           </a:p>
@@ -5415,7 +5415,7 @@
           <a:p>
             <a:fld id="{74929172-4BF7-429F-BA25-7E9D1A4215EE}" type="datetimeFigureOut">
               <a:rPr lang="en-US" noProof="0" smtClean="0"/>
-              <a:t>11/19/2019</a:t>
+              <a:t>11/20/2019</a:t>
             </a:fld>
             <a:endParaRPr lang="en-US" noProof="0" dirty="0"/>
           </a:p>
@@ -5743,7 +5743,7 @@
           <a:p>
             <a:fld id="{74929172-4BF7-429F-BA25-7E9D1A4215EE}" type="datetimeFigureOut">
               <a:rPr lang="en-US" noProof="0" smtClean="0"/>
-              <a:t>11/19/2019</a:t>
+              <a:t>11/20/2019</a:t>
             </a:fld>
             <a:endParaRPr lang="en-US" noProof="0" dirty="0"/>
           </a:p>
@@ -5955,7 +5955,7 @@
           <a:p>
             <a:fld id="{74929172-4BF7-429F-BA25-7E9D1A4215EE}" type="datetimeFigureOut">
               <a:rPr lang="en-US" noProof="0" smtClean="0"/>
-              <a:t>11/19/2019</a:t>
+              <a:t>11/20/2019</a:t>
             </a:fld>
             <a:endParaRPr lang="en-US" noProof="0" dirty="0"/>
           </a:p>
@@ -13478,8 +13478,8 @@
         </p:nvSpPr>
         <p:spPr>
           <a:xfrm>
-            <a:off x="2178698" y="6873950"/>
-            <a:ext cx="2399308" cy="792525"/>
+            <a:off x="8129112" y="4160560"/>
+            <a:ext cx="1774568" cy="1115690"/>
           </a:xfrm>
           <a:prstGeom prst="rect">
             <a:avLst/>
@@ -14817,7 +14817,7 @@
         </p:nvSpPr>
         <p:spPr>
           <a:xfrm>
-            <a:off x="4905479" y="6204016"/>
+            <a:off x="2157236" y="6566836"/>
             <a:ext cx="2769506" cy="1169551"/>
           </a:xfrm>
           <a:prstGeom prst="rect">
@@ -14876,7 +14876,7 @@
         </p:nvSpPr>
         <p:spPr>
           <a:xfrm>
-            <a:off x="7403891" y="6204016"/>
+            <a:off x="4716442" y="6594001"/>
             <a:ext cx="2769506" cy="1169551"/>
           </a:xfrm>
           <a:prstGeom prst="rect">
@@ -14935,7 +14935,7 @@
         </p:nvSpPr>
         <p:spPr>
           <a:xfrm>
-            <a:off x="7949587" y="4333882"/>
+            <a:off x="7387612" y="6387405"/>
             <a:ext cx="2217537" cy="1384995"/>
           </a:xfrm>
           <a:prstGeom prst="rect">
@@ -15844,12 +15844,11 @@
 </file>
 
 <file path=customXml/item1.xml><?xml version="1.0" encoding="utf-8"?>
-<?mso-contentType ?>
-<FormTemplates xmlns="http://schemas.microsoft.com/sharepoint/v3/contenttype/forms">
-  <Display>DocumentLibraryForm</Display>
-  <Edit>DocumentLibraryForm</Edit>
-  <New>DocumentLibraryForm</New>
-</FormTemplates>
+<p:properties xmlns:p="http://schemas.microsoft.com/office/2006/metadata/properties" xmlns:xsi="http://www.w3.org/2001/XMLSchema-instance" xmlns:pc="http://schemas.microsoft.com/office/infopath/2007/PartnerControls">
+  <documentManagement>
+    <MediaServiceKeyPoints xmlns="71af3243-3dd4-4a8d-8c0d-dd76da1f02a5" xsi:nil="true"/>
+  </documentManagement>
+</p:properties>
 </file>
 
 <file path=customXml/item2.xml><?xml version="1.0" encoding="utf-8"?>
@@ -16064,17 +16063,27 @@
 </file>
 
 <file path=customXml/item3.xml><?xml version="1.0" encoding="utf-8"?>
-<p:properties xmlns:p="http://schemas.microsoft.com/office/2006/metadata/properties" xmlns:xsi="http://www.w3.org/2001/XMLSchema-instance" xmlns:pc="http://schemas.microsoft.com/office/infopath/2007/PartnerControls">
-  <documentManagement>
-    <MediaServiceKeyPoints xmlns="71af3243-3dd4-4a8d-8c0d-dd76da1f02a5" xsi:nil="true"/>
-  </documentManagement>
-</p:properties>
+<?mso-contentType ?>
+<FormTemplates xmlns="http://schemas.microsoft.com/sharepoint/v3/contenttype/forms">
+  <Display>DocumentLibraryForm</Display>
+  <Edit>DocumentLibraryForm</Edit>
+  <New>DocumentLibraryForm</New>
+</FormTemplates>
 </file>
 
 <file path=customXml/itemProps1.xml><?xml version="1.0" encoding="utf-8"?>
-<ds:datastoreItem xmlns:ds="http://schemas.openxmlformats.org/officeDocument/2006/customXml" ds:itemID="{9082A0F6-5C05-4A60-9DD8-B772877A4F89}">
+<ds:datastoreItem xmlns:ds="http://schemas.openxmlformats.org/officeDocument/2006/customXml" ds:itemID="{3C2AD4FE-5267-4953-9D66-004581AED1F0}">
   <ds:schemaRefs>
-    <ds:schemaRef ds:uri="http://schemas.microsoft.com/sharepoint/v3/contenttype/forms"/>
+    <ds:schemaRef ds:uri="http://schemas.microsoft.com/office/2006/metadata/properties"/>
+    <ds:schemaRef ds:uri="16c05727-aa75-4e4a-9b5f-8a80a1165891"/>
+    <ds:schemaRef ds:uri="http://purl.org/dc/elements/1.1/"/>
+    <ds:schemaRef ds:uri="71af3243-3dd4-4a8d-8c0d-dd76da1f02a5"/>
+    <ds:schemaRef ds:uri="http://schemas.microsoft.com/office/infopath/2007/PartnerControls"/>
+    <ds:schemaRef ds:uri="http://schemas.microsoft.com/office/2006/documentManagement/types"/>
+    <ds:schemaRef ds:uri="http://www.w3.org/XML/1998/namespace"/>
+    <ds:schemaRef ds:uri="http://schemas.openxmlformats.org/package/2006/metadata/core-properties"/>
+    <ds:schemaRef ds:uri="http://purl.org/dc/dcmitype/"/>
+    <ds:schemaRef ds:uri="http://purl.org/dc/terms/"/>
   </ds:schemaRefs>
 </ds:datastoreItem>
 </file>
@@ -16099,18 +16108,9 @@
 </file>
 
 <file path=customXml/itemProps3.xml><?xml version="1.0" encoding="utf-8"?>
-<ds:datastoreItem xmlns:ds="http://schemas.openxmlformats.org/officeDocument/2006/customXml" ds:itemID="{3C2AD4FE-5267-4953-9D66-004581AED1F0}">
+<ds:datastoreItem xmlns:ds="http://schemas.openxmlformats.org/officeDocument/2006/customXml" ds:itemID="{9082A0F6-5C05-4A60-9DD8-B772877A4F89}">
   <ds:schemaRefs>
-    <ds:schemaRef ds:uri="http://schemas.microsoft.com/office/2006/metadata/properties"/>
-    <ds:schemaRef ds:uri="16c05727-aa75-4e4a-9b5f-8a80a1165891"/>
-    <ds:schemaRef ds:uri="http://purl.org/dc/elements/1.1/"/>
-    <ds:schemaRef ds:uri="71af3243-3dd4-4a8d-8c0d-dd76da1f02a5"/>
-    <ds:schemaRef ds:uri="http://schemas.microsoft.com/office/infopath/2007/PartnerControls"/>
-    <ds:schemaRef ds:uri="http://schemas.microsoft.com/office/2006/documentManagement/types"/>
-    <ds:schemaRef ds:uri="http://www.w3.org/XML/1998/namespace"/>
-    <ds:schemaRef ds:uri="http://schemas.openxmlformats.org/package/2006/metadata/core-properties"/>
-    <ds:schemaRef ds:uri="http://purl.org/dc/dcmitype/"/>
-    <ds:schemaRef ds:uri="http://purl.org/dc/terms/"/>
+    <ds:schemaRef ds:uri="http://schemas.microsoft.com/sharepoint/v3/contenttype/forms"/>
   </ds:schemaRefs>
 </ds:datastoreItem>
 </file>
--- a/SEDSUSA/SEDS USA Organization Chart.pptx
+++ b/SEDSUSA/SEDS USA Organization Chart.pptx
@@ -8428,10 +8428,10 @@
         </p:nvGrpSpPr>
         <p:grpSpPr>
           <a:xfrm>
-            <a:off x="2416968" y="4044414"/>
-            <a:ext cx="1600200" cy="449136"/>
-            <a:chOff x="4544127" y="3090121"/>
-            <a:chExt cx="1388313" cy="544407"/>
+            <a:off x="2416970" y="4044414"/>
+            <a:ext cx="1600202" cy="449135"/>
+            <a:chOff x="4544126" y="3090122"/>
+            <a:chExt cx="1388314" cy="544406"/>
           </a:xfrm>
         </p:grpSpPr>
         <p:sp>
@@ -8448,7 +8448,7 @@
           </p:nvSpPr>
           <p:spPr>
             <a:xfrm>
-              <a:off x="4544127" y="3090121"/>
+              <a:off x="4544126" y="3090122"/>
               <a:ext cx="1368000" cy="509451"/>
             </a:xfrm>
             <a:prstGeom prst="rect">
@@ -8517,8 +8517,21 @@
                     <a:schemeClr val="tx1"/>
                   </a:solidFill>
                 </a:rPr>
-                <a:t>NOVEMBER</a:t>
+                <a:t>Prem </a:t>
               </a:r>
+              <a:r>
+                <a:rPr lang="en-US" sz="1000" b="1" dirty="0" err="1">
+                  <a:solidFill>
+                    <a:schemeClr val="tx1"/>
+                  </a:solidFill>
+                </a:rPr>
+                <a:t>Griddalur</a:t>
+              </a:r>
+              <a:endParaRPr lang="en-US" sz="1000" b="1" dirty="0">
+                <a:solidFill>
+                  <a:schemeClr val="tx1"/>
+                </a:solidFill>
+              </a:endParaRPr>
             </a:p>
           </p:txBody>
         </p:sp>
@@ -15844,11 +15857,12 @@
 </file>
 
 <file path=customXml/item1.xml><?xml version="1.0" encoding="utf-8"?>
-<p:properties xmlns:p="http://schemas.microsoft.com/office/2006/metadata/properties" xmlns:xsi="http://www.w3.org/2001/XMLSchema-instance" xmlns:pc="http://schemas.microsoft.com/office/infopath/2007/PartnerControls">
-  <documentManagement>
-    <MediaServiceKeyPoints xmlns="71af3243-3dd4-4a8d-8c0d-dd76da1f02a5" xsi:nil="true"/>
-  </documentManagement>
-</p:properties>
+<?mso-contentType ?>
+<FormTemplates xmlns="http://schemas.microsoft.com/sharepoint/v3/contenttype/forms">
+  <Display>DocumentLibraryForm</Display>
+  <Edit>DocumentLibraryForm</Edit>
+  <New>DocumentLibraryForm</New>
+</FormTemplates>
 </file>
 
 <file path=customXml/item2.xml><?xml version="1.0" encoding="utf-8"?>
@@ -16063,27 +16077,17 @@
 </file>
 
 <file path=customXml/item3.xml><?xml version="1.0" encoding="utf-8"?>
-<?mso-contentType ?>
-<FormTemplates xmlns="http://schemas.microsoft.com/sharepoint/v3/contenttype/forms">
-  <Display>DocumentLibraryForm</Display>
-  <Edit>DocumentLibraryForm</Edit>
-  <New>DocumentLibraryForm</New>
-</FormTemplates>
+<p:properties xmlns:p="http://schemas.microsoft.com/office/2006/metadata/properties" xmlns:xsi="http://www.w3.org/2001/XMLSchema-instance" xmlns:pc="http://schemas.microsoft.com/office/infopath/2007/PartnerControls">
+  <documentManagement>
+    <MediaServiceKeyPoints xmlns="71af3243-3dd4-4a8d-8c0d-dd76da1f02a5" xsi:nil="true"/>
+  </documentManagement>
+</p:properties>
 </file>
 
 <file path=customXml/itemProps1.xml><?xml version="1.0" encoding="utf-8"?>
-<ds:datastoreItem xmlns:ds="http://schemas.openxmlformats.org/officeDocument/2006/customXml" ds:itemID="{3C2AD4FE-5267-4953-9D66-004581AED1F0}">
+<ds:datastoreItem xmlns:ds="http://schemas.openxmlformats.org/officeDocument/2006/customXml" ds:itemID="{9082A0F6-5C05-4A60-9DD8-B772877A4F89}">
   <ds:schemaRefs>
-    <ds:schemaRef ds:uri="http://schemas.microsoft.com/office/2006/metadata/properties"/>
-    <ds:schemaRef ds:uri="16c05727-aa75-4e4a-9b5f-8a80a1165891"/>
-    <ds:schemaRef ds:uri="http://purl.org/dc/elements/1.1/"/>
-    <ds:schemaRef ds:uri="71af3243-3dd4-4a8d-8c0d-dd76da1f02a5"/>
-    <ds:schemaRef ds:uri="http://schemas.microsoft.com/office/infopath/2007/PartnerControls"/>
-    <ds:schemaRef ds:uri="http://schemas.microsoft.com/office/2006/documentManagement/types"/>
-    <ds:schemaRef ds:uri="http://www.w3.org/XML/1998/namespace"/>
-    <ds:schemaRef ds:uri="http://schemas.openxmlformats.org/package/2006/metadata/core-properties"/>
-    <ds:schemaRef ds:uri="http://purl.org/dc/dcmitype/"/>
-    <ds:schemaRef ds:uri="http://purl.org/dc/terms/"/>
+    <ds:schemaRef ds:uri="http://schemas.microsoft.com/sharepoint/v3/contenttype/forms"/>
   </ds:schemaRefs>
 </ds:datastoreItem>
 </file>
@@ -16108,9 +16112,18 @@
 </file>
 
 <file path=customXml/itemProps3.xml><?xml version="1.0" encoding="utf-8"?>
-<ds:datastoreItem xmlns:ds="http://schemas.openxmlformats.org/officeDocument/2006/customXml" ds:itemID="{9082A0F6-5C05-4A60-9DD8-B772877A4F89}">
+<ds:datastoreItem xmlns:ds="http://schemas.openxmlformats.org/officeDocument/2006/customXml" ds:itemID="{3C2AD4FE-5267-4953-9D66-004581AED1F0}">
   <ds:schemaRefs>
-    <ds:schemaRef ds:uri="http://schemas.microsoft.com/sharepoint/v3/contenttype/forms"/>
+    <ds:schemaRef ds:uri="http://schemas.microsoft.com/office/2006/metadata/properties"/>
+    <ds:schemaRef ds:uri="16c05727-aa75-4e4a-9b5f-8a80a1165891"/>
+    <ds:schemaRef ds:uri="http://purl.org/dc/elements/1.1/"/>
+    <ds:schemaRef ds:uri="71af3243-3dd4-4a8d-8c0d-dd76da1f02a5"/>
+    <ds:schemaRef ds:uri="http://schemas.microsoft.com/office/infopath/2007/PartnerControls"/>
+    <ds:schemaRef ds:uri="http://schemas.microsoft.com/office/2006/documentManagement/types"/>
+    <ds:schemaRef ds:uri="http://www.w3.org/XML/1998/namespace"/>
+    <ds:schemaRef ds:uri="http://schemas.openxmlformats.org/package/2006/metadata/core-properties"/>
+    <ds:schemaRef ds:uri="http://purl.org/dc/dcmitype/"/>
+    <ds:schemaRef ds:uri="http://purl.org/dc/terms/"/>
   </ds:schemaRefs>
 </ds:datastoreItem>
 </file>
--- a/SEDSUSA/SEDS USA Organization Chart.pptx
+++ b/SEDSUSA/SEDS USA Organization Chart.pptx
@@ -13520,188 +13520,6 @@
           </a:p>
         </p:txBody>
       </p:sp>
-      <p:sp>
-        <p:nvSpPr>
-          <p:cNvPr id="154" name="Rectangle 153">
-            <a:extLst>
-              <a:ext uri="{FF2B5EF4-FFF2-40B4-BE49-F238E27FC236}">
-                <a16:creationId xmlns:a16="http://schemas.microsoft.com/office/drawing/2014/main" id="{044533C9-B625-4253-BCA1-95F9FEE86C98}"/>
-              </a:ext>
-            </a:extLst>
-          </p:cNvPr>
-          <p:cNvSpPr/>
-          <p:nvPr/>
-        </p:nvSpPr>
-        <p:spPr>
-          <a:xfrm>
-            <a:off x="8654649" y="45875"/>
-            <a:ext cx="1422763" cy="1384995"/>
-          </a:xfrm>
-          <a:prstGeom prst="rect">
-            <a:avLst/>
-          </a:prstGeom>
-        </p:spPr>
-        <p:txBody>
-          <a:bodyPr wrap="square">
-            <a:spAutoFit/>
-          </a:bodyPr>
-          <a:lstStyle/>
-          <a:p>
-            <a:pPr fontAlgn="base"/>
-            <a:r>
-              <a:rPr lang="en-US" sz="1200" u="sng" dirty="0">
-                <a:latin typeface="Calibri" panose="020F0502020204030204" pitchFamily="34" charset="0"/>
-              </a:rPr>
-              <a:t>SEDS USA Staff</a:t>
-            </a:r>
-            <a:r>
-              <a:rPr lang="en-US" sz="1200" dirty="0">
-                <a:latin typeface="Calibri" panose="020F0502020204030204" pitchFamily="34" charset="0"/>
-              </a:rPr>
-              <a:t> </a:t>
-            </a:r>
-            <a:r>
-              <a:rPr lang="en-US" sz="1200" dirty="0">
-                <a:solidFill>
-                  <a:srgbClr val="000000"/>
-                </a:solidFill>
-                <a:latin typeface="Calibri" panose="020F0502020204030204" pitchFamily="34" charset="0"/>
-              </a:rPr>
-              <a:t> </a:t>
-            </a:r>
-          </a:p>
-          <a:p>
-            <a:pPr fontAlgn="base">
-              <a:buFont typeface="+mj-lt"/>
-              <a:buAutoNum type="arabicPeriod"/>
-            </a:pPr>
-            <a:r>
-              <a:rPr lang="en-US" sz="1200" dirty="0">
-                <a:solidFill>
-                  <a:srgbClr val="000000"/>
-                </a:solidFill>
-                <a:latin typeface="Calibri" panose="020F0502020204030204" pitchFamily="34" charset="0"/>
-              </a:rPr>
-              <a:t>Anand </a:t>
-            </a:r>
-            <a:r>
-              <a:rPr lang="en-US" sz="1200" dirty="0" err="1">
-                <a:solidFill>
-                  <a:srgbClr val="000000"/>
-                </a:solidFill>
-                <a:latin typeface="Calibri" panose="020F0502020204030204" pitchFamily="34" charset="0"/>
-              </a:rPr>
-              <a:t>Biradar</a:t>
-            </a:r>
-            <a:r>
-              <a:rPr lang="en-US" sz="1200" dirty="0">
-                <a:solidFill>
-                  <a:srgbClr val="000000"/>
-                </a:solidFill>
-                <a:latin typeface="Calibri" panose="020F0502020204030204" pitchFamily="34" charset="0"/>
-              </a:rPr>
-              <a:t> </a:t>
-            </a:r>
-          </a:p>
-          <a:p>
-            <a:pPr fontAlgn="base">
-              <a:buFont typeface="+mj-lt"/>
-              <a:buAutoNum type="arabicPeriod"/>
-            </a:pPr>
-            <a:r>
-              <a:rPr lang="en-US" sz="1200" dirty="0">
-                <a:solidFill>
-                  <a:srgbClr val="000000"/>
-                </a:solidFill>
-                <a:latin typeface="Calibri" panose="020F0502020204030204" pitchFamily="34" charset="0"/>
-              </a:rPr>
-              <a:t>Jessica </a:t>
-            </a:r>
-            <a:r>
-              <a:rPr lang="en-US" sz="1200" dirty="0" err="1">
-                <a:solidFill>
-                  <a:srgbClr val="000000"/>
-                </a:solidFill>
-                <a:latin typeface="Calibri" panose="020F0502020204030204" pitchFamily="34" charset="0"/>
-              </a:rPr>
-              <a:t>Maschino</a:t>
-            </a:r>
-            <a:r>
-              <a:rPr lang="en-US" sz="1200" dirty="0">
-                <a:solidFill>
-                  <a:srgbClr val="000000"/>
-                </a:solidFill>
-                <a:latin typeface="Calibri" panose="020F0502020204030204" pitchFamily="34" charset="0"/>
-              </a:rPr>
-              <a:t> </a:t>
-            </a:r>
-          </a:p>
-          <a:p>
-            <a:pPr fontAlgn="base">
-              <a:buFont typeface="+mj-lt"/>
-              <a:buAutoNum type="arabicPeriod"/>
-            </a:pPr>
-            <a:r>
-              <a:rPr lang="en-US" sz="1200" dirty="0">
-                <a:solidFill>
-                  <a:srgbClr val="000000"/>
-                </a:solidFill>
-                <a:latin typeface="Calibri" panose="020F0502020204030204" pitchFamily="34" charset="0"/>
-              </a:rPr>
-              <a:t>JJ Fiedler </a:t>
-            </a:r>
-          </a:p>
-          <a:p>
-            <a:pPr fontAlgn="base">
-              <a:buFont typeface="+mj-lt"/>
-              <a:buAutoNum type="arabicPeriod"/>
-            </a:pPr>
-            <a:r>
-              <a:rPr lang="en-US" sz="1200" dirty="0">
-                <a:solidFill>
-                  <a:srgbClr val="000000"/>
-                </a:solidFill>
-                <a:latin typeface="Calibri" panose="020F0502020204030204" pitchFamily="34" charset="0"/>
-              </a:rPr>
-              <a:t>Megan Bennett  </a:t>
-            </a:r>
-          </a:p>
-          <a:p>
-            <a:pPr fontAlgn="base">
-              <a:buFont typeface="+mj-lt"/>
-              <a:buAutoNum type="arabicPeriod"/>
-            </a:pPr>
-            <a:r>
-              <a:rPr lang="en-US" sz="1200" dirty="0" err="1">
-                <a:solidFill>
-                  <a:srgbClr val="000000"/>
-                </a:solidFill>
-                <a:latin typeface="Calibri" panose="020F0502020204030204" pitchFamily="34" charset="0"/>
-              </a:rPr>
-              <a:t>Miekkal</a:t>
-            </a:r>
-            <a:r>
-              <a:rPr lang="en-US" sz="1200" dirty="0">
-                <a:solidFill>
-                  <a:srgbClr val="000000"/>
-                </a:solidFill>
-                <a:latin typeface="Calibri" panose="020F0502020204030204" pitchFamily="34" charset="0"/>
-              </a:rPr>
-              <a:t> Clarkson</a:t>
-            </a:r>
-          </a:p>
-          <a:p>
-            <a:pPr fontAlgn="base">
-              <a:buFont typeface="+mj-lt"/>
-              <a:buAutoNum type="arabicPeriod"/>
-            </a:pPr>
-            <a:r>
-              <a:rPr lang="en-US" sz="1200" dirty="0"/>
-              <a:t>Eric Laughlin</a:t>
-            </a:r>
-          </a:p>
-        </p:txBody>
-      </p:sp>
       <p:grpSp>
         <p:nvGrpSpPr>
           <p:cNvPr id="155" name="Group 154">
@@ -15857,12 +15675,11 @@
 </file>
 
 <file path=customXml/item1.xml><?xml version="1.0" encoding="utf-8"?>
-<?mso-contentType ?>
-<FormTemplates xmlns="http://schemas.microsoft.com/sharepoint/v3/contenttype/forms">
-  <Display>DocumentLibraryForm</Display>
-  <Edit>DocumentLibraryForm</Edit>
-  <New>DocumentLibraryForm</New>
-</FormTemplates>
+<p:properties xmlns:p="http://schemas.microsoft.com/office/2006/metadata/properties" xmlns:xsi="http://www.w3.org/2001/XMLSchema-instance" xmlns:pc="http://schemas.microsoft.com/office/infopath/2007/PartnerControls">
+  <documentManagement>
+    <MediaServiceKeyPoints xmlns="71af3243-3dd4-4a8d-8c0d-dd76da1f02a5" xsi:nil="true"/>
+  </documentManagement>
+</p:properties>
 </file>
 
 <file path=customXml/item2.xml><?xml version="1.0" encoding="utf-8"?>
@@ -16077,17 +15894,27 @@
 </file>
 
 <file path=customXml/item3.xml><?xml version="1.0" encoding="utf-8"?>
-<p:properties xmlns:p="http://schemas.microsoft.com/office/2006/metadata/properties" xmlns:xsi="http://www.w3.org/2001/XMLSchema-instance" xmlns:pc="http://schemas.microsoft.com/office/infopath/2007/PartnerControls">
-  <documentManagement>
-    <MediaServiceKeyPoints xmlns="71af3243-3dd4-4a8d-8c0d-dd76da1f02a5" xsi:nil="true"/>
-  </documentManagement>
-</p:properties>
+<?mso-contentType ?>
+<FormTemplates xmlns="http://schemas.microsoft.com/sharepoint/v3/contenttype/forms">
+  <Display>DocumentLibraryForm</Display>
+  <Edit>DocumentLibraryForm</Edit>
+  <New>DocumentLibraryForm</New>
+</FormTemplates>
 </file>
 
 <file path=customXml/itemProps1.xml><?xml version="1.0" encoding="utf-8"?>
-<ds:datastoreItem xmlns:ds="http://schemas.openxmlformats.org/officeDocument/2006/customXml" ds:itemID="{9082A0F6-5C05-4A60-9DD8-B772877A4F89}">
+<ds:datastoreItem xmlns:ds="http://schemas.openxmlformats.org/officeDocument/2006/customXml" ds:itemID="{3C2AD4FE-5267-4953-9D66-004581AED1F0}">
   <ds:schemaRefs>
-    <ds:schemaRef ds:uri="http://schemas.microsoft.com/sharepoint/v3/contenttype/forms"/>
+    <ds:schemaRef ds:uri="http://schemas.microsoft.com/office/2006/metadata/properties"/>
+    <ds:schemaRef ds:uri="16c05727-aa75-4e4a-9b5f-8a80a1165891"/>
+    <ds:schemaRef ds:uri="http://purl.org/dc/elements/1.1/"/>
+    <ds:schemaRef ds:uri="71af3243-3dd4-4a8d-8c0d-dd76da1f02a5"/>
+    <ds:schemaRef ds:uri="http://schemas.microsoft.com/office/infopath/2007/PartnerControls"/>
+    <ds:schemaRef ds:uri="http://schemas.microsoft.com/office/2006/documentManagement/types"/>
+    <ds:schemaRef ds:uri="http://www.w3.org/XML/1998/namespace"/>
+    <ds:schemaRef ds:uri="http://schemas.openxmlformats.org/package/2006/metadata/core-properties"/>
+    <ds:schemaRef ds:uri="http://purl.org/dc/dcmitype/"/>
+    <ds:schemaRef ds:uri="http://purl.org/dc/terms/"/>
   </ds:schemaRefs>
 </ds:datastoreItem>
 </file>
@@ -16112,18 +15939,9 @@
 </file>
 
 <file path=customXml/itemProps3.xml><?xml version="1.0" encoding="utf-8"?>
-<ds:datastoreItem xmlns:ds="http://schemas.openxmlformats.org/officeDocument/2006/customXml" ds:itemID="{3C2AD4FE-5267-4953-9D66-004581AED1F0}">
+<ds:datastoreItem xmlns:ds="http://schemas.openxmlformats.org/officeDocument/2006/customXml" ds:itemID="{9082A0F6-5C05-4A60-9DD8-B772877A4F89}">
   <ds:schemaRefs>
-    <ds:schemaRef ds:uri="http://schemas.microsoft.com/office/2006/metadata/properties"/>
-    <ds:schemaRef ds:uri="16c05727-aa75-4e4a-9b5f-8a80a1165891"/>
-    <ds:schemaRef ds:uri="http://purl.org/dc/elements/1.1/"/>
-    <ds:schemaRef ds:uri="71af3243-3dd4-4a8d-8c0d-dd76da1f02a5"/>
-    <ds:schemaRef ds:uri="http://schemas.microsoft.com/office/infopath/2007/PartnerControls"/>
-    <ds:schemaRef ds:uri="http://schemas.microsoft.com/office/2006/documentManagement/types"/>
-    <ds:schemaRef ds:uri="http://www.w3.org/XML/1998/namespace"/>
-    <ds:schemaRef ds:uri="http://schemas.openxmlformats.org/package/2006/metadata/core-properties"/>
-    <ds:schemaRef ds:uri="http://purl.org/dc/dcmitype/"/>
-    <ds:schemaRef ds:uri="http://purl.org/dc/terms/"/>
+    <ds:schemaRef ds:uri="http://schemas.microsoft.com/sharepoint/v3/contenttype/forms"/>
   </ds:schemaRefs>
 </ds:datastoreItem>
 </file>